--- a/卒研発表会.pptx
+++ b/卒研発表会.pptx
@@ -271,7 +271,7 @@
           <a:p>
             <a:fld id="{2CA974E4-5C81-4E2A-BB11-A65301C72B69}" type="datetimeFigureOut">
               <a:rPr kumimoji="1" lang="ja-JP" altLang="en-US" smtClean="0"/>
-              <a:t>2023/1/20</a:t>
+              <a:t>2023/1/21</a:t>
             </a:fld>
             <a:endParaRPr kumimoji="1" lang="ja-JP" altLang="en-US"/>
           </a:p>
@@ -501,7 +501,7 @@
           <a:p>
             <a:fld id="{2CA974E4-5C81-4E2A-BB11-A65301C72B69}" type="datetimeFigureOut">
               <a:rPr kumimoji="1" lang="ja-JP" altLang="en-US" smtClean="0"/>
-              <a:t>2023/1/20</a:t>
+              <a:t>2023/1/21</a:t>
             </a:fld>
             <a:endParaRPr kumimoji="1" lang="ja-JP" altLang="en-US"/>
           </a:p>
@@ -741,7 +741,7 @@
           <a:p>
             <a:fld id="{2CA974E4-5C81-4E2A-BB11-A65301C72B69}" type="datetimeFigureOut">
               <a:rPr kumimoji="1" lang="ja-JP" altLang="en-US" smtClean="0"/>
-              <a:t>2023/1/20</a:t>
+              <a:t>2023/1/21</a:t>
             </a:fld>
             <a:endParaRPr kumimoji="1" lang="ja-JP" altLang="en-US"/>
           </a:p>
@@ -971,7 +971,7 @@
           <a:p>
             <a:fld id="{2CA974E4-5C81-4E2A-BB11-A65301C72B69}" type="datetimeFigureOut">
               <a:rPr kumimoji="1" lang="ja-JP" altLang="en-US" smtClean="0"/>
-              <a:t>2023/1/20</a:t>
+              <a:t>2023/1/21</a:t>
             </a:fld>
             <a:endParaRPr kumimoji="1" lang="ja-JP" altLang="en-US"/>
           </a:p>
@@ -1246,7 +1246,7 @@
           <a:p>
             <a:fld id="{2CA974E4-5C81-4E2A-BB11-A65301C72B69}" type="datetimeFigureOut">
               <a:rPr kumimoji="1" lang="ja-JP" altLang="en-US" smtClean="0"/>
-              <a:t>2023/1/20</a:t>
+              <a:t>2023/1/21</a:t>
             </a:fld>
             <a:endParaRPr kumimoji="1" lang="ja-JP" altLang="en-US"/>
           </a:p>
@@ -1575,7 +1575,7 @@
           <a:p>
             <a:fld id="{2CA974E4-5C81-4E2A-BB11-A65301C72B69}" type="datetimeFigureOut">
               <a:rPr kumimoji="1" lang="ja-JP" altLang="en-US" smtClean="0"/>
-              <a:t>2023/1/20</a:t>
+              <a:t>2023/1/21</a:t>
             </a:fld>
             <a:endParaRPr kumimoji="1" lang="ja-JP" altLang="en-US"/>
           </a:p>
@@ -2051,7 +2051,7 @@
           <a:p>
             <a:fld id="{2CA974E4-5C81-4E2A-BB11-A65301C72B69}" type="datetimeFigureOut">
               <a:rPr kumimoji="1" lang="ja-JP" altLang="en-US" smtClean="0"/>
-              <a:t>2023/1/20</a:t>
+              <a:t>2023/1/21</a:t>
             </a:fld>
             <a:endParaRPr kumimoji="1" lang="ja-JP" altLang="en-US"/>
           </a:p>
@@ -2192,7 +2192,7 @@
           <a:p>
             <a:fld id="{2CA974E4-5C81-4E2A-BB11-A65301C72B69}" type="datetimeFigureOut">
               <a:rPr kumimoji="1" lang="ja-JP" altLang="en-US" smtClean="0"/>
-              <a:t>2023/1/20</a:t>
+              <a:t>2023/1/21</a:t>
             </a:fld>
             <a:endParaRPr kumimoji="1" lang="ja-JP" altLang="en-US"/>
           </a:p>
@@ -2305,7 +2305,7 @@
           <a:p>
             <a:fld id="{2CA974E4-5C81-4E2A-BB11-A65301C72B69}" type="datetimeFigureOut">
               <a:rPr kumimoji="1" lang="ja-JP" altLang="en-US" smtClean="0"/>
-              <a:t>2023/1/20</a:t>
+              <a:t>2023/1/21</a:t>
             </a:fld>
             <a:endParaRPr kumimoji="1" lang="ja-JP" altLang="en-US"/>
           </a:p>
@@ -2648,7 +2648,7 @@
           <a:p>
             <a:fld id="{2CA974E4-5C81-4E2A-BB11-A65301C72B69}" type="datetimeFigureOut">
               <a:rPr kumimoji="1" lang="ja-JP" altLang="en-US" smtClean="0"/>
-              <a:t>2023/1/20</a:t>
+              <a:t>2023/1/21</a:t>
             </a:fld>
             <a:endParaRPr kumimoji="1" lang="ja-JP" altLang="en-US"/>
           </a:p>
@@ -2936,7 +2936,7 @@
           <a:p>
             <a:fld id="{2CA974E4-5C81-4E2A-BB11-A65301C72B69}" type="datetimeFigureOut">
               <a:rPr kumimoji="1" lang="ja-JP" altLang="en-US" smtClean="0"/>
-              <a:t>2023/1/20</a:t>
+              <a:t>2023/1/21</a:t>
             </a:fld>
             <a:endParaRPr kumimoji="1" lang="ja-JP" altLang="en-US"/>
           </a:p>
@@ -3209,7 +3209,7 @@
           <a:p>
             <a:fld id="{2CA974E4-5C81-4E2A-BB11-A65301C72B69}" type="datetimeFigureOut">
               <a:rPr kumimoji="1" lang="ja-JP" altLang="en-US" smtClean="0"/>
-              <a:t>2023/1/20</a:t>
+              <a:t>2023/1/21</a:t>
             </a:fld>
             <a:endParaRPr kumimoji="1" lang="ja-JP" altLang="en-US"/>
           </a:p>

--- a/卒研発表会.pptx
+++ b/卒研発表会.pptx
@@ -271,7 +271,7 @@
           <a:p>
             <a:fld id="{2CA974E4-5C81-4E2A-BB11-A65301C72B69}" type="datetimeFigureOut">
               <a:rPr kumimoji="1" lang="ja-JP" altLang="en-US" smtClean="0"/>
-              <a:t>2023/1/21</a:t>
+              <a:t>2023/1/24</a:t>
             </a:fld>
             <a:endParaRPr kumimoji="1" lang="ja-JP" altLang="en-US"/>
           </a:p>
@@ -501,7 +501,7 @@
           <a:p>
             <a:fld id="{2CA974E4-5C81-4E2A-BB11-A65301C72B69}" type="datetimeFigureOut">
               <a:rPr kumimoji="1" lang="ja-JP" altLang="en-US" smtClean="0"/>
-              <a:t>2023/1/21</a:t>
+              <a:t>2023/1/24</a:t>
             </a:fld>
             <a:endParaRPr kumimoji="1" lang="ja-JP" altLang="en-US"/>
           </a:p>
@@ -741,7 +741,7 @@
           <a:p>
             <a:fld id="{2CA974E4-5C81-4E2A-BB11-A65301C72B69}" type="datetimeFigureOut">
               <a:rPr kumimoji="1" lang="ja-JP" altLang="en-US" smtClean="0"/>
-              <a:t>2023/1/21</a:t>
+              <a:t>2023/1/24</a:t>
             </a:fld>
             <a:endParaRPr kumimoji="1" lang="ja-JP" altLang="en-US"/>
           </a:p>
@@ -971,7 +971,7 @@
           <a:p>
             <a:fld id="{2CA974E4-5C81-4E2A-BB11-A65301C72B69}" type="datetimeFigureOut">
               <a:rPr kumimoji="1" lang="ja-JP" altLang="en-US" smtClean="0"/>
-              <a:t>2023/1/21</a:t>
+              <a:t>2023/1/24</a:t>
             </a:fld>
             <a:endParaRPr kumimoji="1" lang="ja-JP" altLang="en-US"/>
           </a:p>
@@ -1246,7 +1246,7 @@
           <a:p>
             <a:fld id="{2CA974E4-5C81-4E2A-BB11-A65301C72B69}" type="datetimeFigureOut">
               <a:rPr kumimoji="1" lang="ja-JP" altLang="en-US" smtClean="0"/>
-              <a:t>2023/1/21</a:t>
+              <a:t>2023/1/24</a:t>
             </a:fld>
             <a:endParaRPr kumimoji="1" lang="ja-JP" altLang="en-US"/>
           </a:p>
@@ -1575,7 +1575,7 @@
           <a:p>
             <a:fld id="{2CA974E4-5C81-4E2A-BB11-A65301C72B69}" type="datetimeFigureOut">
               <a:rPr kumimoji="1" lang="ja-JP" altLang="en-US" smtClean="0"/>
-              <a:t>2023/1/21</a:t>
+              <a:t>2023/1/24</a:t>
             </a:fld>
             <a:endParaRPr kumimoji="1" lang="ja-JP" altLang="en-US"/>
           </a:p>
@@ -2051,7 +2051,7 @@
           <a:p>
             <a:fld id="{2CA974E4-5C81-4E2A-BB11-A65301C72B69}" type="datetimeFigureOut">
               <a:rPr kumimoji="1" lang="ja-JP" altLang="en-US" smtClean="0"/>
-              <a:t>2023/1/21</a:t>
+              <a:t>2023/1/24</a:t>
             </a:fld>
             <a:endParaRPr kumimoji="1" lang="ja-JP" altLang="en-US"/>
           </a:p>
@@ -2192,7 +2192,7 @@
           <a:p>
             <a:fld id="{2CA974E4-5C81-4E2A-BB11-A65301C72B69}" type="datetimeFigureOut">
               <a:rPr kumimoji="1" lang="ja-JP" altLang="en-US" smtClean="0"/>
-              <a:t>2023/1/21</a:t>
+              <a:t>2023/1/24</a:t>
             </a:fld>
             <a:endParaRPr kumimoji="1" lang="ja-JP" altLang="en-US"/>
           </a:p>
@@ -2305,7 +2305,7 @@
           <a:p>
             <a:fld id="{2CA974E4-5C81-4E2A-BB11-A65301C72B69}" type="datetimeFigureOut">
               <a:rPr kumimoji="1" lang="ja-JP" altLang="en-US" smtClean="0"/>
-              <a:t>2023/1/21</a:t>
+              <a:t>2023/1/24</a:t>
             </a:fld>
             <a:endParaRPr kumimoji="1" lang="ja-JP" altLang="en-US"/>
           </a:p>
@@ -2648,7 +2648,7 @@
           <a:p>
             <a:fld id="{2CA974E4-5C81-4E2A-BB11-A65301C72B69}" type="datetimeFigureOut">
               <a:rPr kumimoji="1" lang="ja-JP" altLang="en-US" smtClean="0"/>
-              <a:t>2023/1/21</a:t>
+              <a:t>2023/1/24</a:t>
             </a:fld>
             <a:endParaRPr kumimoji="1" lang="ja-JP" altLang="en-US"/>
           </a:p>
@@ -2936,7 +2936,7 @@
           <a:p>
             <a:fld id="{2CA974E4-5C81-4E2A-BB11-A65301C72B69}" type="datetimeFigureOut">
               <a:rPr kumimoji="1" lang="ja-JP" altLang="en-US" smtClean="0"/>
-              <a:t>2023/1/21</a:t>
+              <a:t>2023/1/24</a:t>
             </a:fld>
             <a:endParaRPr kumimoji="1" lang="ja-JP" altLang="en-US"/>
           </a:p>
@@ -3209,7 +3209,7 @@
           <a:p>
             <a:fld id="{2CA974E4-5C81-4E2A-BB11-A65301C72B69}" type="datetimeFigureOut">
               <a:rPr kumimoji="1" lang="ja-JP" altLang="en-US" smtClean="0"/>
-              <a:t>2023/1/21</a:t>
+              <a:t>2023/1/24</a:t>
             </a:fld>
             <a:endParaRPr kumimoji="1" lang="ja-JP" altLang="en-US"/>
           </a:p>
@@ -5178,7 +5178,7 @@
         </p:spPr>
         <p:txBody>
           <a:bodyPr>
-            <a:normAutofit fontScale="92500" lnSpcReduction="10000"/>
+            <a:noAutofit/>
           </a:bodyPr>
           <a:lstStyle/>
           <a:p>
@@ -5203,15 +5203,7 @@
             </a:pPr>
             <a:r>
               <a:rPr lang="ja-JP" altLang="en-US" sz="2000" dirty="0"/>
-              <a:t>今回は</a:t>
-            </a:r>
-            <a:r>
-              <a:rPr lang="ja-JP" altLang="en-US" sz="2200" dirty="0"/>
-              <a:t>パズルゲーム</a:t>
-            </a:r>
-            <a:r>
-              <a:rPr lang="ja-JP" altLang="en-US" sz="2000" dirty="0"/>
-              <a:t>とリズムゲームを組み合わせる。</a:t>
+              <a:t>今回はパズルゲームとリズムゲームを組み合わせる。</a:t>
             </a:r>
             <a:endParaRPr lang="en-US" altLang="ja-JP" sz="2000" dirty="0"/>
           </a:p>
@@ -5348,7 +5340,7 @@
         <p:spPr>
           <a:xfrm>
             <a:off x="838200" y="4369592"/>
-            <a:ext cx="10515600" cy="707886"/>
+            <a:ext cx="10515600" cy="1631216"/>
           </a:xfrm>
           <a:prstGeom prst="rect">
             <a:avLst/>
@@ -5362,21 +5354,303 @@
           <a:lstStyle/>
           <a:p>
             <a:r>
-              <a:rPr lang="ja-JP" altLang="en-US" sz="2000" dirty="0"/>
-              <a:t>パズドラ　</a:t>
-            </a:r>
-            <a:r>
-              <a:rPr lang="en-US" altLang="ja-JP" sz="2000" dirty="0"/>
+              <a:rPr lang="ja-JP" altLang="en-US" sz="2000" b="1" dirty="0">
+                <a:solidFill>
+                  <a:schemeClr val="bg2">
+                    <a:lumMod val="25000"/>
+                  </a:schemeClr>
+                </a:solidFill>
+              </a:rPr>
+              <a:t>パズル＆ドラゴンズ</a:t>
+            </a:r>
+            <a:endParaRPr lang="en-US" altLang="ja-JP" sz="2000" b="1" dirty="0">
+              <a:solidFill>
+                <a:schemeClr val="bg2">
+                  <a:lumMod val="25000"/>
+                </a:schemeClr>
+              </a:solidFill>
+            </a:endParaRPr>
+          </a:p>
+          <a:p>
+            <a:r>
+              <a:rPr lang="en-US" altLang="ja-JP" sz="2000" dirty="0">
+                <a:solidFill>
+                  <a:schemeClr val="bg2">
+                    <a:lumMod val="25000"/>
+                  </a:schemeClr>
+                </a:solidFill>
+              </a:rPr>
+              <a:t>	</a:t>
+            </a:r>
+            <a:r>
+              <a:rPr lang="ja-JP" altLang="en-US" sz="2000" dirty="0">
+                <a:solidFill>
+                  <a:schemeClr val="bg2">
+                    <a:lumMod val="25000"/>
+                  </a:schemeClr>
+                </a:solidFill>
+              </a:rPr>
+              <a:t>パズル</a:t>
+            </a:r>
+            <a:r>
+              <a:rPr lang="en-US" altLang="ja-JP" sz="2000" dirty="0">
+                <a:solidFill>
+                  <a:schemeClr val="bg2">
+                    <a:lumMod val="25000"/>
+                  </a:schemeClr>
+                </a:solidFill>
+              </a:rPr>
+              <a:t>×RPG </a:t>
+            </a:r>
+          </a:p>
+          <a:p>
+            <a:endParaRPr lang="en-US" altLang="ja-JP" sz="2000" dirty="0">
+              <a:solidFill>
+                <a:schemeClr val="bg2">
+                  <a:lumMod val="25000"/>
+                </a:schemeClr>
+              </a:solidFill>
+            </a:endParaRPr>
+          </a:p>
+          <a:p>
+            <a:r>
+              <a:rPr lang="en-US" altLang="ja-JP" sz="2000" b="1" dirty="0">
+                <a:solidFill>
+                  <a:schemeClr val="bg2">
+                    <a:lumMod val="25000"/>
+                  </a:schemeClr>
+                </a:solidFill>
+              </a:rPr>
               <a:t>UNDERTALE</a:t>
             </a:r>
-            <a:r>
-              <a:rPr lang="ja-JP" altLang="en-US" sz="2000" dirty="0"/>
-              <a:t>とかの画像載せる</a:t>
-            </a:r>
-            <a:endParaRPr lang="en-US" altLang="ja-JP" sz="2000" dirty="0"/>
-          </a:p>
-          <a:p>
-            <a:endParaRPr kumimoji="1" lang="ja-JP" altLang="en-US" sz="2000" dirty="0"/>
+          </a:p>
+          <a:p>
+            <a:r>
+              <a:rPr kumimoji="1" lang="en-US" altLang="ja-JP" sz="2000" dirty="0">
+                <a:solidFill>
+                  <a:schemeClr val="bg2">
+                    <a:lumMod val="25000"/>
+                  </a:schemeClr>
+                </a:solidFill>
+              </a:rPr>
+              <a:t>	</a:t>
+            </a:r>
+            <a:r>
+              <a:rPr kumimoji="1" lang="ja-JP" altLang="en-US" sz="2000" dirty="0">
+                <a:solidFill>
+                  <a:schemeClr val="bg2">
+                    <a:lumMod val="25000"/>
+                  </a:schemeClr>
+                </a:solidFill>
+              </a:rPr>
+              <a:t>シューティング</a:t>
+            </a:r>
+            <a:r>
+              <a:rPr kumimoji="1" lang="en-US" altLang="ja-JP" sz="2000" dirty="0">
+                <a:solidFill>
+                  <a:schemeClr val="bg2">
+                    <a:lumMod val="25000"/>
+                  </a:schemeClr>
+                </a:solidFill>
+              </a:rPr>
+              <a:t>×RPG</a:t>
+            </a:r>
+            <a:endParaRPr kumimoji="1" lang="ja-JP" altLang="en-US" sz="2000" dirty="0">
+              <a:solidFill>
+                <a:schemeClr val="bg2">
+                  <a:lumMod val="25000"/>
+                </a:schemeClr>
+              </a:solidFill>
+            </a:endParaRPr>
+          </a:p>
+        </p:txBody>
+      </p:sp>
+      <p:pic>
+        <p:nvPicPr>
+          <p:cNvPr id="1026" name="Picture 2" descr="【パズドラ】パズドラZコラボ攻略パーティまとめたよー【ノーコンアリ】 : ガチャガチャ～パズドラ攻略情報まとめ～">
+            <a:extLst>
+              <a:ext uri="{FF2B5EF4-FFF2-40B4-BE49-F238E27FC236}">
+                <a16:creationId xmlns:a16="http://schemas.microsoft.com/office/drawing/2014/main" id="{DF74BC42-55D0-CE80-03C5-ECC406413F45}"/>
+              </a:ext>
+            </a:extLst>
+          </p:cNvPr>
+          <p:cNvPicPr>
+            <a:picLocks noChangeAspect="1" noChangeArrowheads="1"/>
+          </p:cNvPicPr>
+          <p:nvPr/>
+        </p:nvPicPr>
+        <p:blipFill>
+          <a:blip r:embed="rId2">
+            <a:extLst>
+              <a:ext uri="{28A0092B-C50C-407E-A947-70E740481C1C}">
+                <a14:useLocalDpi xmlns:a14="http://schemas.microsoft.com/office/drawing/2010/main" val="0"/>
+              </a:ext>
+            </a:extLst>
+          </a:blip>
+          <a:srcRect/>
+          <a:stretch>
+            <a:fillRect/>
+          </a:stretch>
+        </p:blipFill>
+        <p:spPr bwMode="auto">
+          <a:xfrm>
+            <a:off x="5142832" y="3429000"/>
+            <a:ext cx="1906336" cy="2859505"/>
+          </a:xfrm>
+          <a:prstGeom prst="rect">
+            <a:avLst/>
+          </a:prstGeom>
+          <a:noFill/>
+          <a:extLst>
+            <a:ext uri="{909E8E84-426E-40DD-AFC4-6F175D3DCCD1}">
+              <a14:hiddenFill xmlns:a14="http://schemas.microsoft.com/office/drawing/2010/main">
+                <a:solidFill>
+                  <a:srgbClr val="FFFFFF"/>
+                </a:solidFill>
+              </a14:hiddenFill>
+            </a:ext>
+          </a:extLst>
+        </p:spPr>
+      </p:pic>
+      <p:pic>
+        <p:nvPicPr>
+          <p:cNvPr id="1028" name="Picture 4" descr="[Undertale PS4 Neutral] All boss fight (Mercy except Asgore) - YouTube">
+            <a:extLst>
+              <a:ext uri="{FF2B5EF4-FFF2-40B4-BE49-F238E27FC236}">
+                <a16:creationId xmlns:a16="http://schemas.microsoft.com/office/drawing/2014/main" id="{E38C7FE8-0E55-C622-6414-B4B78BAF21FC}"/>
+              </a:ext>
+            </a:extLst>
+          </p:cNvPr>
+          <p:cNvPicPr>
+            <a:picLocks noChangeAspect="1" noChangeArrowheads="1"/>
+          </p:cNvPicPr>
+          <p:nvPr/>
+        </p:nvPicPr>
+        <p:blipFill>
+          <a:blip r:embed="rId3">
+            <a:extLst>
+              <a:ext uri="{28A0092B-C50C-407E-A947-70E740481C1C}">
+                <a14:useLocalDpi xmlns:a14="http://schemas.microsoft.com/office/drawing/2010/main" val="0"/>
+              </a:ext>
+            </a:extLst>
+          </a:blip>
+          <a:srcRect/>
+          <a:stretch>
+            <a:fillRect/>
+          </a:stretch>
+        </p:blipFill>
+        <p:spPr bwMode="auto">
+          <a:xfrm>
+            <a:off x="7463364" y="3429000"/>
+            <a:ext cx="4423836" cy="2488408"/>
+          </a:xfrm>
+          <a:prstGeom prst="rect">
+            <a:avLst/>
+          </a:prstGeom>
+          <a:noFill/>
+          <a:extLst>
+            <a:ext uri="{909E8E84-426E-40DD-AFC4-6F175D3DCCD1}">
+              <a14:hiddenFill xmlns:a14="http://schemas.microsoft.com/office/drawing/2010/main">
+                <a:solidFill>
+                  <a:srgbClr val="FFFFFF"/>
+                </a:solidFill>
+              </a14:hiddenFill>
+            </a:ext>
+          </a:extLst>
+        </p:spPr>
+      </p:pic>
+      <p:sp>
+        <p:nvSpPr>
+          <p:cNvPr id="4" name="テキスト ボックス 3">
+            <a:extLst>
+              <a:ext uri="{FF2B5EF4-FFF2-40B4-BE49-F238E27FC236}">
+                <a16:creationId xmlns:a16="http://schemas.microsoft.com/office/drawing/2014/main" id="{59E327D5-D8F3-9A11-0433-CC8BA47A3388}"/>
+              </a:ext>
+            </a:extLst>
+          </p:cNvPr>
+          <p:cNvSpPr txBox="1"/>
+          <p:nvPr/>
+        </p:nvSpPr>
+        <p:spPr>
+          <a:xfrm>
+            <a:off x="5142833" y="6292820"/>
+            <a:ext cx="1991894" cy="369332"/>
+          </a:xfrm>
+          <a:prstGeom prst="rect">
+            <a:avLst/>
+          </a:prstGeom>
+          <a:noFill/>
+        </p:spPr>
+        <p:txBody>
+          <a:bodyPr wrap="square" rtlCol="0">
+            <a:spAutoFit/>
+          </a:bodyPr>
+          <a:lstStyle/>
+          <a:p>
+            <a:r>
+              <a:rPr lang="en-US" altLang="ja-JP" sz="900" b="0" i="0" dirty="0" err="1">
+                <a:solidFill>
+                  <a:srgbClr val="000000"/>
+                </a:solidFill>
+                <a:effectLst/>
+              </a:rPr>
+              <a:t>GungHo</a:t>
+            </a:r>
+            <a:r>
+              <a:rPr lang="en-US" altLang="ja-JP" sz="900" b="0" i="0" dirty="0">
+                <a:solidFill>
+                  <a:srgbClr val="000000"/>
+                </a:solidFill>
+                <a:effectLst/>
+              </a:rPr>
+              <a:t> Online Entertainment『</a:t>
+            </a:r>
+            <a:r>
+              <a:rPr kumimoji="1" lang="ja-JP" altLang="en-US" sz="900" dirty="0"/>
+              <a:t>パズル＆ドラゴンズ</a:t>
+            </a:r>
+            <a:r>
+              <a:rPr kumimoji="1" lang="en-US" altLang="ja-JP" sz="900" dirty="0"/>
+              <a:t>』.2012</a:t>
+            </a:r>
+            <a:endParaRPr kumimoji="1" lang="ja-JP" altLang="en-US" sz="900" dirty="0"/>
+          </a:p>
+        </p:txBody>
+      </p:sp>
+      <p:sp>
+        <p:nvSpPr>
+          <p:cNvPr id="5" name="テキスト ボックス 4">
+            <a:extLst>
+              <a:ext uri="{FF2B5EF4-FFF2-40B4-BE49-F238E27FC236}">
+                <a16:creationId xmlns:a16="http://schemas.microsoft.com/office/drawing/2014/main" id="{F0BBBEC1-9965-1E41-AE85-5F7A4CE2929B}"/>
+              </a:ext>
+            </a:extLst>
+          </p:cNvPr>
+          <p:cNvSpPr txBox="1"/>
+          <p:nvPr/>
+        </p:nvSpPr>
+        <p:spPr>
+          <a:xfrm>
+            <a:off x="7352900" y="5917408"/>
+            <a:ext cx="1848583" cy="230832"/>
+          </a:xfrm>
+          <a:prstGeom prst="rect">
+            <a:avLst/>
+          </a:prstGeom>
+          <a:noFill/>
+        </p:spPr>
+        <p:txBody>
+          <a:bodyPr wrap="none" rtlCol="0">
+            <a:spAutoFit/>
+          </a:bodyPr>
+          <a:lstStyle/>
+          <a:p>
+            <a:pPr algn="r"/>
+            <a:r>
+              <a:rPr kumimoji="1" lang="en-US" altLang="ja-JP" sz="900" dirty="0"/>
+              <a:t>TobyFox『UNDERTALE』.2015</a:t>
+            </a:r>
+            <a:endParaRPr kumimoji="1" lang="ja-JP" altLang="en-US" sz="900" dirty="0"/>
           </a:p>
         </p:txBody>
       </p:sp>
@@ -8641,31 +8915,6 @@
       </p:grpSpPr>
       <p:sp>
         <p:nvSpPr>
-          <p:cNvPr id="2" name="タイトル 1">
-            <a:extLst>
-              <a:ext uri="{FF2B5EF4-FFF2-40B4-BE49-F238E27FC236}">
-                <a16:creationId xmlns:a16="http://schemas.microsoft.com/office/drawing/2014/main" id="{295445C2-0D70-C3A5-15F8-6F649C878760}"/>
-              </a:ext>
-            </a:extLst>
-          </p:cNvPr>
-          <p:cNvSpPr>
-            <a:spLocks noGrp="1"/>
-          </p:cNvSpPr>
-          <p:nvPr>
-            <p:ph type="title"/>
-          </p:nvPr>
-        </p:nvSpPr>
-        <p:spPr/>
-        <p:txBody>
-          <a:bodyPr/>
-          <a:lstStyle/>
-          <a:p>
-            <a:endParaRPr kumimoji="1" lang="ja-JP" altLang="en-US"/>
-          </a:p>
-        </p:txBody>
-      </p:sp>
-      <p:sp>
-        <p:nvSpPr>
           <p:cNvPr id="3" name="コンテンツ プレースホルダー 2">
             <a:extLst>
               <a:ext uri="{FF2B5EF4-FFF2-40B4-BE49-F238E27FC236}">
@@ -8689,6 +8938,127 @@
               <a:rPr kumimoji="1" lang="ja-JP" altLang="en-US" dirty="0"/>
               <a:t>パズルやりすぎ注意とかの話</a:t>
             </a:r>
+          </a:p>
+        </p:txBody>
+      </p:sp>
+      <p:sp>
+        <p:nvSpPr>
+          <p:cNvPr id="4" name="タイトル 1">
+            <a:extLst>
+              <a:ext uri="{FF2B5EF4-FFF2-40B4-BE49-F238E27FC236}">
+                <a16:creationId xmlns:a16="http://schemas.microsoft.com/office/drawing/2014/main" id="{C92B1538-EC6D-5321-AF37-4F65AC389969}"/>
+              </a:ext>
+            </a:extLst>
+          </p:cNvPr>
+          <p:cNvSpPr>
+            <a:spLocks noGrp="1"/>
+          </p:cNvSpPr>
+          <p:nvPr>
+            <p:ph type="title"/>
+          </p:nvPr>
+        </p:nvSpPr>
+        <p:spPr>
+          <a:xfrm>
+            <a:off x="838200" y="365125"/>
+            <a:ext cx="10515600" cy="1325563"/>
+          </a:xfrm>
+        </p:spPr>
+        <p:txBody>
+          <a:bodyPr>
+            <a:normAutofit/>
+          </a:bodyPr>
+          <a:lstStyle/>
+          <a:p>
+            <a:r>
+              <a:rPr kumimoji="1" lang="en-US" altLang="ja-JP" sz="2800" dirty="0">
+                <a:solidFill>
+                  <a:schemeClr val="bg2">
+                    <a:lumMod val="25000"/>
+                  </a:schemeClr>
+                </a:solidFill>
+                <a:latin typeface="HGSｺﾞｼｯｸE" panose="020B0900000000000000" pitchFamily="50" charset="-128"/>
+                <a:ea typeface="HGSｺﾞｼｯｸE" panose="020B0900000000000000" pitchFamily="50" charset="-128"/>
+              </a:rPr>
+              <a:t>-</a:t>
+            </a:r>
+            <a:r>
+              <a:rPr kumimoji="1" lang="ja-JP" altLang="en-US" sz="2800" dirty="0">
+                <a:solidFill>
+                  <a:schemeClr val="bg2">
+                    <a:lumMod val="25000"/>
+                  </a:schemeClr>
+                </a:solidFill>
+                <a:latin typeface="HGSｺﾞｼｯｸE" panose="020B0900000000000000" pitchFamily="50" charset="-128"/>
+                <a:ea typeface="HGSｺﾞｼｯｸE" panose="020B0900000000000000" pitchFamily="50" charset="-128"/>
+              </a:rPr>
+              <a:t> </a:t>
+            </a:r>
+            <a:r>
+              <a:rPr lang="ja-JP" altLang="en-US" sz="2800" dirty="0">
+                <a:solidFill>
+                  <a:schemeClr val="bg2">
+                    <a:lumMod val="25000"/>
+                  </a:schemeClr>
+                </a:solidFill>
+                <a:latin typeface="HGSｺﾞｼｯｸE" panose="020B0900000000000000" pitchFamily="50" charset="-128"/>
+                <a:ea typeface="HGSｺﾞｼｯｸE" panose="020B0900000000000000" pitchFamily="50" charset="-128"/>
+              </a:rPr>
+              <a:t>ゲームの設計</a:t>
+            </a:r>
+            <a:r>
+              <a:rPr kumimoji="1" lang="ja-JP" altLang="en-US" sz="2800" dirty="0">
+                <a:solidFill>
+                  <a:schemeClr val="bg2">
+                    <a:lumMod val="25000"/>
+                  </a:schemeClr>
+                </a:solidFill>
+                <a:latin typeface="HGSｺﾞｼｯｸE" panose="020B0900000000000000" pitchFamily="50" charset="-128"/>
+                <a:ea typeface="HGSｺﾞｼｯｸE" panose="020B0900000000000000" pitchFamily="50" charset="-128"/>
+              </a:rPr>
+              <a:t> </a:t>
+            </a:r>
+            <a:r>
+              <a:rPr kumimoji="1" lang="en-US" altLang="ja-JP" sz="2800" dirty="0">
+                <a:solidFill>
+                  <a:schemeClr val="bg2">
+                    <a:lumMod val="25000"/>
+                  </a:schemeClr>
+                </a:solidFill>
+                <a:latin typeface="HGSｺﾞｼｯｸE" panose="020B0900000000000000" pitchFamily="50" charset="-128"/>
+                <a:ea typeface="HGSｺﾞｼｯｸE" panose="020B0900000000000000" pitchFamily="50" charset="-128"/>
+              </a:rPr>
+              <a:t>-</a:t>
+            </a:r>
+            <a:br>
+              <a:rPr kumimoji="1" lang="en-US" altLang="ja-JP" sz="4000" dirty="0">
+                <a:solidFill>
+                  <a:schemeClr val="bg2">
+                    <a:lumMod val="25000"/>
+                  </a:schemeClr>
+                </a:solidFill>
+              </a:rPr>
+            </a:br>
+            <a:r>
+              <a:rPr kumimoji="1" lang="en-US" altLang="ja-JP" sz="2000" dirty="0">
+                <a:solidFill>
+                  <a:schemeClr val="bg2">
+                    <a:lumMod val="50000"/>
+                  </a:schemeClr>
+                </a:solidFill>
+                <a:latin typeface="Bahnschrift SemiLight" panose="020B0502040204020203" pitchFamily="34" charset="0"/>
+                <a:cs typeface="Adobe Devanagari" panose="02040503050201020203" pitchFamily="18" charset="0"/>
+              </a:rPr>
+              <a:t>Game Design</a:t>
+            </a:r>
+            <a:endParaRPr kumimoji="1" lang="ja-JP" altLang="en-US" sz="4000" dirty="0">
+              <a:solidFill>
+                <a:schemeClr val="bg2">
+                  <a:lumMod val="50000"/>
+                </a:schemeClr>
+              </a:solidFill>
+              <a:latin typeface="Bahnschrift SemiLight" panose="020B0502040204020203" pitchFamily="34" charset="0"/>
+              <a:cs typeface="Adobe Devanagari" panose="02040503050201020203" pitchFamily="18" charset="0"/>
+            </a:endParaRPr>
           </a:p>
         </p:txBody>
       </p:sp>
@@ -8919,6 +9289,7 @@
               <a:rPr kumimoji="1" lang="ja-JP" altLang="en-US" dirty="0"/>
               <a:t>参考事例の作品はリズムゲームの要素が薄い（タイミングよく押せば良いだけで、リズムゲーム特有の長押し等のギミックが無い）</a:t>
             </a:r>
+            <a:endParaRPr lang="en-US" altLang="ja-JP" dirty="0"/>
           </a:p>
         </p:txBody>
       </p:sp>

--- a/卒研発表会.pptx
+++ b/卒研発表会.pptx
@@ -271,7 +271,7 @@
           <a:p>
             <a:fld id="{2CA974E4-5C81-4E2A-BB11-A65301C72B69}" type="datetimeFigureOut">
               <a:rPr kumimoji="1" lang="ja-JP" altLang="en-US" smtClean="0"/>
-              <a:t>2023/1/24</a:t>
+              <a:t>2023/1/25</a:t>
             </a:fld>
             <a:endParaRPr kumimoji="1" lang="ja-JP" altLang="en-US"/>
           </a:p>
@@ -501,7 +501,7 @@
           <a:p>
             <a:fld id="{2CA974E4-5C81-4E2A-BB11-A65301C72B69}" type="datetimeFigureOut">
               <a:rPr kumimoji="1" lang="ja-JP" altLang="en-US" smtClean="0"/>
-              <a:t>2023/1/24</a:t>
+              <a:t>2023/1/25</a:t>
             </a:fld>
             <a:endParaRPr kumimoji="1" lang="ja-JP" altLang="en-US"/>
           </a:p>
@@ -741,7 +741,7 @@
           <a:p>
             <a:fld id="{2CA974E4-5C81-4E2A-BB11-A65301C72B69}" type="datetimeFigureOut">
               <a:rPr kumimoji="1" lang="ja-JP" altLang="en-US" smtClean="0"/>
-              <a:t>2023/1/24</a:t>
+              <a:t>2023/1/25</a:t>
             </a:fld>
             <a:endParaRPr kumimoji="1" lang="ja-JP" altLang="en-US"/>
           </a:p>
@@ -971,7 +971,7 @@
           <a:p>
             <a:fld id="{2CA974E4-5C81-4E2A-BB11-A65301C72B69}" type="datetimeFigureOut">
               <a:rPr kumimoji="1" lang="ja-JP" altLang="en-US" smtClean="0"/>
-              <a:t>2023/1/24</a:t>
+              <a:t>2023/1/25</a:t>
             </a:fld>
             <a:endParaRPr kumimoji="1" lang="ja-JP" altLang="en-US"/>
           </a:p>
@@ -1246,7 +1246,7 @@
           <a:p>
             <a:fld id="{2CA974E4-5C81-4E2A-BB11-A65301C72B69}" type="datetimeFigureOut">
               <a:rPr kumimoji="1" lang="ja-JP" altLang="en-US" smtClean="0"/>
-              <a:t>2023/1/24</a:t>
+              <a:t>2023/1/25</a:t>
             </a:fld>
             <a:endParaRPr kumimoji="1" lang="ja-JP" altLang="en-US"/>
           </a:p>
@@ -1575,7 +1575,7 @@
           <a:p>
             <a:fld id="{2CA974E4-5C81-4E2A-BB11-A65301C72B69}" type="datetimeFigureOut">
               <a:rPr kumimoji="1" lang="ja-JP" altLang="en-US" smtClean="0"/>
-              <a:t>2023/1/24</a:t>
+              <a:t>2023/1/25</a:t>
             </a:fld>
             <a:endParaRPr kumimoji="1" lang="ja-JP" altLang="en-US"/>
           </a:p>
@@ -2051,7 +2051,7 @@
           <a:p>
             <a:fld id="{2CA974E4-5C81-4E2A-BB11-A65301C72B69}" type="datetimeFigureOut">
               <a:rPr kumimoji="1" lang="ja-JP" altLang="en-US" smtClean="0"/>
-              <a:t>2023/1/24</a:t>
+              <a:t>2023/1/25</a:t>
             </a:fld>
             <a:endParaRPr kumimoji="1" lang="ja-JP" altLang="en-US"/>
           </a:p>
@@ -2192,7 +2192,7 @@
           <a:p>
             <a:fld id="{2CA974E4-5C81-4E2A-BB11-A65301C72B69}" type="datetimeFigureOut">
               <a:rPr kumimoji="1" lang="ja-JP" altLang="en-US" smtClean="0"/>
-              <a:t>2023/1/24</a:t>
+              <a:t>2023/1/25</a:t>
             </a:fld>
             <a:endParaRPr kumimoji="1" lang="ja-JP" altLang="en-US"/>
           </a:p>
@@ -2305,7 +2305,7 @@
           <a:p>
             <a:fld id="{2CA974E4-5C81-4E2A-BB11-A65301C72B69}" type="datetimeFigureOut">
               <a:rPr kumimoji="1" lang="ja-JP" altLang="en-US" smtClean="0"/>
-              <a:t>2023/1/24</a:t>
+              <a:t>2023/1/25</a:t>
             </a:fld>
             <a:endParaRPr kumimoji="1" lang="ja-JP" altLang="en-US"/>
           </a:p>
@@ -2648,7 +2648,7 @@
           <a:p>
             <a:fld id="{2CA974E4-5C81-4E2A-BB11-A65301C72B69}" type="datetimeFigureOut">
               <a:rPr kumimoji="1" lang="ja-JP" altLang="en-US" smtClean="0"/>
-              <a:t>2023/1/24</a:t>
+              <a:t>2023/1/25</a:t>
             </a:fld>
             <a:endParaRPr kumimoji="1" lang="ja-JP" altLang="en-US"/>
           </a:p>
@@ -2936,7 +2936,7 @@
           <a:p>
             <a:fld id="{2CA974E4-5C81-4E2A-BB11-A65301C72B69}" type="datetimeFigureOut">
               <a:rPr kumimoji="1" lang="ja-JP" altLang="en-US" smtClean="0"/>
-              <a:t>2023/1/24</a:t>
+              <a:t>2023/1/25</a:t>
             </a:fld>
             <a:endParaRPr kumimoji="1" lang="ja-JP" altLang="en-US"/>
           </a:p>
@@ -3209,7 +3209,7 @@
           <a:p>
             <a:fld id="{2CA974E4-5C81-4E2A-BB11-A65301C72B69}" type="datetimeFigureOut">
               <a:rPr kumimoji="1" lang="ja-JP" altLang="en-US" smtClean="0"/>
-              <a:t>2023/1/24</a:t>
+              <a:t>2023/1/25</a:t>
             </a:fld>
             <a:endParaRPr kumimoji="1" lang="ja-JP" altLang="en-US"/>
           </a:p>
@@ -3930,6 +3930,566 @@
           </a:p>
         </p:txBody>
       </p:sp>
+      <p:sp>
+        <p:nvSpPr>
+          <p:cNvPr id="4" name="正方形/長方形 3">
+            <a:extLst>
+              <a:ext uri="{FF2B5EF4-FFF2-40B4-BE49-F238E27FC236}">
+                <a16:creationId xmlns:a16="http://schemas.microsoft.com/office/drawing/2014/main" id="{3ED572A1-1FA3-1DB8-ADBB-F99A2009D30D}"/>
+              </a:ext>
+            </a:extLst>
+          </p:cNvPr>
+          <p:cNvSpPr/>
+          <p:nvPr/>
+        </p:nvSpPr>
+        <p:spPr>
+          <a:xfrm>
+            <a:off x="6378741" y="4856411"/>
+            <a:ext cx="1058779" cy="1058779"/>
+          </a:xfrm>
+          <a:prstGeom prst="rect">
+            <a:avLst/>
+          </a:prstGeom>
+          <a:solidFill>
+            <a:srgbClr val="99FF99"/>
+          </a:solidFill>
+          <a:ln>
+            <a:noFill/>
+          </a:ln>
+        </p:spPr>
+        <p:style>
+          <a:lnRef idx="2">
+            <a:schemeClr val="accent1">
+              <a:shade val="50000"/>
+            </a:schemeClr>
+          </a:lnRef>
+          <a:fillRef idx="1">
+            <a:schemeClr val="accent1"/>
+          </a:fillRef>
+          <a:effectRef idx="0">
+            <a:schemeClr val="accent1"/>
+          </a:effectRef>
+          <a:fontRef idx="minor">
+            <a:schemeClr val="lt1"/>
+          </a:fontRef>
+        </p:style>
+        <p:txBody>
+          <a:bodyPr rtlCol="0" anchor="t"/>
+          <a:lstStyle/>
+          <a:p>
+            <a:pPr algn="ctr"/>
+            <a:r>
+              <a:rPr kumimoji="1" lang="en-US" altLang="ja-JP" sz="6600" dirty="0">
+                <a:solidFill>
+                  <a:schemeClr val="bg2">
+                    <a:lumMod val="25000"/>
+                  </a:schemeClr>
+                </a:solidFill>
+              </a:rPr>
+              <a:t>3</a:t>
+            </a:r>
+            <a:endParaRPr kumimoji="1" lang="ja-JP" altLang="en-US" sz="6600" dirty="0">
+              <a:solidFill>
+                <a:schemeClr val="bg2">
+                  <a:lumMod val="25000"/>
+                </a:schemeClr>
+              </a:solidFill>
+            </a:endParaRPr>
+          </a:p>
+        </p:txBody>
+      </p:sp>
+      <p:sp>
+        <p:nvSpPr>
+          <p:cNvPr id="5" name="正方形/長方形 4">
+            <a:extLst>
+              <a:ext uri="{FF2B5EF4-FFF2-40B4-BE49-F238E27FC236}">
+                <a16:creationId xmlns:a16="http://schemas.microsoft.com/office/drawing/2014/main" id="{38535292-6B9F-EB85-1234-D6D7A3F7E855}"/>
+              </a:ext>
+            </a:extLst>
+          </p:cNvPr>
+          <p:cNvSpPr/>
+          <p:nvPr/>
+        </p:nvSpPr>
+        <p:spPr>
+          <a:xfrm>
+            <a:off x="1403684" y="4856412"/>
+            <a:ext cx="1058779" cy="1058779"/>
+          </a:xfrm>
+          <a:prstGeom prst="rect">
+            <a:avLst/>
+          </a:prstGeom>
+          <a:solidFill>
+            <a:srgbClr val="FFFF99"/>
+          </a:solidFill>
+          <a:ln>
+            <a:noFill/>
+          </a:ln>
+        </p:spPr>
+        <p:style>
+          <a:lnRef idx="2">
+            <a:schemeClr val="accent1">
+              <a:shade val="50000"/>
+            </a:schemeClr>
+          </a:lnRef>
+          <a:fillRef idx="1">
+            <a:schemeClr val="accent1"/>
+          </a:fillRef>
+          <a:effectRef idx="0">
+            <a:schemeClr val="accent1"/>
+          </a:effectRef>
+          <a:fontRef idx="minor">
+            <a:schemeClr val="lt1"/>
+          </a:fontRef>
+        </p:style>
+        <p:txBody>
+          <a:bodyPr rtlCol="0" anchor="ctr"/>
+          <a:lstStyle/>
+          <a:p>
+            <a:pPr algn="ctr"/>
+            <a:endParaRPr kumimoji="1" lang="ja-JP" altLang="en-US"/>
+          </a:p>
+        </p:txBody>
+      </p:sp>
+      <p:sp>
+        <p:nvSpPr>
+          <p:cNvPr id="6" name="正方形/長方形 5">
+            <a:extLst>
+              <a:ext uri="{FF2B5EF4-FFF2-40B4-BE49-F238E27FC236}">
+                <a16:creationId xmlns:a16="http://schemas.microsoft.com/office/drawing/2014/main" id="{5E112955-D6DE-4332-57E4-300844155C5C}"/>
+              </a:ext>
+            </a:extLst>
+          </p:cNvPr>
+          <p:cNvSpPr/>
+          <p:nvPr/>
+        </p:nvSpPr>
+        <p:spPr>
+          <a:xfrm>
+            <a:off x="1403684" y="2942515"/>
+            <a:ext cx="1058779" cy="1058779"/>
+          </a:xfrm>
+          <a:prstGeom prst="rect">
+            <a:avLst/>
+          </a:prstGeom>
+          <a:solidFill>
+            <a:srgbClr val="FF9999"/>
+          </a:solidFill>
+          <a:ln>
+            <a:noFill/>
+          </a:ln>
+        </p:spPr>
+        <p:style>
+          <a:lnRef idx="2">
+            <a:schemeClr val="accent1">
+              <a:shade val="50000"/>
+            </a:schemeClr>
+          </a:lnRef>
+          <a:fillRef idx="1">
+            <a:schemeClr val="accent1"/>
+          </a:fillRef>
+          <a:effectRef idx="0">
+            <a:schemeClr val="accent1"/>
+          </a:effectRef>
+          <a:fontRef idx="minor">
+            <a:schemeClr val="lt1"/>
+          </a:fontRef>
+        </p:style>
+        <p:txBody>
+          <a:bodyPr rtlCol="0" anchor="ctr"/>
+          <a:lstStyle/>
+          <a:p>
+            <a:pPr algn="ctr"/>
+            <a:endParaRPr kumimoji="1" lang="ja-JP" altLang="en-US"/>
+          </a:p>
+        </p:txBody>
+      </p:sp>
+      <p:sp>
+        <p:nvSpPr>
+          <p:cNvPr id="7" name="正方形/長方形 6">
+            <a:extLst>
+              <a:ext uri="{FF2B5EF4-FFF2-40B4-BE49-F238E27FC236}">
+                <a16:creationId xmlns:a16="http://schemas.microsoft.com/office/drawing/2014/main" id="{66D558A9-E006-F6FD-A6E7-786FB896A7D3}"/>
+              </a:ext>
+            </a:extLst>
+          </p:cNvPr>
+          <p:cNvSpPr/>
+          <p:nvPr/>
+        </p:nvSpPr>
+        <p:spPr>
+          <a:xfrm>
+            <a:off x="6378741" y="2899610"/>
+            <a:ext cx="1058779" cy="1058779"/>
+          </a:xfrm>
+          <a:prstGeom prst="rect">
+            <a:avLst/>
+          </a:prstGeom>
+          <a:solidFill>
+            <a:srgbClr val="99CCFF"/>
+          </a:solidFill>
+          <a:ln>
+            <a:noFill/>
+          </a:ln>
+        </p:spPr>
+        <p:style>
+          <a:lnRef idx="2">
+            <a:schemeClr val="accent1">
+              <a:shade val="50000"/>
+            </a:schemeClr>
+          </a:lnRef>
+          <a:fillRef idx="1">
+            <a:schemeClr val="accent1"/>
+          </a:fillRef>
+          <a:effectRef idx="0">
+            <a:schemeClr val="accent1"/>
+          </a:effectRef>
+          <a:fontRef idx="minor">
+            <a:schemeClr val="lt1"/>
+          </a:fontRef>
+        </p:style>
+        <p:txBody>
+          <a:bodyPr rtlCol="0" anchor="ctr"/>
+          <a:lstStyle/>
+          <a:p>
+            <a:pPr algn="ctr"/>
+            <a:endParaRPr kumimoji="1" lang="ja-JP" altLang="en-US"/>
+          </a:p>
+        </p:txBody>
+      </p:sp>
+      <p:cxnSp>
+        <p:nvCxnSpPr>
+          <p:cNvPr id="9" name="直線コネクタ 8">
+            <a:extLst>
+              <a:ext uri="{FF2B5EF4-FFF2-40B4-BE49-F238E27FC236}">
+                <a16:creationId xmlns:a16="http://schemas.microsoft.com/office/drawing/2014/main" id="{95C970DD-6E58-0D38-A655-18B2AF635FB9}"/>
+              </a:ext>
+            </a:extLst>
+          </p:cNvPr>
+          <p:cNvCxnSpPr>
+            <a:cxnSpLocks/>
+          </p:cNvCxnSpPr>
+          <p:nvPr/>
+        </p:nvCxnSpPr>
+        <p:spPr>
+          <a:xfrm>
+            <a:off x="6096000" y="2630906"/>
+            <a:ext cx="0" cy="3497931"/>
+          </a:xfrm>
+          <a:prstGeom prst="line">
+            <a:avLst/>
+          </a:prstGeom>
+          <a:ln w="12700">
+            <a:solidFill>
+              <a:schemeClr val="bg2">
+                <a:lumMod val="75000"/>
+              </a:schemeClr>
+            </a:solidFill>
+            <a:prstDash val="solid"/>
+          </a:ln>
+        </p:spPr>
+        <p:style>
+          <a:lnRef idx="1">
+            <a:schemeClr val="accent1"/>
+          </a:lnRef>
+          <a:fillRef idx="0">
+            <a:schemeClr val="accent1"/>
+          </a:fillRef>
+          <a:effectRef idx="0">
+            <a:schemeClr val="accent1"/>
+          </a:effectRef>
+          <a:fontRef idx="minor">
+            <a:schemeClr val="tx1"/>
+          </a:fontRef>
+        </p:style>
+      </p:cxnSp>
+      <p:cxnSp>
+        <p:nvCxnSpPr>
+          <p:cNvPr id="17" name="直線コネクタ 16">
+            <a:extLst>
+              <a:ext uri="{FF2B5EF4-FFF2-40B4-BE49-F238E27FC236}">
+                <a16:creationId xmlns:a16="http://schemas.microsoft.com/office/drawing/2014/main" id="{0C270D98-8B76-CC68-D90F-FA63FC3F5C86}"/>
+              </a:ext>
+            </a:extLst>
+          </p:cNvPr>
+          <p:cNvCxnSpPr>
+            <a:cxnSpLocks/>
+          </p:cNvCxnSpPr>
+          <p:nvPr/>
+        </p:nvCxnSpPr>
+        <p:spPr>
+          <a:xfrm>
+            <a:off x="1098885" y="2630905"/>
+            <a:ext cx="0" cy="3497931"/>
+          </a:xfrm>
+          <a:prstGeom prst="line">
+            <a:avLst/>
+          </a:prstGeom>
+          <a:ln w="12700">
+            <a:solidFill>
+              <a:schemeClr val="bg2">
+                <a:lumMod val="75000"/>
+              </a:schemeClr>
+            </a:solidFill>
+            <a:prstDash val="solid"/>
+          </a:ln>
+        </p:spPr>
+        <p:style>
+          <a:lnRef idx="1">
+            <a:schemeClr val="accent1"/>
+          </a:lnRef>
+          <a:fillRef idx="0">
+            <a:schemeClr val="accent1"/>
+          </a:fillRef>
+          <a:effectRef idx="0">
+            <a:schemeClr val="accent1"/>
+          </a:effectRef>
+          <a:fontRef idx="minor">
+            <a:schemeClr val="tx1"/>
+          </a:fontRef>
+        </p:style>
+      </p:cxnSp>
+      <p:sp>
+        <p:nvSpPr>
+          <p:cNvPr id="20" name="矢印: 右 19">
+            <a:extLst>
+              <a:ext uri="{FF2B5EF4-FFF2-40B4-BE49-F238E27FC236}">
+                <a16:creationId xmlns:a16="http://schemas.microsoft.com/office/drawing/2014/main" id="{51B3B4A7-231A-FC68-D16B-FE5F2C6F53E0}"/>
+              </a:ext>
+            </a:extLst>
+          </p:cNvPr>
+          <p:cNvSpPr/>
+          <p:nvPr/>
+        </p:nvSpPr>
+        <p:spPr>
+          <a:xfrm>
+            <a:off x="6475684" y="3039795"/>
+            <a:ext cx="864892" cy="778407"/>
+          </a:xfrm>
+          <a:prstGeom prst="rightArrow">
+            <a:avLst/>
+          </a:prstGeom>
+          <a:noFill/>
+          <a:ln w="38100">
+            <a:solidFill>
+              <a:schemeClr val="bg2">
+                <a:lumMod val="25000"/>
+              </a:schemeClr>
+            </a:solidFill>
+          </a:ln>
+        </p:spPr>
+        <p:style>
+          <a:lnRef idx="2">
+            <a:schemeClr val="accent1">
+              <a:shade val="50000"/>
+            </a:schemeClr>
+          </a:lnRef>
+          <a:fillRef idx="1">
+            <a:schemeClr val="accent1"/>
+          </a:fillRef>
+          <a:effectRef idx="0">
+            <a:schemeClr val="accent1"/>
+          </a:effectRef>
+          <a:fontRef idx="minor">
+            <a:schemeClr val="lt1"/>
+          </a:fontRef>
+        </p:style>
+        <p:txBody>
+          <a:bodyPr rtlCol="0" anchor="ctr"/>
+          <a:lstStyle/>
+          <a:p>
+            <a:pPr algn="ctr"/>
+            <a:endParaRPr kumimoji="1" lang="ja-JP" altLang="en-US"/>
+          </a:p>
+        </p:txBody>
+      </p:sp>
+      <p:sp>
+        <p:nvSpPr>
+          <p:cNvPr id="23" name="テキスト ボックス 22">
+            <a:extLst>
+              <a:ext uri="{FF2B5EF4-FFF2-40B4-BE49-F238E27FC236}">
+                <a16:creationId xmlns:a16="http://schemas.microsoft.com/office/drawing/2014/main" id="{F9F1888F-C80D-2C80-94DD-5814421A5199}"/>
+              </a:ext>
+            </a:extLst>
+          </p:cNvPr>
+          <p:cNvSpPr txBox="1"/>
+          <p:nvPr/>
+        </p:nvSpPr>
+        <p:spPr>
+          <a:xfrm>
+            <a:off x="2832432" y="2942514"/>
+            <a:ext cx="2893597" cy="646331"/>
+          </a:xfrm>
+          <a:prstGeom prst="rect">
+            <a:avLst/>
+          </a:prstGeom>
+          <a:noFill/>
+        </p:spPr>
+        <p:txBody>
+          <a:bodyPr wrap="square" rtlCol="0">
+            <a:spAutoFit/>
+          </a:bodyPr>
+          <a:lstStyle/>
+          <a:p>
+            <a:r>
+              <a:rPr kumimoji="1" lang="ja-JP" altLang="en-US" b="1" dirty="0">
+                <a:solidFill>
+                  <a:schemeClr val="bg2">
+                    <a:lumMod val="25000"/>
+                  </a:schemeClr>
+                </a:solidFill>
+              </a:rPr>
+              <a:t>タップノーツ</a:t>
+            </a:r>
+            <a:endParaRPr kumimoji="1" lang="en-US" altLang="ja-JP" b="1" dirty="0">
+              <a:solidFill>
+                <a:schemeClr val="bg2">
+                  <a:lumMod val="25000"/>
+                </a:schemeClr>
+              </a:solidFill>
+            </a:endParaRPr>
+          </a:p>
+          <a:p>
+            <a:endParaRPr kumimoji="1" lang="ja-JP" altLang="en-US" b="1" dirty="0">
+              <a:solidFill>
+                <a:schemeClr val="bg2">
+                  <a:lumMod val="25000"/>
+                </a:schemeClr>
+              </a:solidFill>
+            </a:endParaRPr>
+          </a:p>
+        </p:txBody>
+      </p:sp>
+      <p:sp>
+        <p:nvSpPr>
+          <p:cNvPr id="25" name="テキスト ボックス 24">
+            <a:extLst>
+              <a:ext uri="{FF2B5EF4-FFF2-40B4-BE49-F238E27FC236}">
+                <a16:creationId xmlns:a16="http://schemas.microsoft.com/office/drawing/2014/main" id="{F737396A-9EF9-5A3B-7AC5-F890361C3F75}"/>
+              </a:ext>
+            </a:extLst>
+          </p:cNvPr>
+          <p:cNvSpPr txBox="1"/>
+          <p:nvPr/>
+        </p:nvSpPr>
+        <p:spPr>
+          <a:xfrm>
+            <a:off x="2832433" y="4856411"/>
+            <a:ext cx="2893597" cy="369332"/>
+          </a:xfrm>
+          <a:prstGeom prst="rect">
+            <a:avLst/>
+          </a:prstGeom>
+          <a:noFill/>
+        </p:spPr>
+        <p:txBody>
+          <a:bodyPr wrap="square" rtlCol="0">
+            <a:spAutoFit/>
+          </a:bodyPr>
+          <a:lstStyle/>
+          <a:p>
+            <a:r>
+              <a:rPr kumimoji="1" lang="ja-JP" altLang="en-US" b="1" dirty="0">
+                <a:solidFill>
+                  <a:schemeClr val="bg2">
+                    <a:lumMod val="25000"/>
+                  </a:schemeClr>
+                </a:solidFill>
+              </a:rPr>
+              <a:t>タップノーツ</a:t>
+            </a:r>
+          </a:p>
+        </p:txBody>
+      </p:sp>
+      <p:sp>
+        <p:nvSpPr>
+          <p:cNvPr id="26" name="テキスト ボックス 25">
+            <a:extLst>
+              <a:ext uri="{FF2B5EF4-FFF2-40B4-BE49-F238E27FC236}">
+                <a16:creationId xmlns:a16="http://schemas.microsoft.com/office/drawing/2014/main" id="{DAA860FF-84A4-3CC1-C828-6B7A3F54ACE4}"/>
+              </a:ext>
+            </a:extLst>
+          </p:cNvPr>
+          <p:cNvSpPr txBox="1"/>
+          <p:nvPr/>
+        </p:nvSpPr>
+        <p:spPr>
+          <a:xfrm>
+            <a:off x="7829546" y="2884799"/>
+            <a:ext cx="2893597" cy="369332"/>
+          </a:xfrm>
+          <a:prstGeom prst="rect">
+            <a:avLst/>
+          </a:prstGeom>
+          <a:noFill/>
+        </p:spPr>
+        <p:txBody>
+          <a:bodyPr wrap="square" rtlCol="0">
+            <a:spAutoFit/>
+          </a:bodyPr>
+          <a:lstStyle/>
+          <a:p>
+            <a:r>
+              <a:rPr lang="ja-JP" altLang="en-US" b="1" dirty="0">
+                <a:solidFill>
+                  <a:schemeClr val="bg2">
+                    <a:lumMod val="25000"/>
+                  </a:schemeClr>
+                </a:solidFill>
+              </a:rPr>
+              <a:t>フリック</a:t>
+            </a:r>
+            <a:r>
+              <a:rPr kumimoji="1" lang="ja-JP" altLang="en-US" b="1" dirty="0">
+                <a:solidFill>
+                  <a:schemeClr val="bg2">
+                    <a:lumMod val="25000"/>
+                  </a:schemeClr>
+                </a:solidFill>
+              </a:rPr>
+              <a:t>ノーツ</a:t>
+            </a:r>
+          </a:p>
+        </p:txBody>
+      </p:sp>
+      <p:sp>
+        <p:nvSpPr>
+          <p:cNvPr id="27" name="テキスト ボックス 26">
+            <a:extLst>
+              <a:ext uri="{FF2B5EF4-FFF2-40B4-BE49-F238E27FC236}">
+                <a16:creationId xmlns:a16="http://schemas.microsoft.com/office/drawing/2014/main" id="{C789C394-ADC6-5352-27E0-CC29CCC7C7DE}"/>
+              </a:ext>
+            </a:extLst>
+          </p:cNvPr>
+          <p:cNvSpPr txBox="1"/>
+          <p:nvPr/>
+        </p:nvSpPr>
+        <p:spPr>
+          <a:xfrm>
+            <a:off x="7829545" y="4904718"/>
+            <a:ext cx="2893597" cy="369332"/>
+          </a:xfrm>
+          <a:prstGeom prst="rect">
+            <a:avLst/>
+          </a:prstGeom>
+          <a:noFill/>
+        </p:spPr>
+        <p:txBody>
+          <a:bodyPr wrap="square" rtlCol="0">
+            <a:spAutoFit/>
+          </a:bodyPr>
+          <a:lstStyle/>
+          <a:p>
+            <a:r>
+              <a:rPr kumimoji="1" lang="ja-JP" altLang="en-US" b="1" dirty="0">
+                <a:solidFill>
+                  <a:schemeClr val="bg2">
+                    <a:lumMod val="25000"/>
+                  </a:schemeClr>
+                </a:solidFill>
+              </a:rPr>
+              <a:t>ロングノーツ</a:t>
+            </a:r>
+          </a:p>
+        </p:txBody>
+      </p:sp>
     </p:spTree>
     <p:extLst>
       <p:ext uri="{BB962C8B-B14F-4D97-AF65-F5344CB8AC3E}">
@@ -5186,26 +5746,119 @@
               <a:buNone/>
             </a:pPr>
             <a:r>
-              <a:rPr lang="ja-JP" altLang="en-US" sz="2000" dirty="0"/>
-              <a:t>グラフィックの進化やキャラクター戦略が多くみられるが、ギミック自体にも可能背はあるのでは→ジャンルを組み合わせて新しいゲームデザインを創出</a:t>
-            </a:r>
-            <a:endParaRPr lang="en-US" altLang="ja-JP" sz="2000" dirty="0"/>
+              <a:rPr lang="ja-JP" altLang="en-US" sz="2000" dirty="0">
+                <a:solidFill>
+                  <a:schemeClr val="bg2">
+                    <a:lumMod val="25000"/>
+                  </a:schemeClr>
+                </a:solidFill>
+              </a:rPr>
+              <a:t>グラフィックの進化やキャラクター戦略が多くみられる昨今だが、</a:t>
+            </a:r>
+            <a:endParaRPr lang="en-US" altLang="ja-JP" sz="2000" dirty="0">
+              <a:solidFill>
+                <a:schemeClr val="bg2">
+                  <a:lumMod val="25000"/>
+                </a:schemeClr>
+              </a:solidFill>
+            </a:endParaRPr>
           </a:p>
           <a:p>
             <a:pPr marL="0" indent="0">
               <a:buNone/>
             </a:pPr>
-            <a:endParaRPr lang="en-US" altLang="ja-JP" sz="2000" dirty="0"/>
+            <a:r>
+              <a:rPr lang="ja-JP" altLang="en-US" sz="2000" dirty="0">
+                <a:solidFill>
+                  <a:schemeClr val="bg2">
+                    <a:lumMod val="25000"/>
+                  </a:schemeClr>
+                </a:solidFill>
+              </a:rPr>
+              <a:t>ギミック自体にも可能性はある→</a:t>
+            </a:r>
+            <a:r>
+              <a:rPr lang="ja-JP" altLang="en-US" sz="2000" b="1" dirty="0">
+                <a:solidFill>
+                  <a:schemeClr val="bg2">
+                    <a:lumMod val="25000"/>
+                  </a:schemeClr>
+                </a:solidFill>
+              </a:rPr>
+              <a:t>ジャンルを組み合わせて新しいゲームデザインを創出</a:t>
+            </a:r>
+            <a:endParaRPr lang="en-US" altLang="ja-JP" sz="2000" b="1" dirty="0">
+              <a:solidFill>
+                <a:schemeClr val="bg2">
+                  <a:lumMod val="25000"/>
+                </a:schemeClr>
+              </a:solidFill>
+            </a:endParaRPr>
           </a:p>
           <a:p>
             <a:pPr marL="0" indent="0">
+              <a:lnSpc>
+                <a:spcPct val="150000"/>
+              </a:lnSpc>
               <a:buNone/>
             </a:pPr>
             <a:r>
-              <a:rPr lang="ja-JP" altLang="en-US" sz="2000" dirty="0"/>
-              <a:t>今回はパズルゲームとリズムゲームを組み合わせる。</a:t>
-            </a:r>
-            <a:endParaRPr lang="en-US" altLang="ja-JP" sz="2000" dirty="0"/>
+              <a:rPr lang="ja-JP" altLang="en-US" sz="2000" dirty="0">
+                <a:solidFill>
+                  <a:schemeClr val="bg2">
+                    <a:lumMod val="25000"/>
+                  </a:schemeClr>
+                </a:solidFill>
+              </a:rPr>
+              <a:t>今回は</a:t>
+            </a:r>
+            <a:r>
+              <a:rPr lang="ja-JP" altLang="en-US" sz="2000" b="1" dirty="0">
+                <a:solidFill>
+                  <a:schemeClr val="bg2">
+                    <a:lumMod val="25000"/>
+                  </a:schemeClr>
+                </a:solidFill>
+              </a:rPr>
+              <a:t>パズル</a:t>
+            </a:r>
+            <a:r>
+              <a:rPr lang="ja-JP" altLang="en-US" sz="2000" dirty="0">
+                <a:solidFill>
+                  <a:schemeClr val="bg2">
+                    <a:lumMod val="25000"/>
+                  </a:schemeClr>
+                </a:solidFill>
+              </a:rPr>
+              <a:t>ゲームと</a:t>
+            </a:r>
+            <a:r>
+              <a:rPr lang="ja-JP" altLang="en-US" sz="2000" b="1" dirty="0">
+                <a:solidFill>
+                  <a:schemeClr val="bg2">
+                    <a:lumMod val="25000"/>
+                  </a:schemeClr>
+                </a:solidFill>
+              </a:rPr>
+              <a:t>リズム</a:t>
+            </a:r>
+            <a:r>
+              <a:rPr lang="ja-JP" altLang="en-US" sz="2000" dirty="0">
+                <a:solidFill>
+                  <a:schemeClr val="bg2">
+                    <a:lumMod val="25000"/>
+                  </a:schemeClr>
+                </a:solidFill>
+              </a:rPr>
+              <a:t>ゲームを組み合わせる。</a:t>
+            </a:r>
+            <a:endParaRPr lang="en-US" altLang="ja-JP" sz="2000" dirty="0">
+              <a:solidFill>
+                <a:schemeClr val="bg2">
+                  <a:lumMod val="25000"/>
+                </a:schemeClr>
+              </a:solidFill>
+            </a:endParaRPr>
           </a:p>
         </p:txBody>
       </p:sp>
@@ -8938,6 +9591,14 @@
               <a:rPr kumimoji="1" lang="ja-JP" altLang="en-US" dirty="0"/>
               <a:t>パズルやりすぎ注意とかの話</a:t>
             </a:r>
+            <a:endParaRPr kumimoji="1" lang="en-US" altLang="ja-JP" dirty="0"/>
+          </a:p>
+          <a:p>
+            <a:r>
+              <a:rPr lang="ja-JP" altLang="en-US" dirty="0"/>
+              <a:t>ステップシーケンサーと組み合わせる話とか</a:t>
+            </a:r>
+            <a:endParaRPr kumimoji="1" lang="ja-JP" altLang="en-US" dirty="0"/>
           </a:p>
         </p:txBody>
       </p:sp>
@@ -9431,7 +10092,12 @@
             <p:ph idx="1"/>
           </p:nvPr>
         </p:nvSpPr>
-        <p:spPr/>
+        <p:spPr>
+          <a:xfrm>
+            <a:off x="838200" y="-4351338"/>
+            <a:ext cx="10515600" cy="4351338"/>
+          </a:xfrm>
+        </p:spPr>
         <p:txBody>
           <a:bodyPr/>
           <a:lstStyle/>
@@ -9522,6 +10188,277 @@
           </a:p>
         </p:txBody>
       </p:sp>
+      <p:sp>
+        <p:nvSpPr>
+          <p:cNvPr id="4" name="四角形: 角を丸くする 3">
+            <a:extLst>
+              <a:ext uri="{FF2B5EF4-FFF2-40B4-BE49-F238E27FC236}">
+                <a16:creationId xmlns:a16="http://schemas.microsoft.com/office/drawing/2014/main" id="{070618F8-85F6-1FF1-10A6-F4BAEE45B804}"/>
+              </a:ext>
+            </a:extLst>
+          </p:cNvPr>
+          <p:cNvSpPr/>
+          <p:nvPr/>
+        </p:nvSpPr>
+        <p:spPr>
+          <a:xfrm>
+            <a:off x="641684" y="1690688"/>
+            <a:ext cx="5069305" cy="4581775"/>
+          </a:xfrm>
+          <a:prstGeom prst="roundRect">
+            <a:avLst>
+              <a:gd name="adj" fmla="val 2312"/>
+            </a:avLst>
+          </a:prstGeom>
+          <a:solidFill>
+            <a:schemeClr val="bg2">
+              <a:lumMod val="90000"/>
+            </a:schemeClr>
+          </a:solidFill>
+          <a:ln>
+            <a:noFill/>
+          </a:ln>
+        </p:spPr>
+        <p:style>
+          <a:lnRef idx="2">
+            <a:schemeClr val="accent1">
+              <a:shade val="50000"/>
+            </a:schemeClr>
+          </a:lnRef>
+          <a:fillRef idx="1">
+            <a:schemeClr val="accent1"/>
+          </a:fillRef>
+          <a:effectRef idx="0">
+            <a:schemeClr val="accent1"/>
+          </a:effectRef>
+          <a:fontRef idx="minor">
+            <a:schemeClr val="lt1"/>
+          </a:fontRef>
+        </p:style>
+        <p:txBody>
+          <a:bodyPr rtlCol="0" anchor="t"/>
+          <a:lstStyle/>
+          <a:p>
+            <a:r>
+              <a:rPr lang="ja-JP" altLang="en-US" sz="2000" b="1" dirty="0">
+                <a:solidFill>
+                  <a:schemeClr val="bg2">
+                    <a:lumMod val="25000"/>
+                  </a:schemeClr>
+                </a:solidFill>
+              </a:rPr>
+              <a:t>　</a:t>
+            </a:r>
+            <a:r>
+              <a:rPr kumimoji="1" lang="ja-JP" altLang="en-US" sz="2000" b="1" dirty="0">
+                <a:solidFill>
+                  <a:schemeClr val="bg2">
+                    <a:lumMod val="25000"/>
+                  </a:schemeClr>
+                </a:solidFill>
+              </a:rPr>
+              <a:t>パズルフェーズ</a:t>
+            </a:r>
+          </a:p>
+        </p:txBody>
+      </p:sp>
+      <p:sp>
+        <p:nvSpPr>
+          <p:cNvPr id="5" name="四角形: 角を丸くする 4">
+            <a:extLst>
+              <a:ext uri="{FF2B5EF4-FFF2-40B4-BE49-F238E27FC236}">
+                <a16:creationId xmlns:a16="http://schemas.microsoft.com/office/drawing/2014/main" id="{3F2551D4-1B4F-0AD1-E86D-28DBE469FE62}"/>
+              </a:ext>
+            </a:extLst>
+          </p:cNvPr>
+          <p:cNvSpPr/>
+          <p:nvPr/>
+        </p:nvSpPr>
+        <p:spPr>
+          <a:xfrm>
+            <a:off x="6328611" y="1690688"/>
+            <a:ext cx="5069305" cy="4581775"/>
+          </a:xfrm>
+          <a:prstGeom prst="roundRect">
+            <a:avLst>
+              <a:gd name="adj" fmla="val 2312"/>
+            </a:avLst>
+          </a:prstGeom>
+          <a:solidFill>
+            <a:schemeClr val="bg2">
+              <a:lumMod val="90000"/>
+            </a:schemeClr>
+          </a:solidFill>
+          <a:ln>
+            <a:noFill/>
+          </a:ln>
+        </p:spPr>
+        <p:style>
+          <a:lnRef idx="2">
+            <a:schemeClr val="accent1">
+              <a:shade val="50000"/>
+            </a:schemeClr>
+          </a:lnRef>
+          <a:fillRef idx="1">
+            <a:schemeClr val="accent1"/>
+          </a:fillRef>
+          <a:effectRef idx="0">
+            <a:schemeClr val="accent1"/>
+          </a:effectRef>
+          <a:fontRef idx="minor">
+            <a:schemeClr val="lt1"/>
+          </a:fontRef>
+        </p:style>
+        <p:txBody>
+          <a:bodyPr rtlCol="0" anchor="t"/>
+          <a:lstStyle/>
+          <a:p>
+            <a:r>
+              <a:rPr kumimoji="1" lang="ja-JP" altLang="en-US" sz="2000" b="1" dirty="0">
+                <a:solidFill>
+                  <a:schemeClr val="bg2">
+                    <a:lumMod val="25000"/>
+                  </a:schemeClr>
+                </a:solidFill>
+              </a:rPr>
+              <a:t>　リズムフェーズ</a:t>
+            </a:r>
+          </a:p>
+        </p:txBody>
+      </p:sp>
+      <p:grpSp>
+        <p:nvGrpSpPr>
+          <p:cNvPr id="8" name="グループ化 7">
+            <a:extLst>
+              <a:ext uri="{FF2B5EF4-FFF2-40B4-BE49-F238E27FC236}">
+                <a16:creationId xmlns:a16="http://schemas.microsoft.com/office/drawing/2014/main" id="{094AE183-7243-01E7-9D5C-DBA6C2278B8E}"/>
+              </a:ext>
+            </a:extLst>
+          </p:cNvPr>
+          <p:cNvGrpSpPr/>
+          <p:nvPr/>
+        </p:nvGrpSpPr>
+        <p:grpSpPr>
+          <a:xfrm>
+            <a:off x="5005137" y="3088878"/>
+            <a:ext cx="2029326" cy="1785394"/>
+            <a:chOff x="4965032" y="3156619"/>
+            <a:chExt cx="2029326" cy="1785394"/>
+          </a:xfrm>
+        </p:grpSpPr>
+        <p:sp>
+          <p:nvSpPr>
+            <p:cNvPr id="6" name="矢印: 右 5">
+              <a:extLst>
+                <a:ext uri="{FF2B5EF4-FFF2-40B4-BE49-F238E27FC236}">
+                  <a16:creationId xmlns:a16="http://schemas.microsoft.com/office/drawing/2014/main" id="{CE526F84-8CA5-BEBF-C7A0-9A0C20898465}"/>
+                </a:ext>
+              </a:extLst>
+            </p:cNvPr>
+            <p:cNvSpPr/>
+            <p:nvPr/>
+          </p:nvSpPr>
+          <p:spPr>
+            <a:xfrm>
+              <a:off x="5197642" y="3156619"/>
+              <a:ext cx="1796716" cy="960438"/>
+            </a:xfrm>
+            <a:prstGeom prst="rightArrow">
+              <a:avLst/>
+            </a:prstGeom>
+            <a:solidFill>
+              <a:schemeClr val="bg1"/>
+            </a:solidFill>
+            <a:ln w="57150">
+              <a:solidFill>
+                <a:schemeClr val="bg2">
+                  <a:lumMod val="90000"/>
+                </a:schemeClr>
+              </a:solidFill>
+            </a:ln>
+          </p:spPr>
+          <p:style>
+            <a:lnRef idx="2">
+              <a:schemeClr val="accent1">
+                <a:shade val="50000"/>
+              </a:schemeClr>
+            </a:lnRef>
+            <a:fillRef idx="1">
+              <a:schemeClr val="accent1"/>
+            </a:fillRef>
+            <a:effectRef idx="0">
+              <a:schemeClr val="accent1"/>
+            </a:effectRef>
+            <a:fontRef idx="minor">
+              <a:schemeClr val="lt1"/>
+            </a:fontRef>
+          </p:style>
+          <p:txBody>
+            <a:bodyPr rtlCol="0" anchor="ctr"/>
+            <a:lstStyle/>
+            <a:p>
+              <a:pPr algn="ctr"/>
+              <a:endParaRPr kumimoji="1" lang="ja-JP" altLang="en-US" dirty="0"/>
+            </a:p>
+          </p:txBody>
+        </p:sp>
+        <p:sp>
+          <p:nvSpPr>
+            <p:cNvPr id="7" name="矢印: 右 6">
+              <a:extLst>
+                <a:ext uri="{FF2B5EF4-FFF2-40B4-BE49-F238E27FC236}">
+                  <a16:creationId xmlns:a16="http://schemas.microsoft.com/office/drawing/2014/main" id="{AE9359BB-6B68-B356-5315-05EE24D79E5C}"/>
+                </a:ext>
+              </a:extLst>
+            </p:cNvPr>
+            <p:cNvSpPr/>
+            <p:nvPr/>
+          </p:nvSpPr>
+          <p:spPr>
+            <a:xfrm flipH="1">
+              <a:off x="4965032" y="3981575"/>
+              <a:ext cx="1796716" cy="960438"/>
+            </a:xfrm>
+            <a:prstGeom prst="rightArrow">
+              <a:avLst/>
+            </a:prstGeom>
+            <a:solidFill>
+              <a:schemeClr val="bg1"/>
+            </a:solidFill>
+            <a:ln w="57150">
+              <a:solidFill>
+                <a:schemeClr val="bg2">
+                  <a:lumMod val="90000"/>
+                </a:schemeClr>
+              </a:solidFill>
+            </a:ln>
+          </p:spPr>
+          <p:style>
+            <a:lnRef idx="2">
+              <a:schemeClr val="accent1">
+                <a:shade val="50000"/>
+              </a:schemeClr>
+            </a:lnRef>
+            <a:fillRef idx="1">
+              <a:schemeClr val="accent1"/>
+            </a:fillRef>
+            <a:effectRef idx="0">
+              <a:schemeClr val="accent1"/>
+            </a:effectRef>
+            <a:fontRef idx="minor">
+              <a:schemeClr val="lt1"/>
+            </a:fontRef>
+          </p:style>
+          <p:txBody>
+            <a:bodyPr rtlCol="0" anchor="ctr"/>
+            <a:lstStyle/>
+            <a:p>
+              <a:pPr algn="ctr"/>
+              <a:endParaRPr kumimoji="1" lang="ja-JP" altLang="en-US" dirty="0"/>
+            </a:p>
+          </p:txBody>
+        </p:sp>
+      </p:grpSp>
     </p:spTree>
     <p:extLst>
       <p:ext uri="{BB962C8B-B14F-4D97-AF65-F5344CB8AC3E}">

--- a/卒研発表会.pptx
+++ b/卒研発表会.pptx
@@ -6,18 +6,16 @@
   </p:sldMasterIdLst>
   <p:sldIdLst>
     <p:sldId id="256" r:id="rId2"/>
-    <p:sldId id="263" r:id="rId3"/>
-    <p:sldId id="257" r:id="rId4"/>
-    <p:sldId id="258" r:id="rId5"/>
-    <p:sldId id="261" r:id="rId6"/>
-    <p:sldId id="265" r:id="rId7"/>
-    <p:sldId id="269" r:id="rId8"/>
-    <p:sldId id="266" r:id="rId9"/>
-    <p:sldId id="259" r:id="rId10"/>
-    <p:sldId id="262" r:id="rId11"/>
-    <p:sldId id="260" r:id="rId12"/>
-    <p:sldId id="264" r:id="rId13"/>
-    <p:sldId id="268" r:id="rId14"/>
+    <p:sldId id="259" r:id="rId3"/>
+    <p:sldId id="263" r:id="rId4"/>
+    <p:sldId id="257" r:id="rId5"/>
+    <p:sldId id="258" r:id="rId6"/>
+    <p:sldId id="261" r:id="rId7"/>
+    <p:sldId id="265" r:id="rId8"/>
+    <p:sldId id="270" r:id="rId9"/>
+    <p:sldId id="269" r:id="rId10"/>
+    <p:sldId id="260" r:id="rId11"/>
+    <p:sldId id="264" r:id="rId12"/>
   </p:sldIdLst>
   <p:sldSz cx="12192000" cy="6858000"/>
   <p:notesSz cx="6858000" cy="9144000"/>
@@ -271,7 +269,7 @@
           <a:p>
             <a:fld id="{2CA974E4-5C81-4E2A-BB11-A65301C72B69}" type="datetimeFigureOut">
               <a:rPr kumimoji="1" lang="ja-JP" altLang="en-US" smtClean="0"/>
-              <a:t>2023/1/25</a:t>
+              <a:t>2023/1/26</a:t>
             </a:fld>
             <a:endParaRPr kumimoji="1" lang="ja-JP" altLang="en-US"/>
           </a:p>
@@ -501,7 +499,7 @@
           <a:p>
             <a:fld id="{2CA974E4-5C81-4E2A-BB11-A65301C72B69}" type="datetimeFigureOut">
               <a:rPr kumimoji="1" lang="ja-JP" altLang="en-US" smtClean="0"/>
-              <a:t>2023/1/25</a:t>
+              <a:t>2023/1/26</a:t>
             </a:fld>
             <a:endParaRPr kumimoji="1" lang="ja-JP" altLang="en-US"/>
           </a:p>
@@ -741,7 +739,7 @@
           <a:p>
             <a:fld id="{2CA974E4-5C81-4E2A-BB11-A65301C72B69}" type="datetimeFigureOut">
               <a:rPr kumimoji="1" lang="ja-JP" altLang="en-US" smtClean="0"/>
-              <a:t>2023/1/25</a:t>
+              <a:t>2023/1/26</a:t>
             </a:fld>
             <a:endParaRPr kumimoji="1" lang="ja-JP" altLang="en-US"/>
           </a:p>
@@ -971,7 +969,7 @@
           <a:p>
             <a:fld id="{2CA974E4-5C81-4E2A-BB11-A65301C72B69}" type="datetimeFigureOut">
               <a:rPr kumimoji="1" lang="ja-JP" altLang="en-US" smtClean="0"/>
-              <a:t>2023/1/25</a:t>
+              <a:t>2023/1/26</a:t>
             </a:fld>
             <a:endParaRPr kumimoji="1" lang="ja-JP" altLang="en-US"/>
           </a:p>
@@ -1246,7 +1244,7 @@
           <a:p>
             <a:fld id="{2CA974E4-5C81-4E2A-BB11-A65301C72B69}" type="datetimeFigureOut">
               <a:rPr kumimoji="1" lang="ja-JP" altLang="en-US" smtClean="0"/>
-              <a:t>2023/1/25</a:t>
+              <a:t>2023/1/26</a:t>
             </a:fld>
             <a:endParaRPr kumimoji="1" lang="ja-JP" altLang="en-US"/>
           </a:p>
@@ -1575,7 +1573,7 @@
           <a:p>
             <a:fld id="{2CA974E4-5C81-4E2A-BB11-A65301C72B69}" type="datetimeFigureOut">
               <a:rPr kumimoji="1" lang="ja-JP" altLang="en-US" smtClean="0"/>
-              <a:t>2023/1/25</a:t>
+              <a:t>2023/1/26</a:t>
             </a:fld>
             <a:endParaRPr kumimoji="1" lang="ja-JP" altLang="en-US"/>
           </a:p>
@@ -2051,7 +2049,7 @@
           <a:p>
             <a:fld id="{2CA974E4-5C81-4E2A-BB11-A65301C72B69}" type="datetimeFigureOut">
               <a:rPr kumimoji="1" lang="ja-JP" altLang="en-US" smtClean="0"/>
-              <a:t>2023/1/25</a:t>
+              <a:t>2023/1/26</a:t>
             </a:fld>
             <a:endParaRPr kumimoji="1" lang="ja-JP" altLang="en-US"/>
           </a:p>
@@ -2192,7 +2190,7 @@
           <a:p>
             <a:fld id="{2CA974E4-5C81-4E2A-BB11-A65301C72B69}" type="datetimeFigureOut">
               <a:rPr kumimoji="1" lang="ja-JP" altLang="en-US" smtClean="0"/>
-              <a:t>2023/1/25</a:t>
+              <a:t>2023/1/26</a:t>
             </a:fld>
             <a:endParaRPr kumimoji="1" lang="ja-JP" altLang="en-US"/>
           </a:p>
@@ -2305,7 +2303,7 @@
           <a:p>
             <a:fld id="{2CA974E4-5C81-4E2A-BB11-A65301C72B69}" type="datetimeFigureOut">
               <a:rPr kumimoji="1" lang="ja-JP" altLang="en-US" smtClean="0"/>
-              <a:t>2023/1/25</a:t>
+              <a:t>2023/1/26</a:t>
             </a:fld>
             <a:endParaRPr kumimoji="1" lang="ja-JP" altLang="en-US"/>
           </a:p>
@@ -2648,7 +2646,7 @@
           <a:p>
             <a:fld id="{2CA974E4-5C81-4E2A-BB11-A65301C72B69}" type="datetimeFigureOut">
               <a:rPr kumimoji="1" lang="ja-JP" altLang="en-US" smtClean="0"/>
-              <a:t>2023/1/25</a:t>
+              <a:t>2023/1/26</a:t>
             </a:fld>
             <a:endParaRPr kumimoji="1" lang="ja-JP" altLang="en-US"/>
           </a:p>
@@ -2936,7 +2934,7 @@
           <a:p>
             <a:fld id="{2CA974E4-5C81-4E2A-BB11-A65301C72B69}" type="datetimeFigureOut">
               <a:rPr kumimoji="1" lang="ja-JP" altLang="en-US" smtClean="0"/>
-              <a:t>2023/1/25</a:t>
+              <a:t>2023/1/26</a:t>
             </a:fld>
             <a:endParaRPr kumimoji="1" lang="ja-JP" altLang="en-US"/>
           </a:p>
@@ -3209,7 +3207,7 @@
           <a:p>
             <a:fld id="{2CA974E4-5C81-4E2A-BB11-A65301C72B69}" type="datetimeFigureOut">
               <a:rPr kumimoji="1" lang="ja-JP" altLang="en-US" smtClean="0"/>
-              <a:t>2023/1/25</a:t>
+              <a:t>2023/1/26</a:t>
             </a:fld>
             <a:endParaRPr kumimoji="1" lang="ja-JP" altLang="en-US"/>
           </a:p>
@@ -3810,716 +3808,6 @@
           <a:chExt cx="0" cy="0"/>
         </a:xfrm>
       </p:grpSpPr>
-      <p:sp>
-        <p:nvSpPr>
-          <p:cNvPr id="2" name="タイトル 1">
-            <a:extLst>
-              <a:ext uri="{FF2B5EF4-FFF2-40B4-BE49-F238E27FC236}">
-                <a16:creationId xmlns:a16="http://schemas.microsoft.com/office/drawing/2014/main" id="{8C792EF1-1AA8-EC3F-2E1B-7702D332AED7}"/>
-              </a:ext>
-            </a:extLst>
-          </p:cNvPr>
-          <p:cNvSpPr>
-            <a:spLocks noGrp="1"/>
-          </p:cNvSpPr>
-          <p:nvPr>
-            <p:ph type="title"/>
-          </p:nvPr>
-        </p:nvSpPr>
-        <p:spPr/>
-        <p:txBody>
-          <a:bodyPr>
-            <a:normAutofit/>
-          </a:bodyPr>
-          <a:lstStyle/>
-          <a:p>
-            <a:r>
-              <a:rPr kumimoji="1" lang="en-US" altLang="ja-JP" sz="2800" dirty="0">
-                <a:solidFill>
-                  <a:schemeClr val="bg2">
-                    <a:lumMod val="25000"/>
-                  </a:schemeClr>
-                </a:solidFill>
-                <a:latin typeface="HGSｺﾞｼｯｸE" panose="020B0900000000000000" pitchFamily="50" charset="-128"/>
-                <a:ea typeface="HGSｺﾞｼｯｸE" panose="020B0900000000000000" pitchFamily="50" charset="-128"/>
-              </a:rPr>
-              <a:t>-</a:t>
-            </a:r>
-            <a:r>
-              <a:rPr kumimoji="1" lang="ja-JP" altLang="en-US" sz="2800" dirty="0">
-                <a:solidFill>
-                  <a:schemeClr val="bg2">
-                    <a:lumMod val="25000"/>
-                  </a:schemeClr>
-                </a:solidFill>
-                <a:latin typeface="HGSｺﾞｼｯｸE" panose="020B0900000000000000" pitchFamily="50" charset="-128"/>
-                <a:ea typeface="HGSｺﾞｼｯｸE" panose="020B0900000000000000" pitchFamily="50" charset="-128"/>
-              </a:rPr>
-              <a:t> ゲームのルール </a:t>
-            </a:r>
-            <a:r>
-              <a:rPr kumimoji="1" lang="en-US" altLang="ja-JP" sz="2800" dirty="0">
-                <a:solidFill>
-                  <a:schemeClr val="bg2">
-                    <a:lumMod val="25000"/>
-                  </a:schemeClr>
-                </a:solidFill>
-                <a:latin typeface="HGSｺﾞｼｯｸE" panose="020B0900000000000000" pitchFamily="50" charset="-128"/>
-                <a:ea typeface="HGSｺﾞｼｯｸE" panose="020B0900000000000000" pitchFamily="50" charset="-128"/>
-              </a:rPr>
-              <a:t>-</a:t>
-            </a:r>
-            <a:br>
-              <a:rPr kumimoji="1" lang="en-US" altLang="ja-JP" sz="4000" dirty="0">
-                <a:solidFill>
-                  <a:schemeClr val="bg2">
-                    <a:lumMod val="25000"/>
-                  </a:schemeClr>
-                </a:solidFill>
-              </a:rPr>
-            </a:br>
-            <a:r>
-              <a:rPr kumimoji="1" lang="en-US" altLang="ja-JP" sz="2000" dirty="0">
-                <a:solidFill>
-                  <a:schemeClr val="bg2">
-                    <a:lumMod val="50000"/>
-                  </a:schemeClr>
-                </a:solidFill>
-                <a:latin typeface="Bahnschrift SemiLight" panose="020B0502040204020203" pitchFamily="34" charset="0"/>
-                <a:cs typeface="Adobe Devanagari" panose="02040503050201020203" pitchFamily="18" charset="0"/>
-              </a:rPr>
-              <a:t>Game rules</a:t>
-            </a:r>
-            <a:endParaRPr kumimoji="1" lang="ja-JP" altLang="en-US" sz="4000" dirty="0">
-              <a:solidFill>
-                <a:schemeClr val="bg2">
-                  <a:lumMod val="50000"/>
-                </a:schemeClr>
-              </a:solidFill>
-              <a:latin typeface="Bahnschrift SemiLight" panose="020B0502040204020203" pitchFamily="34" charset="0"/>
-              <a:cs typeface="Adobe Devanagari" panose="02040503050201020203" pitchFamily="18" charset="0"/>
-            </a:endParaRPr>
-          </a:p>
-        </p:txBody>
-      </p:sp>
-      <p:sp>
-        <p:nvSpPr>
-          <p:cNvPr id="3" name="コンテンツ プレースホルダー 2">
-            <a:extLst>
-              <a:ext uri="{FF2B5EF4-FFF2-40B4-BE49-F238E27FC236}">
-                <a16:creationId xmlns:a16="http://schemas.microsoft.com/office/drawing/2014/main" id="{6674BED4-2A0B-7DD7-4F93-0063E0CF03E0}"/>
-              </a:ext>
-            </a:extLst>
-          </p:cNvPr>
-          <p:cNvSpPr>
-            <a:spLocks noGrp="1"/>
-          </p:cNvSpPr>
-          <p:nvPr>
-            <p:ph idx="1"/>
-          </p:nvPr>
-        </p:nvSpPr>
-        <p:spPr/>
-        <p:txBody>
-          <a:bodyPr/>
-          <a:lstStyle/>
-          <a:p>
-            <a:r>
-              <a:rPr kumimoji="1" lang="ja-JP" altLang="en-US" dirty="0"/>
-              <a:t>ルール（ノーツの種類による操作方法の説明）</a:t>
-            </a:r>
-          </a:p>
-        </p:txBody>
-      </p:sp>
-      <p:sp>
-        <p:nvSpPr>
-          <p:cNvPr id="4" name="正方形/長方形 3">
-            <a:extLst>
-              <a:ext uri="{FF2B5EF4-FFF2-40B4-BE49-F238E27FC236}">
-                <a16:creationId xmlns:a16="http://schemas.microsoft.com/office/drawing/2014/main" id="{3ED572A1-1FA3-1DB8-ADBB-F99A2009D30D}"/>
-              </a:ext>
-            </a:extLst>
-          </p:cNvPr>
-          <p:cNvSpPr/>
-          <p:nvPr/>
-        </p:nvSpPr>
-        <p:spPr>
-          <a:xfrm>
-            <a:off x="6378741" y="4856411"/>
-            <a:ext cx="1058779" cy="1058779"/>
-          </a:xfrm>
-          <a:prstGeom prst="rect">
-            <a:avLst/>
-          </a:prstGeom>
-          <a:solidFill>
-            <a:srgbClr val="99FF99"/>
-          </a:solidFill>
-          <a:ln>
-            <a:noFill/>
-          </a:ln>
-        </p:spPr>
-        <p:style>
-          <a:lnRef idx="2">
-            <a:schemeClr val="accent1">
-              <a:shade val="50000"/>
-            </a:schemeClr>
-          </a:lnRef>
-          <a:fillRef idx="1">
-            <a:schemeClr val="accent1"/>
-          </a:fillRef>
-          <a:effectRef idx="0">
-            <a:schemeClr val="accent1"/>
-          </a:effectRef>
-          <a:fontRef idx="minor">
-            <a:schemeClr val="lt1"/>
-          </a:fontRef>
-        </p:style>
-        <p:txBody>
-          <a:bodyPr rtlCol="0" anchor="t"/>
-          <a:lstStyle/>
-          <a:p>
-            <a:pPr algn="ctr"/>
-            <a:r>
-              <a:rPr kumimoji="1" lang="en-US" altLang="ja-JP" sz="6600" dirty="0">
-                <a:solidFill>
-                  <a:schemeClr val="bg2">
-                    <a:lumMod val="25000"/>
-                  </a:schemeClr>
-                </a:solidFill>
-              </a:rPr>
-              <a:t>3</a:t>
-            </a:r>
-            <a:endParaRPr kumimoji="1" lang="ja-JP" altLang="en-US" sz="6600" dirty="0">
-              <a:solidFill>
-                <a:schemeClr val="bg2">
-                  <a:lumMod val="25000"/>
-                </a:schemeClr>
-              </a:solidFill>
-            </a:endParaRPr>
-          </a:p>
-        </p:txBody>
-      </p:sp>
-      <p:sp>
-        <p:nvSpPr>
-          <p:cNvPr id="5" name="正方形/長方形 4">
-            <a:extLst>
-              <a:ext uri="{FF2B5EF4-FFF2-40B4-BE49-F238E27FC236}">
-                <a16:creationId xmlns:a16="http://schemas.microsoft.com/office/drawing/2014/main" id="{38535292-6B9F-EB85-1234-D6D7A3F7E855}"/>
-              </a:ext>
-            </a:extLst>
-          </p:cNvPr>
-          <p:cNvSpPr/>
-          <p:nvPr/>
-        </p:nvSpPr>
-        <p:spPr>
-          <a:xfrm>
-            <a:off x="1403684" y="4856412"/>
-            <a:ext cx="1058779" cy="1058779"/>
-          </a:xfrm>
-          <a:prstGeom prst="rect">
-            <a:avLst/>
-          </a:prstGeom>
-          <a:solidFill>
-            <a:srgbClr val="FFFF99"/>
-          </a:solidFill>
-          <a:ln>
-            <a:noFill/>
-          </a:ln>
-        </p:spPr>
-        <p:style>
-          <a:lnRef idx="2">
-            <a:schemeClr val="accent1">
-              <a:shade val="50000"/>
-            </a:schemeClr>
-          </a:lnRef>
-          <a:fillRef idx="1">
-            <a:schemeClr val="accent1"/>
-          </a:fillRef>
-          <a:effectRef idx="0">
-            <a:schemeClr val="accent1"/>
-          </a:effectRef>
-          <a:fontRef idx="minor">
-            <a:schemeClr val="lt1"/>
-          </a:fontRef>
-        </p:style>
-        <p:txBody>
-          <a:bodyPr rtlCol="0" anchor="ctr"/>
-          <a:lstStyle/>
-          <a:p>
-            <a:pPr algn="ctr"/>
-            <a:endParaRPr kumimoji="1" lang="ja-JP" altLang="en-US"/>
-          </a:p>
-        </p:txBody>
-      </p:sp>
-      <p:sp>
-        <p:nvSpPr>
-          <p:cNvPr id="6" name="正方形/長方形 5">
-            <a:extLst>
-              <a:ext uri="{FF2B5EF4-FFF2-40B4-BE49-F238E27FC236}">
-                <a16:creationId xmlns:a16="http://schemas.microsoft.com/office/drawing/2014/main" id="{5E112955-D6DE-4332-57E4-300844155C5C}"/>
-              </a:ext>
-            </a:extLst>
-          </p:cNvPr>
-          <p:cNvSpPr/>
-          <p:nvPr/>
-        </p:nvSpPr>
-        <p:spPr>
-          <a:xfrm>
-            <a:off x="1403684" y="2942515"/>
-            <a:ext cx="1058779" cy="1058779"/>
-          </a:xfrm>
-          <a:prstGeom prst="rect">
-            <a:avLst/>
-          </a:prstGeom>
-          <a:solidFill>
-            <a:srgbClr val="FF9999"/>
-          </a:solidFill>
-          <a:ln>
-            <a:noFill/>
-          </a:ln>
-        </p:spPr>
-        <p:style>
-          <a:lnRef idx="2">
-            <a:schemeClr val="accent1">
-              <a:shade val="50000"/>
-            </a:schemeClr>
-          </a:lnRef>
-          <a:fillRef idx="1">
-            <a:schemeClr val="accent1"/>
-          </a:fillRef>
-          <a:effectRef idx="0">
-            <a:schemeClr val="accent1"/>
-          </a:effectRef>
-          <a:fontRef idx="minor">
-            <a:schemeClr val="lt1"/>
-          </a:fontRef>
-        </p:style>
-        <p:txBody>
-          <a:bodyPr rtlCol="0" anchor="ctr"/>
-          <a:lstStyle/>
-          <a:p>
-            <a:pPr algn="ctr"/>
-            <a:endParaRPr kumimoji="1" lang="ja-JP" altLang="en-US"/>
-          </a:p>
-        </p:txBody>
-      </p:sp>
-      <p:sp>
-        <p:nvSpPr>
-          <p:cNvPr id="7" name="正方形/長方形 6">
-            <a:extLst>
-              <a:ext uri="{FF2B5EF4-FFF2-40B4-BE49-F238E27FC236}">
-                <a16:creationId xmlns:a16="http://schemas.microsoft.com/office/drawing/2014/main" id="{66D558A9-E006-F6FD-A6E7-786FB896A7D3}"/>
-              </a:ext>
-            </a:extLst>
-          </p:cNvPr>
-          <p:cNvSpPr/>
-          <p:nvPr/>
-        </p:nvSpPr>
-        <p:spPr>
-          <a:xfrm>
-            <a:off x="6378741" y="2899610"/>
-            <a:ext cx="1058779" cy="1058779"/>
-          </a:xfrm>
-          <a:prstGeom prst="rect">
-            <a:avLst/>
-          </a:prstGeom>
-          <a:solidFill>
-            <a:srgbClr val="99CCFF"/>
-          </a:solidFill>
-          <a:ln>
-            <a:noFill/>
-          </a:ln>
-        </p:spPr>
-        <p:style>
-          <a:lnRef idx="2">
-            <a:schemeClr val="accent1">
-              <a:shade val="50000"/>
-            </a:schemeClr>
-          </a:lnRef>
-          <a:fillRef idx="1">
-            <a:schemeClr val="accent1"/>
-          </a:fillRef>
-          <a:effectRef idx="0">
-            <a:schemeClr val="accent1"/>
-          </a:effectRef>
-          <a:fontRef idx="minor">
-            <a:schemeClr val="lt1"/>
-          </a:fontRef>
-        </p:style>
-        <p:txBody>
-          <a:bodyPr rtlCol="0" anchor="ctr"/>
-          <a:lstStyle/>
-          <a:p>
-            <a:pPr algn="ctr"/>
-            <a:endParaRPr kumimoji="1" lang="ja-JP" altLang="en-US"/>
-          </a:p>
-        </p:txBody>
-      </p:sp>
-      <p:cxnSp>
-        <p:nvCxnSpPr>
-          <p:cNvPr id="9" name="直線コネクタ 8">
-            <a:extLst>
-              <a:ext uri="{FF2B5EF4-FFF2-40B4-BE49-F238E27FC236}">
-                <a16:creationId xmlns:a16="http://schemas.microsoft.com/office/drawing/2014/main" id="{95C970DD-6E58-0D38-A655-18B2AF635FB9}"/>
-              </a:ext>
-            </a:extLst>
-          </p:cNvPr>
-          <p:cNvCxnSpPr>
-            <a:cxnSpLocks/>
-          </p:cNvCxnSpPr>
-          <p:nvPr/>
-        </p:nvCxnSpPr>
-        <p:spPr>
-          <a:xfrm>
-            <a:off x="6096000" y="2630906"/>
-            <a:ext cx="0" cy="3497931"/>
-          </a:xfrm>
-          <a:prstGeom prst="line">
-            <a:avLst/>
-          </a:prstGeom>
-          <a:ln w="12700">
-            <a:solidFill>
-              <a:schemeClr val="bg2">
-                <a:lumMod val="75000"/>
-              </a:schemeClr>
-            </a:solidFill>
-            <a:prstDash val="solid"/>
-          </a:ln>
-        </p:spPr>
-        <p:style>
-          <a:lnRef idx="1">
-            <a:schemeClr val="accent1"/>
-          </a:lnRef>
-          <a:fillRef idx="0">
-            <a:schemeClr val="accent1"/>
-          </a:fillRef>
-          <a:effectRef idx="0">
-            <a:schemeClr val="accent1"/>
-          </a:effectRef>
-          <a:fontRef idx="minor">
-            <a:schemeClr val="tx1"/>
-          </a:fontRef>
-        </p:style>
-      </p:cxnSp>
-      <p:cxnSp>
-        <p:nvCxnSpPr>
-          <p:cNvPr id="17" name="直線コネクタ 16">
-            <a:extLst>
-              <a:ext uri="{FF2B5EF4-FFF2-40B4-BE49-F238E27FC236}">
-                <a16:creationId xmlns:a16="http://schemas.microsoft.com/office/drawing/2014/main" id="{0C270D98-8B76-CC68-D90F-FA63FC3F5C86}"/>
-              </a:ext>
-            </a:extLst>
-          </p:cNvPr>
-          <p:cNvCxnSpPr>
-            <a:cxnSpLocks/>
-          </p:cNvCxnSpPr>
-          <p:nvPr/>
-        </p:nvCxnSpPr>
-        <p:spPr>
-          <a:xfrm>
-            <a:off x="1098885" y="2630905"/>
-            <a:ext cx="0" cy="3497931"/>
-          </a:xfrm>
-          <a:prstGeom prst="line">
-            <a:avLst/>
-          </a:prstGeom>
-          <a:ln w="12700">
-            <a:solidFill>
-              <a:schemeClr val="bg2">
-                <a:lumMod val="75000"/>
-              </a:schemeClr>
-            </a:solidFill>
-            <a:prstDash val="solid"/>
-          </a:ln>
-        </p:spPr>
-        <p:style>
-          <a:lnRef idx="1">
-            <a:schemeClr val="accent1"/>
-          </a:lnRef>
-          <a:fillRef idx="0">
-            <a:schemeClr val="accent1"/>
-          </a:fillRef>
-          <a:effectRef idx="0">
-            <a:schemeClr val="accent1"/>
-          </a:effectRef>
-          <a:fontRef idx="minor">
-            <a:schemeClr val="tx1"/>
-          </a:fontRef>
-        </p:style>
-      </p:cxnSp>
-      <p:sp>
-        <p:nvSpPr>
-          <p:cNvPr id="20" name="矢印: 右 19">
-            <a:extLst>
-              <a:ext uri="{FF2B5EF4-FFF2-40B4-BE49-F238E27FC236}">
-                <a16:creationId xmlns:a16="http://schemas.microsoft.com/office/drawing/2014/main" id="{51B3B4A7-231A-FC68-D16B-FE5F2C6F53E0}"/>
-              </a:ext>
-            </a:extLst>
-          </p:cNvPr>
-          <p:cNvSpPr/>
-          <p:nvPr/>
-        </p:nvSpPr>
-        <p:spPr>
-          <a:xfrm>
-            <a:off x="6475684" y="3039795"/>
-            <a:ext cx="864892" cy="778407"/>
-          </a:xfrm>
-          <a:prstGeom prst="rightArrow">
-            <a:avLst/>
-          </a:prstGeom>
-          <a:noFill/>
-          <a:ln w="38100">
-            <a:solidFill>
-              <a:schemeClr val="bg2">
-                <a:lumMod val="25000"/>
-              </a:schemeClr>
-            </a:solidFill>
-          </a:ln>
-        </p:spPr>
-        <p:style>
-          <a:lnRef idx="2">
-            <a:schemeClr val="accent1">
-              <a:shade val="50000"/>
-            </a:schemeClr>
-          </a:lnRef>
-          <a:fillRef idx="1">
-            <a:schemeClr val="accent1"/>
-          </a:fillRef>
-          <a:effectRef idx="0">
-            <a:schemeClr val="accent1"/>
-          </a:effectRef>
-          <a:fontRef idx="minor">
-            <a:schemeClr val="lt1"/>
-          </a:fontRef>
-        </p:style>
-        <p:txBody>
-          <a:bodyPr rtlCol="0" anchor="ctr"/>
-          <a:lstStyle/>
-          <a:p>
-            <a:pPr algn="ctr"/>
-            <a:endParaRPr kumimoji="1" lang="ja-JP" altLang="en-US"/>
-          </a:p>
-        </p:txBody>
-      </p:sp>
-      <p:sp>
-        <p:nvSpPr>
-          <p:cNvPr id="23" name="テキスト ボックス 22">
-            <a:extLst>
-              <a:ext uri="{FF2B5EF4-FFF2-40B4-BE49-F238E27FC236}">
-                <a16:creationId xmlns:a16="http://schemas.microsoft.com/office/drawing/2014/main" id="{F9F1888F-C80D-2C80-94DD-5814421A5199}"/>
-              </a:ext>
-            </a:extLst>
-          </p:cNvPr>
-          <p:cNvSpPr txBox="1"/>
-          <p:nvPr/>
-        </p:nvSpPr>
-        <p:spPr>
-          <a:xfrm>
-            <a:off x="2832432" y="2942514"/>
-            <a:ext cx="2893597" cy="646331"/>
-          </a:xfrm>
-          <a:prstGeom prst="rect">
-            <a:avLst/>
-          </a:prstGeom>
-          <a:noFill/>
-        </p:spPr>
-        <p:txBody>
-          <a:bodyPr wrap="square" rtlCol="0">
-            <a:spAutoFit/>
-          </a:bodyPr>
-          <a:lstStyle/>
-          <a:p>
-            <a:r>
-              <a:rPr kumimoji="1" lang="ja-JP" altLang="en-US" b="1" dirty="0">
-                <a:solidFill>
-                  <a:schemeClr val="bg2">
-                    <a:lumMod val="25000"/>
-                  </a:schemeClr>
-                </a:solidFill>
-              </a:rPr>
-              <a:t>タップノーツ</a:t>
-            </a:r>
-            <a:endParaRPr kumimoji="1" lang="en-US" altLang="ja-JP" b="1" dirty="0">
-              <a:solidFill>
-                <a:schemeClr val="bg2">
-                  <a:lumMod val="25000"/>
-                </a:schemeClr>
-              </a:solidFill>
-            </a:endParaRPr>
-          </a:p>
-          <a:p>
-            <a:endParaRPr kumimoji="1" lang="ja-JP" altLang="en-US" b="1" dirty="0">
-              <a:solidFill>
-                <a:schemeClr val="bg2">
-                  <a:lumMod val="25000"/>
-                </a:schemeClr>
-              </a:solidFill>
-            </a:endParaRPr>
-          </a:p>
-        </p:txBody>
-      </p:sp>
-      <p:sp>
-        <p:nvSpPr>
-          <p:cNvPr id="25" name="テキスト ボックス 24">
-            <a:extLst>
-              <a:ext uri="{FF2B5EF4-FFF2-40B4-BE49-F238E27FC236}">
-                <a16:creationId xmlns:a16="http://schemas.microsoft.com/office/drawing/2014/main" id="{F737396A-9EF9-5A3B-7AC5-F890361C3F75}"/>
-              </a:ext>
-            </a:extLst>
-          </p:cNvPr>
-          <p:cNvSpPr txBox="1"/>
-          <p:nvPr/>
-        </p:nvSpPr>
-        <p:spPr>
-          <a:xfrm>
-            <a:off x="2832433" y="4856411"/>
-            <a:ext cx="2893597" cy="369332"/>
-          </a:xfrm>
-          <a:prstGeom prst="rect">
-            <a:avLst/>
-          </a:prstGeom>
-          <a:noFill/>
-        </p:spPr>
-        <p:txBody>
-          <a:bodyPr wrap="square" rtlCol="0">
-            <a:spAutoFit/>
-          </a:bodyPr>
-          <a:lstStyle/>
-          <a:p>
-            <a:r>
-              <a:rPr kumimoji="1" lang="ja-JP" altLang="en-US" b="1" dirty="0">
-                <a:solidFill>
-                  <a:schemeClr val="bg2">
-                    <a:lumMod val="25000"/>
-                  </a:schemeClr>
-                </a:solidFill>
-              </a:rPr>
-              <a:t>タップノーツ</a:t>
-            </a:r>
-          </a:p>
-        </p:txBody>
-      </p:sp>
-      <p:sp>
-        <p:nvSpPr>
-          <p:cNvPr id="26" name="テキスト ボックス 25">
-            <a:extLst>
-              <a:ext uri="{FF2B5EF4-FFF2-40B4-BE49-F238E27FC236}">
-                <a16:creationId xmlns:a16="http://schemas.microsoft.com/office/drawing/2014/main" id="{DAA860FF-84A4-3CC1-C828-6B7A3F54ACE4}"/>
-              </a:ext>
-            </a:extLst>
-          </p:cNvPr>
-          <p:cNvSpPr txBox="1"/>
-          <p:nvPr/>
-        </p:nvSpPr>
-        <p:spPr>
-          <a:xfrm>
-            <a:off x="7829546" y="2884799"/>
-            <a:ext cx="2893597" cy="369332"/>
-          </a:xfrm>
-          <a:prstGeom prst="rect">
-            <a:avLst/>
-          </a:prstGeom>
-          <a:noFill/>
-        </p:spPr>
-        <p:txBody>
-          <a:bodyPr wrap="square" rtlCol="0">
-            <a:spAutoFit/>
-          </a:bodyPr>
-          <a:lstStyle/>
-          <a:p>
-            <a:r>
-              <a:rPr lang="ja-JP" altLang="en-US" b="1" dirty="0">
-                <a:solidFill>
-                  <a:schemeClr val="bg2">
-                    <a:lumMod val="25000"/>
-                  </a:schemeClr>
-                </a:solidFill>
-              </a:rPr>
-              <a:t>フリック</a:t>
-            </a:r>
-            <a:r>
-              <a:rPr kumimoji="1" lang="ja-JP" altLang="en-US" b="1" dirty="0">
-                <a:solidFill>
-                  <a:schemeClr val="bg2">
-                    <a:lumMod val="25000"/>
-                  </a:schemeClr>
-                </a:solidFill>
-              </a:rPr>
-              <a:t>ノーツ</a:t>
-            </a:r>
-          </a:p>
-        </p:txBody>
-      </p:sp>
-      <p:sp>
-        <p:nvSpPr>
-          <p:cNvPr id="27" name="テキスト ボックス 26">
-            <a:extLst>
-              <a:ext uri="{FF2B5EF4-FFF2-40B4-BE49-F238E27FC236}">
-                <a16:creationId xmlns:a16="http://schemas.microsoft.com/office/drawing/2014/main" id="{C789C394-ADC6-5352-27E0-CC29CCC7C7DE}"/>
-              </a:ext>
-            </a:extLst>
-          </p:cNvPr>
-          <p:cNvSpPr txBox="1"/>
-          <p:nvPr/>
-        </p:nvSpPr>
-        <p:spPr>
-          <a:xfrm>
-            <a:off x="7829545" y="4904718"/>
-            <a:ext cx="2893597" cy="369332"/>
-          </a:xfrm>
-          <a:prstGeom prst="rect">
-            <a:avLst/>
-          </a:prstGeom>
-          <a:noFill/>
-        </p:spPr>
-        <p:txBody>
-          <a:bodyPr wrap="square" rtlCol="0">
-            <a:spAutoFit/>
-          </a:bodyPr>
-          <a:lstStyle/>
-          <a:p>
-            <a:r>
-              <a:rPr kumimoji="1" lang="ja-JP" altLang="en-US" b="1" dirty="0">
-                <a:solidFill>
-                  <a:schemeClr val="bg2">
-                    <a:lumMod val="25000"/>
-                  </a:schemeClr>
-                </a:solidFill>
-              </a:rPr>
-              <a:t>ロングノーツ</a:t>
-            </a:r>
-          </a:p>
-        </p:txBody>
-      </p:sp>
-    </p:spTree>
-    <p:extLst>
-      <p:ext uri="{BB962C8B-B14F-4D97-AF65-F5344CB8AC3E}">
-        <p14:creationId xmlns:p14="http://schemas.microsoft.com/office/powerpoint/2010/main" val="2903382586"/>
-      </p:ext>
-    </p:extLst>
-  </p:cSld>
-  <p:clrMapOvr>
-    <a:masterClrMapping/>
-  </p:clrMapOvr>
-</p:sld>
-</file>
-
-<file path=ppt/slides/slide11.xml><?xml version="1.0" encoding="utf-8"?>
-<p:sld xmlns:a="http://schemas.openxmlformats.org/drawingml/2006/main" xmlns:r="http://schemas.openxmlformats.org/officeDocument/2006/relationships" xmlns:p="http://schemas.openxmlformats.org/presentationml/2006/main">
-  <p:cSld>
-    <p:spTree>
-      <p:nvGrpSpPr>
-        <p:cNvPr id="1" name=""/>
-        <p:cNvGrpSpPr/>
-        <p:nvPr/>
-      </p:nvGrpSpPr>
-      <p:grpSpPr>
-        <a:xfrm>
-          <a:off x="0" y="0"/>
-          <a:ext cx="0" cy="0"/>
-          <a:chOff x="0" y="0"/>
-          <a:chExt cx="0" cy="0"/>
-        </a:xfrm>
-      </p:grpSpPr>
       <p:grpSp>
         <p:nvGrpSpPr>
           <p:cNvPr id="11" name="グループ化 10">
@@ -5029,7 +4317,7 @@
 </p:sld>
 </file>
 
-<file path=ppt/slides/slide12.xml><?xml version="1.0" encoding="utf-8"?>
+<file path=ppt/slides/slide11.xml><?xml version="1.0" encoding="utf-8"?>
 <p:sld xmlns:a="http://schemas.openxmlformats.org/drawingml/2006/main" xmlns:r="http://schemas.openxmlformats.org/officeDocument/2006/relationships" xmlns:p="http://schemas.openxmlformats.org/presentationml/2006/main">
   <p:cSld>
     <p:spTree>
@@ -5192,42 +4480,52 @@
         </p:nvSpPr>
         <p:spPr/>
         <p:txBody>
-          <a:bodyPr/>
+          <a:bodyPr>
+            <a:normAutofit/>
+          </a:bodyPr>
           <a:lstStyle/>
           <a:p>
             <a:r>
-              <a:rPr lang="ja-JP" altLang="en-US" dirty="0"/>
-              <a:t>ジャンル組み合わせる事でゲームデザインを</a:t>
-            </a:r>
-            <a:r>
-              <a:rPr lang="en-US" altLang="ja-JP" dirty="0"/>
-              <a:t>0</a:t>
-            </a:r>
-            <a:r>
-              <a:rPr lang="ja-JP" altLang="en-US" dirty="0"/>
-              <a:t>から考えるよりもとっかかりがあって考えやすかった。</a:t>
-            </a:r>
-            <a:endParaRPr lang="en-US" altLang="ja-JP" dirty="0"/>
-          </a:p>
-          <a:p>
-            <a:endParaRPr lang="en-US" altLang="ja-JP" dirty="0"/>
-          </a:p>
-          <a:p>
-            <a:endParaRPr lang="en-US" altLang="ja-JP" dirty="0"/>
-          </a:p>
-          <a:p>
-            <a:r>
-              <a:rPr lang="ja-JP" altLang="en-US" dirty="0"/>
-              <a:t>操作性の考察（指の大変さ、音）、組み合わせの考察、アニメーション</a:t>
-            </a:r>
-            <a:endParaRPr lang="en-US" altLang="ja-JP" dirty="0"/>
-          </a:p>
-          <a:p>
-            <a:r>
-              <a:rPr lang="ja-JP" altLang="en-US" dirty="0"/>
-              <a:t>難易度設定デモ</a:t>
-            </a:r>
-            <a:endParaRPr lang="en-US" altLang="ja-JP" dirty="0"/>
+              <a:rPr lang="ja-JP" altLang="en-US" sz="2000" dirty="0"/>
+              <a:t>パズルゲームをやりすぎるとリズムゲームが大変になるというゲームの設計は、個人的に良く出来ていると思う。</a:t>
+            </a:r>
+            <a:endParaRPr lang="en-US" altLang="ja-JP" sz="2000" dirty="0"/>
+          </a:p>
+          <a:p>
+            <a:pPr>
+              <a:lnSpc>
+                <a:spcPct val="150000"/>
+              </a:lnSpc>
+            </a:pPr>
+            <a:r>
+              <a:rPr lang="ja-JP" altLang="en-US" sz="2000" dirty="0"/>
+              <a:t>より爽快感やゲームの気持ちよさを増やすにはアニメーションや演出をさらに加える必要があると感じる。</a:t>
+            </a:r>
+            <a:endParaRPr lang="en-US" altLang="ja-JP" sz="2000" dirty="0"/>
+          </a:p>
+          <a:p>
+            <a:pPr>
+              <a:lnSpc>
+                <a:spcPct val="150000"/>
+              </a:lnSpc>
+            </a:pPr>
+            <a:r>
+              <a:rPr lang="ja-JP" altLang="en-US" sz="2000" dirty="0"/>
+              <a:t>相性が良さそうなジャンルを組み合わせた為、ジャンルの特徴を阻害しないような組み合わせはしやすかったが、特徴を阻害しあうようなジャンルの組み合わせ方についてどう組み合わせるか考察するのもゲームデザインの突破口になるかもしれない。</a:t>
+            </a:r>
+            <a:endParaRPr lang="en-US" altLang="ja-JP" sz="2000" dirty="0"/>
+          </a:p>
+          <a:p>
+            <a:pPr marL="0" indent="0">
+              <a:lnSpc>
+                <a:spcPct val="150000"/>
+              </a:lnSpc>
+              <a:buNone/>
+            </a:pPr>
+            <a:endParaRPr lang="en-US" altLang="ja-JP" sz="2000" dirty="0"/>
+          </a:p>
+          <a:p>
+            <a:endParaRPr lang="en-US" altLang="ja-JP" sz="2000" dirty="0"/>
           </a:p>
         </p:txBody>
       </p:sp>
@@ -5235,217 +4533,6 @@
     <p:extLst>
       <p:ext uri="{BB962C8B-B14F-4D97-AF65-F5344CB8AC3E}">
         <p14:creationId xmlns:p14="http://schemas.microsoft.com/office/powerpoint/2010/main" val="2762335110"/>
-      </p:ext>
-    </p:extLst>
-  </p:cSld>
-  <p:clrMapOvr>
-    <a:masterClrMapping/>
-  </p:clrMapOvr>
-</p:sld>
-</file>
-
-<file path=ppt/slides/slide13.xml><?xml version="1.0" encoding="utf-8"?>
-<p:sld xmlns:a="http://schemas.openxmlformats.org/drawingml/2006/main" xmlns:r="http://schemas.openxmlformats.org/officeDocument/2006/relationships" xmlns:p="http://schemas.openxmlformats.org/presentationml/2006/main">
-  <p:cSld>
-    <p:spTree>
-      <p:nvGrpSpPr>
-        <p:cNvPr id="1" name=""/>
-        <p:cNvGrpSpPr/>
-        <p:nvPr/>
-      </p:nvGrpSpPr>
-      <p:grpSpPr>
-        <a:xfrm>
-          <a:off x="0" y="0"/>
-          <a:ext cx="0" cy="0"/>
-          <a:chOff x="0" y="0"/>
-          <a:chExt cx="0" cy="0"/>
-        </a:xfrm>
-      </p:grpSpPr>
-      <p:sp>
-        <p:nvSpPr>
-          <p:cNvPr id="2" name="タイトル 1">
-            <a:extLst>
-              <a:ext uri="{FF2B5EF4-FFF2-40B4-BE49-F238E27FC236}">
-                <a16:creationId xmlns:a16="http://schemas.microsoft.com/office/drawing/2014/main" id="{AFADF475-0F1B-AB00-0C2A-4B8F72F36342}"/>
-              </a:ext>
-            </a:extLst>
-          </p:cNvPr>
-          <p:cNvSpPr>
-            <a:spLocks noGrp="1"/>
-          </p:cNvSpPr>
-          <p:nvPr>
-            <p:ph type="title"/>
-          </p:nvPr>
-        </p:nvSpPr>
-        <p:spPr/>
-        <p:txBody>
-          <a:bodyPr/>
-          <a:lstStyle/>
-          <a:p>
-            <a:r>
-              <a:rPr kumimoji="1" lang="ja-JP" altLang="en-US" dirty="0"/>
-              <a:t>今後やること</a:t>
-            </a:r>
-          </a:p>
-        </p:txBody>
-      </p:sp>
-      <p:sp>
-        <p:nvSpPr>
-          <p:cNvPr id="3" name="コンテンツ プレースホルダー 2">
-            <a:extLst>
-              <a:ext uri="{FF2B5EF4-FFF2-40B4-BE49-F238E27FC236}">
-                <a16:creationId xmlns:a16="http://schemas.microsoft.com/office/drawing/2014/main" id="{4576E717-C2A6-BB09-B4B9-EECF78312E87}"/>
-              </a:ext>
-            </a:extLst>
-          </p:cNvPr>
-          <p:cNvSpPr>
-            <a:spLocks noGrp="1"/>
-          </p:cNvSpPr>
-          <p:nvPr>
-            <p:ph idx="1"/>
-          </p:nvPr>
-        </p:nvSpPr>
-        <p:spPr/>
-        <p:txBody>
-          <a:bodyPr>
-            <a:normAutofit fontScale="92500" lnSpcReduction="10000"/>
-          </a:bodyPr>
-          <a:lstStyle/>
-          <a:p>
-            <a:r>
-              <a:rPr kumimoji="1" lang="ja-JP" altLang="en-US" dirty="0"/>
-              <a:t>ゲームとスライドの完成</a:t>
-            </a:r>
-            <a:endParaRPr kumimoji="1" lang="en-US" altLang="ja-JP" dirty="0"/>
-          </a:p>
-          <a:p>
-            <a:pPr lvl="1"/>
-            <a:r>
-              <a:rPr kumimoji="1" lang="ja-JP" altLang="en-US" dirty="0"/>
-              <a:t>まとめ（考察）には書けばいいのか。</a:t>
-            </a:r>
-            <a:r>
-              <a:rPr kumimoji="1" lang="ja-JP" altLang="en-US" sz="1700" dirty="0"/>
-              <a:t>（人に遊んでもらって検証することをしていないので反省点等よくわからない状態</a:t>
-            </a:r>
-            <a:r>
-              <a:rPr kumimoji="1" lang="ja-JP" altLang="en-US" dirty="0"/>
-              <a:t>）</a:t>
-            </a:r>
-            <a:endParaRPr kumimoji="1" lang="en-US" altLang="ja-JP" dirty="0"/>
-          </a:p>
-          <a:p>
-            <a:pPr lvl="1"/>
-            <a:r>
-              <a:rPr lang="ja-JP" altLang="en-US" dirty="0"/>
-              <a:t>質問用のスライド？</a:t>
-            </a:r>
-            <a:r>
-              <a:rPr lang="ja-JP" altLang="en-US" sz="1500" dirty="0"/>
-              <a:t>（今あるスライド以上に追加で用意しておいたほうが良いものあれば）</a:t>
-            </a:r>
-            <a:endParaRPr kumimoji="1" lang="en-US" altLang="ja-JP" sz="1500" dirty="0"/>
-          </a:p>
-          <a:p>
-            <a:r>
-              <a:rPr lang="ja-JP" altLang="en-US" dirty="0"/>
-              <a:t>卒論</a:t>
-            </a:r>
-            <a:endParaRPr lang="en-US" altLang="ja-JP" dirty="0"/>
-          </a:p>
-          <a:p>
-            <a:r>
-              <a:rPr lang="ja-JP" altLang="en-US" dirty="0"/>
-              <a:t>卒展関連</a:t>
-            </a:r>
-            <a:endParaRPr lang="en-US" altLang="ja-JP" dirty="0"/>
-          </a:p>
-          <a:p>
-            <a:pPr lvl="1"/>
-            <a:r>
-              <a:rPr kumimoji="1" lang="ja-JP" altLang="en-US" dirty="0"/>
-              <a:t>卒展用のパネルの作成</a:t>
-            </a:r>
-            <a:r>
-              <a:rPr kumimoji="1" lang="ja-JP" altLang="en-US" sz="1600" dirty="0"/>
-              <a:t>（引っ越しの関係で</a:t>
-            </a:r>
-            <a:r>
-              <a:rPr kumimoji="1" lang="en-US" altLang="ja-JP" sz="1600" dirty="0"/>
-              <a:t>2</a:t>
-            </a:r>
-            <a:r>
-              <a:rPr kumimoji="1" lang="ja-JP" altLang="en-US" sz="1600" dirty="0"/>
-              <a:t>月前半に作っちゃいたい）</a:t>
-            </a:r>
-            <a:endParaRPr kumimoji="1" lang="en-US" altLang="ja-JP" dirty="0"/>
-          </a:p>
-          <a:p>
-            <a:pPr lvl="1"/>
-            <a:r>
-              <a:rPr lang="ja-JP" altLang="en-US" dirty="0"/>
-              <a:t>卒展用にブラッシュアップ</a:t>
-            </a:r>
-            <a:endParaRPr lang="en-US" altLang="ja-JP" dirty="0"/>
-          </a:p>
-          <a:p>
-            <a:pPr lvl="2"/>
-            <a:r>
-              <a:rPr lang="ja-JP" altLang="en-US" dirty="0"/>
-              <a:t>ゲームオーバーとゲームクリアの概念が欲しい</a:t>
-            </a:r>
-            <a:endParaRPr lang="en-US" altLang="ja-JP" dirty="0"/>
-          </a:p>
-          <a:p>
-            <a:pPr lvl="1"/>
-            <a:endParaRPr lang="en-US" altLang="ja-JP" dirty="0"/>
-          </a:p>
-          <a:p>
-            <a:pPr lvl="1"/>
-            <a:r>
-              <a:rPr lang="ja-JP" altLang="en-US" dirty="0"/>
-              <a:t>卒展でこの</a:t>
-            </a:r>
-            <a:r>
-              <a:rPr lang="en-US" altLang="ja-JP" dirty="0"/>
-              <a:t>pc</a:t>
-            </a:r>
-            <a:r>
-              <a:rPr lang="ja-JP" altLang="en-US" dirty="0"/>
-              <a:t>と追加でもう一台ノート</a:t>
-            </a:r>
-            <a:r>
-              <a:rPr lang="en-US" altLang="ja-JP" dirty="0"/>
-              <a:t>PC</a:t>
-            </a:r>
-            <a:r>
-              <a:rPr lang="ja-JP" altLang="en-US" dirty="0"/>
-              <a:t>借りれれませんか、、？</a:t>
-            </a:r>
-            <a:endParaRPr lang="en-US" altLang="ja-JP" dirty="0"/>
-          </a:p>
-          <a:p>
-            <a:pPr marL="457200" lvl="1" indent="0">
-              <a:buNone/>
-            </a:pPr>
-            <a:r>
-              <a:rPr lang="ja-JP" altLang="en-US" dirty="0"/>
-              <a:t>（タブレットの状態ではモニターに繋げられなかった）</a:t>
-            </a:r>
-            <a:endParaRPr lang="en-US" altLang="ja-JP" dirty="0"/>
-          </a:p>
-          <a:p>
-            <a:endParaRPr kumimoji="1" lang="en-US" altLang="ja-JP" dirty="0"/>
-          </a:p>
-          <a:p>
-            <a:endParaRPr kumimoji="1" lang="ja-JP" altLang="en-US" dirty="0"/>
-          </a:p>
-        </p:txBody>
-      </p:sp>
-    </p:spTree>
-    <p:extLst>
-      <p:ext uri="{BB962C8B-B14F-4D97-AF65-F5344CB8AC3E}">
-        <p14:creationId xmlns:p14="http://schemas.microsoft.com/office/powerpoint/2010/main" val="1885493145"/>
       </p:ext>
     </p:extLst>
   </p:cSld>
@@ -5517,7 +4604,7 @@
                 <a:latin typeface="HGSｺﾞｼｯｸE" panose="020B0900000000000000" pitchFamily="50" charset="-128"/>
                 <a:ea typeface="HGSｺﾞｼｯｸE" panose="020B0900000000000000" pitchFamily="50" charset="-128"/>
               </a:rPr>
-              <a:t> 完成作品 </a:t>
+              <a:t> ゲームのルール </a:t>
             </a:r>
             <a:r>
               <a:rPr kumimoji="1" lang="en-US" altLang="ja-JP" sz="2800" dirty="0">
@@ -5550,7 +4637,7 @@
                 <a:latin typeface="Bahnschrift SemiLight" panose="020B0502040204020203" pitchFamily="34" charset="0"/>
                 <a:cs typeface="Adobe Devanagari" panose="02040503050201020203" pitchFamily="18" charset="0"/>
               </a:rPr>
-              <a:t>Completed work</a:t>
+              <a:t>Game rules</a:t>
             </a:r>
             <a:endParaRPr kumimoji="1" lang="ja-JP" altLang="en-US" sz="4000" dirty="0">
               <a:solidFill>
@@ -5566,36 +4653,2114 @@
       </p:sp>
       <p:sp>
         <p:nvSpPr>
-          <p:cNvPr id="3" name="コンテンツ プレースホルダー 2">
+          <p:cNvPr id="4" name="四角形: 角を丸くする 3">
             <a:extLst>
               <a:ext uri="{FF2B5EF4-FFF2-40B4-BE49-F238E27FC236}">
-                <a16:creationId xmlns:a16="http://schemas.microsoft.com/office/drawing/2014/main" id="{6674BED4-2A0B-7DD7-4F93-0063E0CF03E0}"/>
+                <a16:creationId xmlns:a16="http://schemas.microsoft.com/office/drawing/2014/main" id="{070618F8-85F6-1FF1-10A6-F4BAEE45B804}"/>
               </a:ext>
             </a:extLst>
           </p:cNvPr>
-          <p:cNvSpPr>
-            <a:spLocks noGrp="1"/>
-          </p:cNvSpPr>
+          <p:cNvSpPr/>
+          <p:nvPr/>
+        </p:nvSpPr>
+        <p:spPr>
+          <a:xfrm>
+            <a:off x="641684" y="1690688"/>
+            <a:ext cx="5069305" cy="4581775"/>
+          </a:xfrm>
+          <a:prstGeom prst="roundRect">
+            <a:avLst>
+              <a:gd name="adj" fmla="val 2312"/>
+            </a:avLst>
+          </a:prstGeom>
+          <a:solidFill>
+            <a:schemeClr val="bg2"/>
+          </a:solidFill>
+          <a:ln>
+            <a:noFill/>
+          </a:ln>
+        </p:spPr>
+        <p:style>
+          <a:lnRef idx="2">
+            <a:schemeClr val="accent1">
+              <a:shade val="50000"/>
+            </a:schemeClr>
+          </a:lnRef>
+          <a:fillRef idx="1">
+            <a:schemeClr val="accent1"/>
+          </a:fillRef>
+          <a:effectRef idx="0">
+            <a:schemeClr val="accent1"/>
+          </a:effectRef>
+          <a:fontRef idx="minor">
+            <a:schemeClr val="lt1"/>
+          </a:fontRef>
+        </p:style>
+        <p:txBody>
+          <a:bodyPr rtlCol="0" anchor="t"/>
+          <a:lstStyle/>
+          <a:p>
+            <a:r>
+              <a:rPr lang="ja-JP" altLang="en-US" sz="2000" b="1" dirty="0">
+                <a:solidFill>
+                  <a:schemeClr val="bg2">
+                    <a:lumMod val="25000"/>
+                  </a:schemeClr>
+                </a:solidFill>
+              </a:rPr>
+              <a:t>　</a:t>
+            </a:r>
+            <a:r>
+              <a:rPr kumimoji="1" lang="ja-JP" altLang="en-US" sz="2000" b="1" dirty="0">
+                <a:solidFill>
+                  <a:schemeClr val="bg2">
+                    <a:lumMod val="25000"/>
+                  </a:schemeClr>
+                </a:solidFill>
+              </a:rPr>
+              <a:t>パズルフェーズ</a:t>
+            </a:r>
+            <a:r>
+              <a:rPr kumimoji="1" lang="ja-JP" altLang="en-US" sz="1400" b="1" dirty="0">
+                <a:solidFill>
+                  <a:schemeClr val="bg2">
+                    <a:lumMod val="25000"/>
+                  </a:schemeClr>
+                </a:solidFill>
+              </a:rPr>
+              <a:t>（</a:t>
+            </a:r>
+            <a:r>
+              <a:rPr kumimoji="1" lang="en-US" altLang="ja-JP" sz="1400" b="1" dirty="0">
+                <a:solidFill>
+                  <a:schemeClr val="bg2">
+                    <a:lumMod val="25000"/>
+                  </a:schemeClr>
+                </a:solidFill>
+              </a:rPr>
+              <a:t>16</a:t>
+            </a:r>
+            <a:r>
+              <a:rPr kumimoji="1" lang="ja-JP" altLang="en-US" sz="1400" b="1" dirty="0">
+                <a:solidFill>
+                  <a:schemeClr val="bg2">
+                    <a:lumMod val="25000"/>
+                  </a:schemeClr>
+                </a:solidFill>
+              </a:rPr>
+              <a:t>拍）</a:t>
+            </a:r>
+            <a:endParaRPr kumimoji="1" lang="en-US" altLang="ja-JP" sz="1400" b="1" dirty="0">
+              <a:solidFill>
+                <a:schemeClr val="bg2">
+                  <a:lumMod val="25000"/>
+                </a:schemeClr>
+              </a:solidFill>
+            </a:endParaRPr>
+          </a:p>
+          <a:p>
+            <a:endParaRPr lang="en-US" altLang="ja-JP" b="1" dirty="0">
+              <a:solidFill>
+                <a:schemeClr val="bg2">
+                  <a:lumMod val="25000"/>
+                </a:schemeClr>
+              </a:solidFill>
+            </a:endParaRPr>
+          </a:p>
+          <a:p>
+            <a:pPr marL="285750" indent="-285750">
+              <a:buFont typeface="Arial" panose="020B0604020202020204" pitchFamily="34" charset="0"/>
+              <a:buChar char="•"/>
+            </a:pPr>
+            <a:r>
+              <a:rPr kumimoji="1" lang="ja-JP" altLang="en-US" sz="1600" dirty="0">
+                <a:solidFill>
+                  <a:schemeClr val="bg2">
+                    <a:lumMod val="25000"/>
+                  </a:schemeClr>
+                </a:solidFill>
+              </a:rPr>
+              <a:t>同じ色のピースが</a:t>
+            </a:r>
+            <a:r>
+              <a:rPr kumimoji="1" lang="en-US" altLang="ja-JP" sz="1600" dirty="0">
+                <a:solidFill>
+                  <a:schemeClr val="bg2">
+                    <a:lumMod val="25000"/>
+                  </a:schemeClr>
+                </a:solidFill>
+              </a:rPr>
+              <a:t>3</a:t>
+            </a:r>
+            <a:r>
+              <a:rPr kumimoji="1" lang="ja-JP" altLang="en-US" sz="1600" dirty="0">
+                <a:solidFill>
+                  <a:schemeClr val="bg2">
+                    <a:lumMod val="25000"/>
+                  </a:schemeClr>
+                </a:solidFill>
+              </a:rPr>
+              <a:t>つ以上縦、又は横に並ぶように上下左右で隣り合うピースと位置を入れ替える。</a:t>
+            </a:r>
+            <a:endParaRPr kumimoji="1" lang="en-US" altLang="ja-JP" sz="1600" dirty="0">
+              <a:solidFill>
+                <a:schemeClr val="bg2">
+                  <a:lumMod val="25000"/>
+                </a:schemeClr>
+              </a:solidFill>
+            </a:endParaRPr>
+          </a:p>
+          <a:p>
+            <a:pPr marL="285750" indent="-285750">
+              <a:buFont typeface="Arial" panose="020B0604020202020204" pitchFamily="34" charset="0"/>
+              <a:buChar char="•"/>
+            </a:pPr>
+            <a:endParaRPr lang="en-US" altLang="ja-JP" sz="1600" dirty="0">
+              <a:solidFill>
+                <a:schemeClr val="bg2">
+                  <a:lumMod val="25000"/>
+                </a:schemeClr>
+              </a:solidFill>
+            </a:endParaRPr>
+          </a:p>
+          <a:p>
+            <a:pPr marL="285750" indent="-285750">
+              <a:buFont typeface="Arial" panose="020B0604020202020204" pitchFamily="34" charset="0"/>
+              <a:buChar char="•"/>
+            </a:pPr>
+            <a:endParaRPr kumimoji="1" lang="en-US" altLang="ja-JP" sz="1600" dirty="0">
+              <a:solidFill>
+                <a:schemeClr val="bg2">
+                  <a:lumMod val="25000"/>
+                </a:schemeClr>
+              </a:solidFill>
+            </a:endParaRPr>
+          </a:p>
+          <a:p>
+            <a:pPr marL="285750" indent="-285750">
+              <a:buFont typeface="Arial" panose="020B0604020202020204" pitchFamily="34" charset="0"/>
+              <a:buChar char="•"/>
+            </a:pPr>
+            <a:endParaRPr lang="en-US" altLang="ja-JP" sz="1600" dirty="0">
+              <a:solidFill>
+                <a:schemeClr val="bg2">
+                  <a:lumMod val="25000"/>
+                </a:schemeClr>
+              </a:solidFill>
+            </a:endParaRPr>
+          </a:p>
+          <a:p>
+            <a:pPr marL="285750" indent="-285750">
+              <a:buFont typeface="Arial" panose="020B0604020202020204" pitchFamily="34" charset="0"/>
+              <a:buChar char="•"/>
+            </a:pPr>
+            <a:endParaRPr kumimoji="1" lang="en-US" altLang="ja-JP" sz="1600" dirty="0">
+              <a:solidFill>
+                <a:schemeClr val="bg2">
+                  <a:lumMod val="25000"/>
+                </a:schemeClr>
+              </a:solidFill>
+            </a:endParaRPr>
+          </a:p>
+          <a:p>
+            <a:pPr marL="285750" indent="-285750">
+              <a:buFont typeface="Arial" panose="020B0604020202020204" pitchFamily="34" charset="0"/>
+              <a:buChar char="•"/>
+            </a:pPr>
+            <a:endParaRPr lang="en-US" altLang="ja-JP" sz="1600" dirty="0">
+              <a:solidFill>
+                <a:schemeClr val="bg2">
+                  <a:lumMod val="25000"/>
+                </a:schemeClr>
+              </a:solidFill>
+            </a:endParaRPr>
+          </a:p>
+          <a:p>
+            <a:pPr marL="285750" indent="-285750">
+              <a:buFont typeface="Arial" panose="020B0604020202020204" pitchFamily="34" charset="0"/>
+              <a:buChar char="•"/>
+            </a:pPr>
+            <a:endParaRPr kumimoji="1" lang="en-US" altLang="ja-JP" sz="1600" dirty="0">
+              <a:solidFill>
+                <a:schemeClr val="bg2">
+                  <a:lumMod val="25000"/>
+                </a:schemeClr>
+              </a:solidFill>
+            </a:endParaRPr>
+          </a:p>
+          <a:p>
+            <a:pPr marL="285750" indent="-285750">
+              <a:buFont typeface="Arial" panose="020B0604020202020204" pitchFamily="34" charset="0"/>
+              <a:buChar char="•"/>
+            </a:pPr>
+            <a:endParaRPr lang="en-US" altLang="ja-JP" sz="1600" dirty="0">
+              <a:solidFill>
+                <a:schemeClr val="bg2">
+                  <a:lumMod val="25000"/>
+                </a:schemeClr>
+              </a:solidFill>
+            </a:endParaRPr>
+          </a:p>
+          <a:p>
+            <a:pPr marL="285750" indent="-285750">
+              <a:buFont typeface="Arial" panose="020B0604020202020204" pitchFamily="34" charset="0"/>
+              <a:buChar char="•"/>
+            </a:pPr>
+            <a:endParaRPr kumimoji="1" lang="en-US" altLang="ja-JP" sz="1600" dirty="0">
+              <a:solidFill>
+                <a:schemeClr val="bg2">
+                  <a:lumMod val="25000"/>
+                </a:schemeClr>
+              </a:solidFill>
+            </a:endParaRPr>
+          </a:p>
+          <a:p>
+            <a:pPr marL="285750" indent="-285750">
+              <a:buFont typeface="Arial" panose="020B0604020202020204" pitchFamily="34" charset="0"/>
+              <a:buChar char="•"/>
+            </a:pPr>
+            <a:r>
+              <a:rPr kumimoji="1" lang="ja-JP" altLang="en-US" sz="1600" dirty="0">
+                <a:solidFill>
+                  <a:schemeClr val="bg2">
+                    <a:lumMod val="25000"/>
+                  </a:schemeClr>
+                </a:solidFill>
+              </a:rPr>
+              <a:t>入れ替わったピース</a:t>
+            </a:r>
+            <a:r>
+              <a:rPr kumimoji="1" lang="en-US" altLang="ja-JP" sz="1600" dirty="0">
+                <a:solidFill>
+                  <a:schemeClr val="bg2">
+                    <a:lumMod val="25000"/>
+                  </a:schemeClr>
+                </a:solidFill>
+              </a:rPr>
+              <a:t>(</a:t>
+            </a:r>
+            <a:r>
+              <a:rPr kumimoji="1" lang="ja-JP" altLang="en-US" sz="1600" dirty="0">
+                <a:solidFill>
+                  <a:schemeClr val="bg2">
+                    <a:lumMod val="25000"/>
+                  </a:schemeClr>
+                </a:solidFill>
+              </a:rPr>
+              <a:t>上図だと中央の黄色と青のピース</a:t>
+            </a:r>
+            <a:r>
+              <a:rPr kumimoji="1" lang="en-US" altLang="ja-JP" sz="1600" dirty="0">
+                <a:solidFill>
+                  <a:schemeClr val="bg2">
+                    <a:lumMod val="25000"/>
+                  </a:schemeClr>
+                </a:solidFill>
+              </a:rPr>
+              <a:t>)</a:t>
+            </a:r>
+            <a:r>
+              <a:rPr kumimoji="1" lang="ja-JP" altLang="en-US" sz="1600" dirty="0">
+                <a:solidFill>
+                  <a:schemeClr val="bg2">
+                    <a:lumMod val="25000"/>
+                  </a:schemeClr>
+                </a:solidFill>
+              </a:rPr>
+              <a:t>の位置にノーツが生成され、他のピースは消える。</a:t>
+            </a:r>
+          </a:p>
+        </p:txBody>
+      </p:sp>
+      <p:sp>
+        <p:nvSpPr>
+          <p:cNvPr id="5" name="四角形: 角を丸くする 4">
+            <a:extLst>
+              <a:ext uri="{FF2B5EF4-FFF2-40B4-BE49-F238E27FC236}">
+                <a16:creationId xmlns:a16="http://schemas.microsoft.com/office/drawing/2014/main" id="{3F2551D4-1B4F-0AD1-E86D-28DBE469FE62}"/>
+              </a:ext>
+            </a:extLst>
+          </p:cNvPr>
+          <p:cNvSpPr/>
+          <p:nvPr/>
+        </p:nvSpPr>
+        <p:spPr>
+          <a:xfrm>
+            <a:off x="6328611" y="1690688"/>
+            <a:ext cx="5069305" cy="4581775"/>
+          </a:xfrm>
+          <a:prstGeom prst="roundRect">
+            <a:avLst>
+              <a:gd name="adj" fmla="val 2312"/>
+            </a:avLst>
+          </a:prstGeom>
+          <a:solidFill>
+            <a:schemeClr val="bg2"/>
+          </a:solidFill>
+          <a:ln>
+            <a:noFill/>
+          </a:ln>
+        </p:spPr>
+        <p:style>
+          <a:lnRef idx="2">
+            <a:schemeClr val="accent1">
+              <a:shade val="50000"/>
+            </a:schemeClr>
+          </a:lnRef>
+          <a:fillRef idx="1">
+            <a:schemeClr val="accent1"/>
+          </a:fillRef>
+          <a:effectRef idx="0">
+            <a:schemeClr val="accent1"/>
+          </a:effectRef>
+          <a:fontRef idx="minor">
+            <a:schemeClr val="lt1"/>
+          </a:fontRef>
+        </p:style>
+        <p:txBody>
+          <a:bodyPr rtlCol="0" anchor="t"/>
+          <a:lstStyle/>
+          <a:p>
+            <a:r>
+              <a:rPr kumimoji="1" lang="ja-JP" altLang="en-US" sz="2000" b="1" dirty="0">
+                <a:solidFill>
+                  <a:schemeClr val="bg2">
+                    <a:lumMod val="25000"/>
+                  </a:schemeClr>
+                </a:solidFill>
+              </a:rPr>
+              <a:t>　リズムフェーズ</a:t>
+            </a:r>
+            <a:r>
+              <a:rPr kumimoji="1" lang="ja-JP" altLang="en-US" sz="1400" b="1" dirty="0">
+                <a:solidFill>
+                  <a:schemeClr val="bg2">
+                    <a:lumMod val="25000"/>
+                  </a:schemeClr>
+                </a:solidFill>
+              </a:rPr>
+              <a:t>（</a:t>
+            </a:r>
+            <a:r>
+              <a:rPr kumimoji="1" lang="en-US" altLang="ja-JP" sz="1400" b="1" dirty="0">
+                <a:solidFill>
+                  <a:schemeClr val="bg2">
+                    <a:lumMod val="25000"/>
+                  </a:schemeClr>
+                </a:solidFill>
+              </a:rPr>
+              <a:t>8</a:t>
+            </a:r>
+            <a:r>
+              <a:rPr kumimoji="1" lang="ja-JP" altLang="en-US" sz="1400" b="1" dirty="0">
+                <a:solidFill>
+                  <a:schemeClr val="bg2">
+                    <a:lumMod val="25000"/>
+                  </a:schemeClr>
+                </a:solidFill>
+              </a:rPr>
+              <a:t>拍）</a:t>
+            </a:r>
+            <a:endParaRPr kumimoji="1" lang="en-US" altLang="ja-JP" sz="1400" b="1" dirty="0">
+              <a:solidFill>
+                <a:schemeClr val="bg2">
+                  <a:lumMod val="25000"/>
+                </a:schemeClr>
+              </a:solidFill>
+            </a:endParaRPr>
+          </a:p>
+          <a:p>
+            <a:endParaRPr lang="en-US" altLang="ja-JP" b="1" dirty="0">
+              <a:solidFill>
+                <a:schemeClr val="bg2">
+                  <a:lumMod val="25000"/>
+                </a:schemeClr>
+              </a:solidFill>
+            </a:endParaRPr>
+          </a:p>
+          <a:p>
+            <a:pPr marL="285750" indent="-285750">
+              <a:buFont typeface="Arial" panose="020B0604020202020204" pitchFamily="34" charset="0"/>
+              <a:buChar char="•"/>
+            </a:pPr>
+            <a:r>
+              <a:rPr kumimoji="1" lang="ja-JP" altLang="en-US" sz="1600" dirty="0">
+                <a:solidFill>
+                  <a:schemeClr val="bg2">
+                    <a:lumMod val="25000"/>
+                  </a:schemeClr>
+                </a:solidFill>
+              </a:rPr>
+              <a:t>パズルフェーズで作ったノーツと、バーが重なったタイミングでそれぞれのノーツに合った操作をする。</a:t>
+            </a:r>
+          </a:p>
+        </p:txBody>
+      </p:sp>
+      <p:grpSp>
+        <p:nvGrpSpPr>
+          <p:cNvPr id="8" name="グループ化 7">
+            <a:extLst>
+              <a:ext uri="{FF2B5EF4-FFF2-40B4-BE49-F238E27FC236}">
+                <a16:creationId xmlns:a16="http://schemas.microsoft.com/office/drawing/2014/main" id="{094AE183-7243-01E7-9D5C-DBA6C2278B8E}"/>
+              </a:ext>
+            </a:extLst>
+          </p:cNvPr>
+          <p:cNvGrpSpPr/>
+          <p:nvPr/>
+        </p:nvGrpSpPr>
+        <p:grpSpPr>
+          <a:xfrm>
+            <a:off x="5005137" y="3088878"/>
+            <a:ext cx="2029326" cy="1785394"/>
+            <a:chOff x="4965032" y="3156619"/>
+            <a:chExt cx="2029326" cy="1785394"/>
+          </a:xfrm>
+        </p:grpSpPr>
+        <p:sp>
+          <p:nvSpPr>
+            <p:cNvPr id="6" name="矢印: 右 5">
+              <a:extLst>
+                <a:ext uri="{FF2B5EF4-FFF2-40B4-BE49-F238E27FC236}">
+                  <a16:creationId xmlns:a16="http://schemas.microsoft.com/office/drawing/2014/main" id="{CE526F84-8CA5-BEBF-C7A0-9A0C20898465}"/>
+                </a:ext>
+              </a:extLst>
+            </p:cNvPr>
+            <p:cNvSpPr/>
+            <p:nvPr/>
+          </p:nvSpPr>
+          <p:spPr>
+            <a:xfrm>
+              <a:off x="5197642" y="3156619"/>
+              <a:ext cx="1796716" cy="960438"/>
+            </a:xfrm>
+            <a:prstGeom prst="rightArrow">
+              <a:avLst/>
+            </a:prstGeom>
+            <a:solidFill>
+              <a:schemeClr val="bg1"/>
+            </a:solidFill>
+            <a:ln w="57150">
+              <a:solidFill>
+                <a:schemeClr val="bg2">
+                  <a:lumMod val="90000"/>
+                </a:schemeClr>
+              </a:solidFill>
+            </a:ln>
+          </p:spPr>
+          <p:style>
+            <a:lnRef idx="2">
+              <a:schemeClr val="accent1">
+                <a:shade val="50000"/>
+              </a:schemeClr>
+            </a:lnRef>
+            <a:fillRef idx="1">
+              <a:schemeClr val="accent1"/>
+            </a:fillRef>
+            <a:effectRef idx="0">
+              <a:schemeClr val="accent1"/>
+            </a:effectRef>
+            <a:fontRef idx="minor">
+              <a:schemeClr val="lt1"/>
+            </a:fontRef>
+          </p:style>
+          <p:txBody>
+            <a:bodyPr rtlCol="0" anchor="ctr"/>
+            <a:lstStyle/>
+            <a:p>
+              <a:pPr algn="ctr"/>
+              <a:endParaRPr kumimoji="1" lang="ja-JP" altLang="en-US" dirty="0"/>
+            </a:p>
+          </p:txBody>
+        </p:sp>
+        <p:sp>
+          <p:nvSpPr>
+            <p:cNvPr id="7" name="矢印: 右 6">
+              <a:extLst>
+                <a:ext uri="{FF2B5EF4-FFF2-40B4-BE49-F238E27FC236}">
+                  <a16:creationId xmlns:a16="http://schemas.microsoft.com/office/drawing/2014/main" id="{AE9359BB-6B68-B356-5315-05EE24D79E5C}"/>
+                </a:ext>
+              </a:extLst>
+            </p:cNvPr>
+            <p:cNvSpPr/>
+            <p:nvPr/>
+          </p:nvSpPr>
+          <p:spPr>
+            <a:xfrm flipH="1">
+              <a:off x="4965032" y="3981575"/>
+              <a:ext cx="1796716" cy="960438"/>
+            </a:xfrm>
+            <a:prstGeom prst="rightArrow">
+              <a:avLst/>
+            </a:prstGeom>
+            <a:solidFill>
+              <a:schemeClr val="bg1"/>
+            </a:solidFill>
+            <a:ln w="57150">
+              <a:solidFill>
+                <a:schemeClr val="bg2">
+                  <a:lumMod val="90000"/>
+                </a:schemeClr>
+              </a:solidFill>
+            </a:ln>
+          </p:spPr>
+          <p:style>
+            <a:lnRef idx="2">
+              <a:schemeClr val="accent1">
+                <a:shade val="50000"/>
+              </a:schemeClr>
+            </a:lnRef>
+            <a:fillRef idx="1">
+              <a:schemeClr val="accent1"/>
+            </a:fillRef>
+            <a:effectRef idx="0">
+              <a:schemeClr val="accent1"/>
+            </a:effectRef>
+            <a:fontRef idx="minor">
+              <a:schemeClr val="lt1"/>
+            </a:fontRef>
+          </p:style>
+          <p:txBody>
+            <a:bodyPr rtlCol="0" anchor="ctr"/>
+            <a:lstStyle/>
+            <a:p>
+              <a:pPr algn="ctr"/>
+              <a:endParaRPr kumimoji="1" lang="ja-JP" altLang="en-US" dirty="0"/>
+            </a:p>
+          </p:txBody>
+        </p:sp>
+      </p:grpSp>
+      <p:graphicFrame>
+        <p:nvGraphicFramePr>
+          <p:cNvPr id="9" name="表 9">
+            <a:extLst>
+              <a:ext uri="{FF2B5EF4-FFF2-40B4-BE49-F238E27FC236}">
+                <a16:creationId xmlns:a16="http://schemas.microsoft.com/office/drawing/2014/main" id="{8DF819FC-7B72-8C7B-D618-6D9844B7C004}"/>
+              </a:ext>
+            </a:extLst>
+          </p:cNvPr>
+          <p:cNvGraphicFramePr>
+            <a:graphicFrameLocks noGrp="1"/>
+          </p:cNvGraphicFramePr>
           <p:nvPr>
-            <p:ph idx="1"/>
+            <p:extLst>
+              <p:ext uri="{D42A27DB-BD31-4B8C-83A1-F6EECF244321}">
+                <p14:modId xmlns:p14="http://schemas.microsoft.com/office/powerpoint/2010/main" val="3196325024"/>
+              </p:ext>
+            </p:extLst>
           </p:nvPr>
+        </p:nvGraphicFramePr>
+        <p:xfrm>
+          <a:off x="1160132" y="3003263"/>
+          <a:ext cx="1705986" cy="1235948"/>
+        </p:xfrm>
+        <a:graphic>
+          <a:graphicData uri="http://schemas.openxmlformats.org/drawingml/2006/table">
+            <a:tbl>
+              <a:tblPr>
+                <a:tableStyleId>{073A0DAA-6AF3-43AB-8588-CEC1D06C72B9}</a:tableStyleId>
+              </a:tblPr>
+              <a:tblGrid>
+                <a:gridCol w="568662">
+                  <a:extLst>
+                    <a:ext uri="{9D8B030D-6E8A-4147-A177-3AD203B41FA5}">
+                      <a16:colId xmlns:a16="http://schemas.microsoft.com/office/drawing/2014/main" val="3227621042"/>
+                    </a:ext>
+                  </a:extLst>
+                </a:gridCol>
+                <a:gridCol w="568662">
+                  <a:extLst>
+                    <a:ext uri="{9D8B030D-6E8A-4147-A177-3AD203B41FA5}">
+                      <a16:colId xmlns:a16="http://schemas.microsoft.com/office/drawing/2014/main" val="60749024"/>
+                    </a:ext>
+                  </a:extLst>
+                </a:gridCol>
+                <a:gridCol w="568662">
+                  <a:extLst>
+                    <a:ext uri="{9D8B030D-6E8A-4147-A177-3AD203B41FA5}">
+                      <a16:colId xmlns:a16="http://schemas.microsoft.com/office/drawing/2014/main" val="2572503410"/>
+                    </a:ext>
+                  </a:extLst>
+                </a:gridCol>
+              </a:tblGrid>
+              <a:tr h="617974">
+                <a:tc>
+                  <a:txBody>
+                    <a:bodyPr/>
+                    <a:lstStyle/>
+                    <a:p>
+                      <a:endParaRPr kumimoji="1" lang="ja-JP" altLang="en-US"/>
+                    </a:p>
+                  </a:txBody>
+                  <a:tcPr>
+                    <a:lnL w="12700" cmpd="sng">
+                      <a:noFill/>
+                    </a:lnL>
+                    <a:lnR w="12700" cmpd="sng">
+                      <a:noFill/>
+                    </a:lnR>
+                    <a:lnT w="12700" cmpd="sng">
+                      <a:noFill/>
+                    </a:lnT>
+                    <a:lnB w="12700" cmpd="sng">
+                      <a:noFill/>
+                    </a:lnB>
+                    <a:lnTlToBr w="12700" cmpd="sng">
+                      <a:noFill/>
+                      <a:prstDash val="solid"/>
+                    </a:lnTlToBr>
+                    <a:lnBlToTr w="12700" cmpd="sng">
+                      <a:noFill/>
+                      <a:prstDash val="solid"/>
+                    </a:lnBlToTr>
+                    <a:solidFill>
+                      <a:srgbClr val="0070C0"/>
+                    </a:solidFill>
+                  </a:tcPr>
+                </a:tc>
+                <a:tc>
+                  <a:txBody>
+                    <a:bodyPr/>
+                    <a:lstStyle/>
+                    <a:p>
+                      <a:endParaRPr kumimoji="1" lang="ja-JP" altLang="en-US" dirty="0"/>
+                    </a:p>
+                  </a:txBody>
+                  <a:tcPr>
+                    <a:lnL w="12700" cmpd="sng">
+                      <a:noFill/>
+                    </a:lnL>
+                    <a:lnR w="12700" cmpd="sng">
+                      <a:noFill/>
+                    </a:lnR>
+                    <a:lnT w="12700" cmpd="sng">
+                      <a:noFill/>
+                    </a:lnT>
+                    <a:lnB w="12700" cmpd="sng">
+                      <a:noFill/>
+                    </a:lnB>
+                    <a:lnTlToBr w="12700" cmpd="sng">
+                      <a:noFill/>
+                      <a:prstDash val="solid"/>
+                    </a:lnTlToBr>
+                    <a:lnBlToTr w="12700" cmpd="sng">
+                      <a:noFill/>
+                      <a:prstDash val="solid"/>
+                    </a:lnBlToTr>
+                    <a:solidFill>
+                      <a:srgbClr val="0070C0"/>
+                    </a:solidFill>
+                  </a:tcPr>
+                </a:tc>
+                <a:tc>
+                  <a:txBody>
+                    <a:bodyPr/>
+                    <a:lstStyle/>
+                    <a:p>
+                      <a:endParaRPr kumimoji="1" lang="ja-JP" altLang="en-US"/>
+                    </a:p>
+                  </a:txBody>
+                  <a:tcPr>
+                    <a:lnL w="12700" cmpd="sng">
+                      <a:noFill/>
+                    </a:lnL>
+                    <a:lnR w="12700" cmpd="sng">
+                      <a:noFill/>
+                    </a:lnR>
+                    <a:lnT w="12700" cmpd="sng">
+                      <a:noFill/>
+                    </a:lnT>
+                    <a:lnB w="12700" cmpd="sng">
+                      <a:noFill/>
+                    </a:lnB>
+                    <a:lnTlToBr w="12700" cmpd="sng">
+                      <a:noFill/>
+                      <a:prstDash val="solid"/>
+                    </a:lnTlToBr>
+                    <a:lnBlToTr w="12700" cmpd="sng">
+                      <a:noFill/>
+                      <a:prstDash val="solid"/>
+                    </a:lnBlToTr>
+                    <a:solidFill>
+                      <a:srgbClr val="0070C0"/>
+                    </a:solidFill>
+                  </a:tcPr>
+                </a:tc>
+                <a:extLst>
+                  <a:ext uri="{0D108BD9-81ED-4DB2-BD59-A6C34878D82A}">
+                    <a16:rowId xmlns:a16="http://schemas.microsoft.com/office/drawing/2014/main" val="3656100207"/>
+                  </a:ext>
+                </a:extLst>
+              </a:tr>
+              <a:tr h="617974">
+                <a:tc>
+                  <a:txBody>
+                    <a:bodyPr/>
+                    <a:lstStyle/>
+                    <a:p>
+                      <a:endParaRPr kumimoji="1" lang="ja-JP" altLang="en-US" dirty="0"/>
+                    </a:p>
+                  </a:txBody>
+                  <a:tcPr>
+                    <a:lnL w="12700" cmpd="sng">
+                      <a:noFill/>
+                    </a:lnL>
+                    <a:lnR w="12700" cmpd="sng">
+                      <a:noFill/>
+                    </a:lnR>
+                    <a:lnT w="12700" cmpd="sng">
+                      <a:noFill/>
+                    </a:lnT>
+                    <a:lnB w="12700" cmpd="sng">
+                      <a:noFill/>
+                    </a:lnB>
+                    <a:lnTlToBr w="12700" cmpd="sng">
+                      <a:noFill/>
+                      <a:prstDash val="solid"/>
+                    </a:lnTlToBr>
+                    <a:lnBlToTr w="12700" cmpd="sng">
+                      <a:noFill/>
+                      <a:prstDash val="solid"/>
+                    </a:lnBlToTr>
+                    <a:solidFill>
+                      <a:srgbClr val="0070C0"/>
+                    </a:solidFill>
+                  </a:tcPr>
+                </a:tc>
+                <a:tc>
+                  <a:txBody>
+                    <a:bodyPr/>
+                    <a:lstStyle/>
+                    <a:p>
+                      <a:endParaRPr kumimoji="1" lang="ja-JP" altLang="en-US" dirty="0"/>
+                    </a:p>
+                  </a:txBody>
+                  <a:tcPr>
+                    <a:lnL w="12700" cmpd="sng">
+                      <a:noFill/>
+                    </a:lnL>
+                    <a:lnR w="12700" cmpd="sng">
+                      <a:noFill/>
+                    </a:lnR>
+                    <a:lnT w="12700" cmpd="sng">
+                      <a:noFill/>
+                    </a:lnT>
+                    <a:lnB w="12700" cmpd="sng">
+                      <a:noFill/>
+                    </a:lnB>
+                    <a:lnTlToBr w="12700" cmpd="sng">
+                      <a:noFill/>
+                      <a:prstDash val="solid"/>
+                    </a:lnTlToBr>
+                    <a:lnBlToTr w="12700" cmpd="sng">
+                      <a:noFill/>
+                      <a:prstDash val="solid"/>
+                    </a:lnBlToTr>
+                    <a:solidFill>
+                      <a:srgbClr val="0070C0"/>
+                    </a:solidFill>
+                  </a:tcPr>
+                </a:tc>
+                <a:tc>
+                  <a:txBody>
+                    <a:bodyPr/>
+                    <a:lstStyle/>
+                    <a:p>
+                      <a:endParaRPr kumimoji="1" lang="ja-JP" altLang="en-US" dirty="0"/>
+                    </a:p>
+                  </a:txBody>
+                  <a:tcPr>
+                    <a:lnL w="12700" cmpd="sng">
+                      <a:noFill/>
+                    </a:lnL>
+                    <a:lnR w="12700" cmpd="sng">
+                      <a:noFill/>
+                    </a:lnR>
+                    <a:lnT w="12700" cmpd="sng">
+                      <a:noFill/>
+                    </a:lnT>
+                    <a:lnB w="12700" cmpd="sng">
+                      <a:noFill/>
+                    </a:lnB>
+                    <a:lnTlToBr w="12700" cmpd="sng">
+                      <a:noFill/>
+                      <a:prstDash val="solid"/>
+                    </a:lnTlToBr>
+                    <a:lnBlToTr w="12700" cmpd="sng">
+                      <a:noFill/>
+                      <a:prstDash val="solid"/>
+                    </a:lnBlToTr>
+                    <a:solidFill>
+                      <a:srgbClr val="0070C0"/>
+                    </a:solidFill>
+                  </a:tcPr>
+                </a:tc>
+                <a:extLst>
+                  <a:ext uri="{0D108BD9-81ED-4DB2-BD59-A6C34878D82A}">
+                    <a16:rowId xmlns:a16="http://schemas.microsoft.com/office/drawing/2014/main" val="3685527907"/>
+                  </a:ext>
+                </a:extLst>
+              </a:tr>
+            </a:tbl>
+          </a:graphicData>
+        </a:graphic>
+      </p:graphicFrame>
+      <p:sp>
+        <p:nvSpPr>
+          <p:cNvPr id="10" name="正方形/長方形 9">
+            <a:extLst>
+              <a:ext uri="{FF2B5EF4-FFF2-40B4-BE49-F238E27FC236}">
+                <a16:creationId xmlns:a16="http://schemas.microsoft.com/office/drawing/2014/main" id="{5FDAF8E8-D89C-8BF4-CB0E-2EC96C152A07}"/>
+              </a:ext>
+            </a:extLst>
+          </p:cNvPr>
+          <p:cNvSpPr/>
+          <p:nvPr/>
         </p:nvSpPr>
-        <p:spPr/>
+        <p:spPr>
+          <a:xfrm>
+            <a:off x="1160132" y="2998579"/>
+            <a:ext cx="553624" cy="622658"/>
+          </a:xfrm>
+          <a:prstGeom prst="rect">
+            <a:avLst/>
+          </a:prstGeom>
+          <a:solidFill>
+            <a:srgbClr val="FFFF00"/>
+          </a:solidFill>
+          <a:ln>
+            <a:noFill/>
+          </a:ln>
+        </p:spPr>
+        <p:style>
+          <a:lnRef idx="2">
+            <a:schemeClr val="accent1">
+              <a:shade val="50000"/>
+            </a:schemeClr>
+          </a:lnRef>
+          <a:fillRef idx="1">
+            <a:schemeClr val="accent1"/>
+          </a:fillRef>
+          <a:effectRef idx="0">
+            <a:schemeClr val="accent1"/>
+          </a:effectRef>
+          <a:fontRef idx="minor">
+            <a:schemeClr val="lt1"/>
+          </a:fontRef>
+        </p:style>
         <p:txBody>
-          <a:bodyPr/>
+          <a:bodyPr rtlCol="0" anchor="ctr"/>
           <a:lstStyle/>
           <a:p>
-            <a:r>
-              <a:rPr kumimoji="1" lang="ja-JP" altLang="en-US" dirty="0"/>
-              <a:t>ここで完成したゲームの動画を流す</a:t>
-            </a:r>
+            <a:pPr algn="ctr"/>
+            <a:endParaRPr kumimoji="1" lang="ja-JP" altLang="en-US"/>
+          </a:p>
+        </p:txBody>
+      </p:sp>
+      <p:sp>
+        <p:nvSpPr>
+          <p:cNvPr id="11" name="正方形/長方形 10">
+            <a:extLst>
+              <a:ext uri="{FF2B5EF4-FFF2-40B4-BE49-F238E27FC236}">
+                <a16:creationId xmlns:a16="http://schemas.microsoft.com/office/drawing/2014/main" id="{49BA691F-323F-C718-5A7A-5812A16B9FF2}"/>
+              </a:ext>
+            </a:extLst>
+          </p:cNvPr>
+          <p:cNvSpPr/>
+          <p:nvPr/>
+        </p:nvSpPr>
+        <p:spPr>
+          <a:xfrm>
+            <a:off x="1713756" y="3621237"/>
+            <a:ext cx="587314" cy="622658"/>
+          </a:xfrm>
+          <a:prstGeom prst="rect">
+            <a:avLst/>
+          </a:prstGeom>
+          <a:solidFill>
+            <a:srgbClr val="FFFF00"/>
+          </a:solidFill>
+          <a:ln>
+            <a:noFill/>
+          </a:ln>
+        </p:spPr>
+        <p:style>
+          <a:lnRef idx="2">
+            <a:schemeClr val="accent1">
+              <a:shade val="50000"/>
+            </a:schemeClr>
+          </a:lnRef>
+          <a:fillRef idx="1">
+            <a:schemeClr val="accent1"/>
+          </a:fillRef>
+          <a:effectRef idx="0">
+            <a:schemeClr val="accent1"/>
+          </a:effectRef>
+          <a:fontRef idx="minor">
+            <a:schemeClr val="lt1"/>
+          </a:fontRef>
+        </p:style>
+        <p:txBody>
+          <a:bodyPr rtlCol="0" anchor="ctr"/>
+          <a:lstStyle/>
+          <a:p>
+            <a:pPr algn="ctr"/>
+            <a:endParaRPr kumimoji="1" lang="ja-JP" altLang="en-US"/>
+          </a:p>
+        </p:txBody>
+      </p:sp>
+      <p:sp>
+        <p:nvSpPr>
+          <p:cNvPr id="12" name="正方形/長方形 11">
+            <a:extLst>
+              <a:ext uri="{FF2B5EF4-FFF2-40B4-BE49-F238E27FC236}">
+                <a16:creationId xmlns:a16="http://schemas.microsoft.com/office/drawing/2014/main" id="{41BF2A1C-1313-001B-2184-A25895509E68}"/>
+              </a:ext>
+            </a:extLst>
+          </p:cNvPr>
+          <p:cNvSpPr/>
+          <p:nvPr/>
+        </p:nvSpPr>
+        <p:spPr>
+          <a:xfrm>
+            <a:off x="2301070" y="2998579"/>
+            <a:ext cx="565048" cy="622658"/>
+          </a:xfrm>
+          <a:prstGeom prst="rect">
+            <a:avLst/>
+          </a:prstGeom>
+          <a:solidFill>
+            <a:srgbClr val="FFFF00"/>
+          </a:solidFill>
+          <a:ln>
+            <a:noFill/>
+          </a:ln>
+        </p:spPr>
+        <p:style>
+          <a:lnRef idx="2">
+            <a:schemeClr val="accent1">
+              <a:shade val="50000"/>
+            </a:schemeClr>
+          </a:lnRef>
+          <a:fillRef idx="1">
+            <a:schemeClr val="accent1"/>
+          </a:fillRef>
+          <a:effectRef idx="0">
+            <a:schemeClr val="accent1"/>
+          </a:effectRef>
+          <a:fontRef idx="minor">
+            <a:schemeClr val="lt1"/>
+          </a:fontRef>
+        </p:style>
+        <p:txBody>
+          <a:bodyPr rtlCol="0" anchor="ctr"/>
+          <a:lstStyle/>
+          <a:p>
+            <a:pPr algn="ctr"/>
+            <a:endParaRPr kumimoji="1" lang="ja-JP" altLang="en-US"/>
+          </a:p>
+        </p:txBody>
+      </p:sp>
+      <p:graphicFrame>
+        <p:nvGraphicFramePr>
+          <p:cNvPr id="13" name="表 9">
+            <a:extLst>
+              <a:ext uri="{FF2B5EF4-FFF2-40B4-BE49-F238E27FC236}">
+                <a16:creationId xmlns:a16="http://schemas.microsoft.com/office/drawing/2014/main" id="{7EF84595-C1AB-A822-B074-4E3DA769A8BB}"/>
+              </a:ext>
+            </a:extLst>
+          </p:cNvPr>
+          <p:cNvGraphicFramePr>
+            <a:graphicFrameLocks noGrp="1"/>
+          </p:cNvGraphicFramePr>
+          <p:nvPr>
+            <p:extLst>
+              <p:ext uri="{D42A27DB-BD31-4B8C-83A1-F6EECF244321}">
+                <p14:modId xmlns:p14="http://schemas.microsoft.com/office/powerpoint/2010/main" val="1306544851"/>
+              </p:ext>
+            </p:extLst>
+          </p:nvPr>
+        </p:nvGraphicFramePr>
+        <p:xfrm>
+          <a:off x="3312328" y="3016251"/>
+          <a:ext cx="1705986" cy="1235948"/>
+        </p:xfrm>
+        <a:graphic>
+          <a:graphicData uri="http://schemas.openxmlformats.org/drawingml/2006/table">
+            <a:tbl>
+              <a:tblPr>
+                <a:tableStyleId>{073A0DAA-6AF3-43AB-8588-CEC1D06C72B9}</a:tableStyleId>
+              </a:tblPr>
+              <a:tblGrid>
+                <a:gridCol w="568662">
+                  <a:extLst>
+                    <a:ext uri="{9D8B030D-6E8A-4147-A177-3AD203B41FA5}">
+                      <a16:colId xmlns:a16="http://schemas.microsoft.com/office/drawing/2014/main" val="3227621042"/>
+                    </a:ext>
+                  </a:extLst>
+                </a:gridCol>
+                <a:gridCol w="568662">
+                  <a:extLst>
+                    <a:ext uri="{9D8B030D-6E8A-4147-A177-3AD203B41FA5}">
+                      <a16:colId xmlns:a16="http://schemas.microsoft.com/office/drawing/2014/main" val="60749024"/>
+                    </a:ext>
+                  </a:extLst>
+                </a:gridCol>
+                <a:gridCol w="568662">
+                  <a:extLst>
+                    <a:ext uri="{9D8B030D-6E8A-4147-A177-3AD203B41FA5}">
+                      <a16:colId xmlns:a16="http://schemas.microsoft.com/office/drawing/2014/main" val="2572503410"/>
+                    </a:ext>
+                  </a:extLst>
+                </a:gridCol>
+              </a:tblGrid>
+              <a:tr h="617974">
+                <a:tc>
+                  <a:txBody>
+                    <a:bodyPr/>
+                    <a:lstStyle/>
+                    <a:p>
+                      <a:endParaRPr kumimoji="1" lang="ja-JP" altLang="en-US"/>
+                    </a:p>
+                  </a:txBody>
+                  <a:tcPr>
+                    <a:lnL w="12700" cmpd="sng">
+                      <a:noFill/>
+                    </a:lnL>
+                    <a:lnR w="12700" cmpd="sng">
+                      <a:noFill/>
+                    </a:lnR>
+                    <a:lnT w="12700" cmpd="sng">
+                      <a:noFill/>
+                    </a:lnT>
+                    <a:lnB w="12700" cmpd="sng">
+                      <a:noFill/>
+                    </a:lnB>
+                    <a:lnTlToBr w="12700" cmpd="sng">
+                      <a:noFill/>
+                      <a:prstDash val="solid"/>
+                    </a:lnTlToBr>
+                    <a:lnBlToTr w="12700" cmpd="sng">
+                      <a:noFill/>
+                      <a:prstDash val="solid"/>
+                    </a:lnBlToTr>
+                    <a:solidFill>
+                      <a:srgbClr val="0070C0"/>
+                    </a:solidFill>
+                  </a:tcPr>
+                </a:tc>
+                <a:tc>
+                  <a:txBody>
+                    <a:bodyPr/>
+                    <a:lstStyle/>
+                    <a:p>
+                      <a:endParaRPr kumimoji="1" lang="ja-JP" altLang="en-US" dirty="0"/>
+                    </a:p>
+                  </a:txBody>
+                  <a:tcPr>
+                    <a:lnL w="12700" cmpd="sng">
+                      <a:noFill/>
+                    </a:lnL>
+                    <a:lnR w="12700" cmpd="sng">
+                      <a:noFill/>
+                    </a:lnR>
+                    <a:lnT w="12700" cmpd="sng">
+                      <a:noFill/>
+                    </a:lnT>
+                    <a:lnB w="12700" cmpd="sng">
+                      <a:noFill/>
+                    </a:lnB>
+                    <a:lnTlToBr w="12700" cmpd="sng">
+                      <a:noFill/>
+                      <a:prstDash val="solid"/>
+                    </a:lnTlToBr>
+                    <a:lnBlToTr w="12700" cmpd="sng">
+                      <a:noFill/>
+                      <a:prstDash val="solid"/>
+                    </a:lnBlToTr>
+                    <a:solidFill>
+                      <a:srgbClr val="0070C0"/>
+                    </a:solidFill>
+                  </a:tcPr>
+                </a:tc>
+                <a:tc>
+                  <a:txBody>
+                    <a:bodyPr/>
+                    <a:lstStyle/>
+                    <a:p>
+                      <a:endParaRPr kumimoji="1" lang="ja-JP" altLang="en-US"/>
+                    </a:p>
+                  </a:txBody>
+                  <a:tcPr>
+                    <a:lnL w="12700" cmpd="sng">
+                      <a:noFill/>
+                    </a:lnL>
+                    <a:lnR w="12700" cmpd="sng">
+                      <a:noFill/>
+                    </a:lnR>
+                    <a:lnT w="12700" cmpd="sng">
+                      <a:noFill/>
+                    </a:lnT>
+                    <a:lnB w="12700" cmpd="sng">
+                      <a:noFill/>
+                    </a:lnB>
+                    <a:lnTlToBr w="12700" cmpd="sng">
+                      <a:noFill/>
+                      <a:prstDash val="solid"/>
+                    </a:lnTlToBr>
+                    <a:lnBlToTr w="12700" cmpd="sng">
+                      <a:noFill/>
+                      <a:prstDash val="solid"/>
+                    </a:lnBlToTr>
+                    <a:solidFill>
+                      <a:srgbClr val="0070C0"/>
+                    </a:solidFill>
+                  </a:tcPr>
+                </a:tc>
+                <a:extLst>
+                  <a:ext uri="{0D108BD9-81ED-4DB2-BD59-A6C34878D82A}">
+                    <a16:rowId xmlns:a16="http://schemas.microsoft.com/office/drawing/2014/main" val="3656100207"/>
+                  </a:ext>
+                </a:extLst>
+              </a:tr>
+              <a:tr h="617974">
+                <a:tc>
+                  <a:txBody>
+                    <a:bodyPr/>
+                    <a:lstStyle/>
+                    <a:p>
+                      <a:endParaRPr kumimoji="1" lang="ja-JP" altLang="en-US" dirty="0"/>
+                    </a:p>
+                  </a:txBody>
+                  <a:tcPr>
+                    <a:lnL w="12700" cmpd="sng">
+                      <a:noFill/>
+                    </a:lnL>
+                    <a:lnR w="12700" cmpd="sng">
+                      <a:noFill/>
+                    </a:lnR>
+                    <a:lnT w="12700" cmpd="sng">
+                      <a:noFill/>
+                    </a:lnT>
+                    <a:lnB w="12700" cmpd="sng">
+                      <a:noFill/>
+                    </a:lnB>
+                    <a:lnTlToBr w="12700" cmpd="sng">
+                      <a:noFill/>
+                      <a:prstDash val="solid"/>
+                    </a:lnTlToBr>
+                    <a:lnBlToTr w="12700" cmpd="sng">
+                      <a:noFill/>
+                      <a:prstDash val="solid"/>
+                    </a:lnBlToTr>
+                    <a:solidFill>
+                      <a:srgbClr val="0070C0"/>
+                    </a:solidFill>
+                  </a:tcPr>
+                </a:tc>
+                <a:tc>
+                  <a:txBody>
+                    <a:bodyPr/>
+                    <a:lstStyle/>
+                    <a:p>
+                      <a:endParaRPr kumimoji="1" lang="ja-JP" altLang="en-US" dirty="0"/>
+                    </a:p>
+                  </a:txBody>
+                  <a:tcPr>
+                    <a:lnL w="12700" cmpd="sng">
+                      <a:noFill/>
+                    </a:lnL>
+                    <a:lnR w="12700" cmpd="sng">
+                      <a:noFill/>
+                    </a:lnR>
+                    <a:lnT w="12700" cmpd="sng">
+                      <a:noFill/>
+                    </a:lnT>
+                    <a:lnB w="12700" cmpd="sng">
+                      <a:noFill/>
+                    </a:lnB>
+                    <a:lnTlToBr w="12700" cmpd="sng">
+                      <a:noFill/>
+                      <a:prstDash val="solid"/>
+                    </a:lnTlToBr>
+                    <a:lnBlToTr w="12700" cmpd="sng">
+                      <a:noFill/>
+                      <a:prstDash val="solid"/>
+                    </a:lnBlToTr>
+                    <a:solidFill>
+                      <a:srgbClr val="0070C0"/>
+                    </a:solidFill>
+                  </a:tcPr>
+                </a:tc>
+                <a:tc>
+                  <a:txBody>
+                    <a:bodyPr/>
+                    <a:lstStyle/>
+                    <a:p>
+                      <a:endParaRPr kumimoji="1" lang="ja-JP" altLang="en-US" dirty="0"/>
+                    </a:p>
+                  </a:txBody>
+                  <a:tcPr>
+                    <a:lnL w="12700" cmpd="sng">
+                      <a:noFill/>
+                    </a:lnL>
+                    <a:lnR w="12700" cmpd="sng">
+                      <a:noFill/>
+                    </a:lnR>
+                    <a:lnT w="12700" cmpd="sng">
+                      <a:noFill/>
+                    </a:lnT>
+                    <a:lnB w="12700" cmpd="sng">
+                      <a:noFill/>
+                    </a:lnB>
+                    <a:lnTlToBr w="12700" cmpd="sng">
+                      <a:noFill/>
+                      <a:prstDash val="solid"/>
+                    </a:lnTlToBr>
+                    <a:lnBlToTr w="12700" cmpd="sng">
+                      <a:noFill/>
+                      <a:prstDash val="solid"/>
+                    </a:lnBlToTr>
+                    <a:solidFill>
+                      <a:srgbClr val="0070C0"/>
+                    </a:solidFill>
+                  </a:tcPr>
+                </a:tc>
+                <a:extLst>
+                  <a:ext uri="{0D108BD9-81ED-4DB2-BD59-A6C34878D82A}">
+                    <a16:rowId xmlns:a16="http://schemas.microsoft.com/office/drawing/2014/main" val="3685527907"/>
+                  </a:ext>
+                </a:extLst>
+              </a:tr>
+            </a:tbl>
+          </a:graphicData>
+        </a:graphic>
+      </p:graphicFrame>
+      <p:sp>
+        <p:nvSpPr>
+          <p:cNvPr id="14" name="正方形/長方形 13">
+            <a:extLst>
+              <a:ext uri="{FF2B5EF4-FFF2-40B4-BE49-F238E27FC236}">
+                <a16:creationId xmlns:a16="http://schemas.microsoft.com/office/drawing/2014/main" id="{3B8F4FEF-EDD2-E844-D380-A5CBD75CAD05}"/>
+              </a:ext>
+            </a:extLst>
+          </p:cNvPr>
+          <p:cNvSpPr/>
+          <p:nvPr/>
+        </p:nvSpPr>
+        <p:spPr>
+          <a:xfrm>
+            <a:off x="3312328" y="3011567"/>
+            <a:ext cx="553624" cy="622658"/>
+          </a:xfrm>
+          <a:prstGeom prst="rect">
+            <a:avLst/>
+          </a:prstGeom>
+          <a:solidFill>
+            <a:srgbClr val="FFFF00"/>
+          </a:solidFill>
+          <a:ln>
+            <a:noFill/>
+          </a:ln>
+        </p:spPr>
+        <p:style>
+          <a:lnRef idx="2">
+            <a:schemeClr val="accent1">
+              <a:shade val="50000"/>
+            </a:schemeClr>
+          </a:lnRef>
+          <a:fillRef idx="1">
+            <a:schemeClr val="accent1"/>
+          </a:fillRef>
+          <a:effectRef idx="0">
+            <a:schemeClr val="accent1"/>
+          </a:effectRef>
+          <a:fontRef idx="minor">
+            <a:schemeClr val="lt1"/>
+          </a:fontRef>
+        </p:style>
+        <p:txBody>
+          <a:bodyPr rtlCol="0" anchor="ctr"/>
+          <a:lstStyle/>
+          <a:p>
+            <a:pPr algn="ctr"/>
+            <a:endParaRPr kumimoji="1" lang="ja-JP" altLang="en-US"/>
+          </a:p>
+        </p:txBody>
+      </p:sp>
+      <p:sp>
+        <p:nvSpPr>
+          <p:cNvPr id="15" name="正方形/長方形 14">
+            <a:extLst>
+              <a:ext uri="{FF2B5EF4-FFF2-40B4-BE49-F238E27FC236}">
+                <a16:creationId xmlns:a16="http://schemas.microsoft.com/office/drawing/2014/main" id="{D1B0A259-E87C-93FD-51E1-6A031B1A3C1F}"/>
+              </a:ext>
+            </a:extLst>
+          </p:cNvPr>
+          <p:cNvSpPr/>
+          <p:nvPr/>
+        </p:nvSpPr>
+        <p:spPr>
+          <a:xfrm>
+            <a:off x="3865952" y="3016251"/>
+            <a:ext cx="598738" cy="622658"/>
+          </a:xfrm>
+          <a:prstGeom prst="rect">
+            <a:avLst/>
+          </a:prstGeom>
+          <a:solidFill>
+            <a:srgbClr val="FFFF00"/>
+          </a:solidFill>
+          <a:ln>
+            <a:noFill/>
+          </a:ln>
+        </p:spPr>
+        <p:style>
+          <a:lnRef idx="2">
+            <a:schemeClr val="accent1">
+              <a:shade val="50000"/>
+            </a:schemeClr>
+          </a:lnRef>
+          <a:fillRef idx="1">
+            <a:schemeClr val="accent1"/>
+          </a:fillRef>
+          <a:effectRef idx="0">
+            <a:schemeClr val="accent1"/>
+          </a:effectRef>
+          <a:fontRef idx="minor">
+            <a:schemeClr val="lt1"/>
+          </a:fontRef>
+        </p:style>
+        <p:txBody>
+          <a:bodyPr rtlCol="0" anchor="ctr"/>
+          <a:lstStyle/>
+          <a:p>
+            <a:pPr algn="ctr"/>
+            <a:endParaRPr kumimoji="1" lang="ja-JP" altLang="en-US"/>
+          </a:p>
+        </p:txBody>
+      </p:sp>
+      <p:sp>
+        <p:nvSpPr>
+          <p:cNvPr id="16" name="正方形/長方形 15">
+            <a:extLst>
+              <a:ext uri="{FF2B5EF4-FFF2-40B4-BE49-F238E27FC236}">
+                <a16:creationId xmlns:a16="http://schemas.microsoft.com/office/drawing/2014/main" id="{86587BBE-6318-6364-4B51-CB448C0E0ADD}"/>
+              </a:ext>
+            </a:extLst>
+          </p:cNvPr>
+          <p:cNvSpPr/>
+          <p:nvPr/>
+        </p:nvSpPr>
+        <p:spPr>
+          <a:xfrm>
+            <a:off x="4453266" y="3011567"/>
+            <a:ext cx="565048" cy="622658"/>
+          </a:xfrm>
+          <a:prstGeom prst="rect">
+            <a:avLst/>
+          </a:prstGeom>
+          <a:solidFill>
+            <a:srgbClr val="FFFF00"/>
+          </a:solidFill>
+          <a:ln>
+            <a:noFill/>
+          </a:ln>
+        </p:spPr>
+        <p:style>
+          <a:lnRef idx="2">
+            <a:schemeClr val="accent1">
+              <a:shade val="50000"/>
+            </a:schemeClr>
+          </a:lnRef>
+          <a:fillRef idx="1">
+            <a:schemeClr val="accent1"/>
+          </a:fillRef>
+          <a:effectRef idx="0">
+            <a:schemeClr val="accent1"/>
+          </a:effectRef>
+          <a:fontRef idx="minor">
+            <a:schemeClr val="lt1"/>
+          </a:fontRef>
+        </p:style>
+        <p:txBody>
+          <a:bodyPr rtlCol="0" anchor="ctr"/>
+          <a:lstStyle/>
+          <a:p>
+            <a:pPr algn="ctr"/>
+            <a:endParaRPr kumimoji="1" lang="ja-JP" altLang="en-US"/>
+          </a:p>
+        </p:txBody>
+      </p:sp>
+      <p:sp>
+        <p:nvSpPr>
+          <p:cNvPr id="17" name="矢印: 上 16">
+            <a:extLst>
+              <a:ext uri="{FF2B5EF4-FFF2-40B4-BE49-F238E27FC236}">
+                <a16:creationId xmlns:a16="http://schemas.microsoft.com/office/drawing/2014/main" id="{B4828B80-A5CC-D2DB-87AF-FC020F8F8EA8}"/>
+              </a:ext>
+            </a:extLst>
+          </p:cNvPr>
+          <p:cNvSpPr/>
+          <p:nvPr/>
+        </p:nvSpPr>
+        <p:spPr>
+          <a:xfrm>
+            <a:off x="1789698" y="3359980"/>
+            <a:ext cx="435429" cy="522514"/>
+          </a:xfrm>
+          <a:prstGeom prst="upArrow">
+            <a:avLst/>
+          </a:prstGeom>
+          <a:solidFill>
+            <a:schemeClr val="tx1"/>
+          </a:solidFill>
+          <a:ln>
+            <a:noFill/>
+          </a:ln>
+        </p:spPr>
+        <p:style>
+          <a:lnRef idx="2">
+            <a:schemeClr val="accent1">
+              <a:shade val="50000"/>
+            </a:schemeClr>
+          </a:lnRef>
+          <a:fillRef idx="1">
+            <a:schemeClr val="accent1"/>
+          </a:fillRef>
+          <a:effectRef idx="0">
+            <a:schemeClr val="accent1"/>
+          </a:effectRef>
+          <a:fontRef idx="minor">
+            <a:schemeClr val="lt1"/>
+          </a:fontRef>
+        </p:style>
+        <p:txBody>
+          <a:bodyPr rtlCol="0" anchor="ctr"/>
+          <a:lstStyle/>
+          <a:p>
+            <a:pPr algn="ctr"/>
+            <a:endParaRPr kumimoji="1" lang="ja-JP" altLang="en-US"/>
+          </a:p>
+        </p:txBody>
+      </p:sp>
+      <p:pic>
+        <p:nvPicPr>
+          <p:cNvPr id="19" name="グラフィックス 18" descr="右向き指示マーク">
+            <a:extLst>
+              <a:ext uri="{FF2B5EF4-FFF2-40B4-BE49-F238E27FC236}">
+                <a16:creationId xmlns:a16="http://schemas.microsoft.com/office/drawing/2014/main" id="{B51824F9-38C6-8D7F-C25C-92FE1F52B459}"/>
+              </a:ext>
+            </a:extLst>
+          </p:cNvPr>
+          <p:cNvPicPr>
+            <a:picLocks noChangeAspect="1"/>
+          </p:cNvPicPr>
+          <p:nvPr/>
+        </p:nvPicPr>
+        <p:blipFill>
+          <a:blip r:embed="rId2">
+            <a:extLst>
+              <a:ext uri="{28A0092B-C50C-407E-A947-70E740481C1C}">
+                <a14:useLocalDpi xmlns:a14="http://schemas.microsoft.com/office/drawing/2010/main" val="0"/>
+              </a:ext>
+              <a:ext uri="{96DAC541-7B7A-43D3-8B79-37D633B846F1}">
+                <asvg:svgBlip xmlns:asvg="http://schemas.microsoft.com/office/drawing/2016/SVG/main" r:embed="rId3"/>
+              </a:ext>
+            </a:extLst>
+          </a:blip>
+          <a:stretch>
+            <a:fillRect/>
+          </a:stretch>
+        </p:blipFill>
+        <p:spPr>
+          <a:xfrm rot="13703679">
+            <a:off x="1885583" y="3771629"/>
+            <a:ext cx="914400" cy="914400"/>
+          </a:xfrm>
+          <a:prstGeom prst="rect">
+            <a:avLst/>
+          </a:prstGeom>
+        </p:spPr>
+      </p:pic>
+      <p:pic>
+        <p:nvPicPr>
+          <p:cNvPr id="24" name="グラフィックス 23" descr="右向き指示マーク">
+            <a:extLst>
+              <a:ext uri="{FF2B5EF4-FFF2-40B4-BE49-F238E27FC236}">
+                <a16:creationId xmlns:a16="http://schemas.microsoft.com/office/drawing/2014/main" id="{F0D079BD-EC8A-E600-D5BC-09766516C18F}"/>
+              </a:ext>
+            </a:extLst>
+          </p:cNvPr>
+          <p:cNvPicPr>
+            <a:picLocks noChangeAspect="1"/>
+          </p:cNvPicPr>
+          <p:nvPr/>
+        </p:nvPicPr>
+        <p:blipFill>
+          <a:blip r:embed="rId2">
+            <a:extLst>
+              <a:ext uri="{28A0092B-C50C-407E-A947-70E740481C1C}">
+                <a14:useLocalDpi xmlns:a14="http://schemas.microsoft.com/office/drawing/2010/main" val="0"/>
+              </a:ext>
+              <a:ext uri="{96DAC541-7B7A-43D3-8B79-37D633B846F1}">
+                <asvg:svgBlip xmlns:asvg="http://schemas.microsoft.com/office/drawing/2016/SVG/main" r:embed="rId3"/>
+              </a:ext>
+            </a:extLst>
+          </a:blip>
+          <a:stretch>
+            <a:fillRect/>
+          </a:stretch>
+        </p:blipFill>
+        <p:spPr>
+          <a:xfrm rot="13703679">
+            <a:off x="4040025" y="3070008"/>
+            <a:ext cx="914400" cy="914400"/>
+          </a:xfrm>
+          <a:prstGeom prst="rect">
+            <a:avLst/>
+          </a:prstGeom>
+        </p:spPr>
+      </p:pic>
+      <p:grpSp>
+        <p:nvGrpSpPr>
+          <p:cNvPr id="35" name="グループ化 34">
+            <a:extLst>
+              <a:ext uri="{FF2B5EF4-FFF2-40B4-BE49-F238E27FC236}">
+                <a16:creationId xmlns:a16="http://schemas.microsoft.com/office/drawing/2014/main" id="{13AAC5CE-18C5-7311-DD8F-3FDA3C87FBB1}"/>
+              </a:ext>
+            </a:extLst>
+          </p:cNvPr>
+          <p:cNvGrpSpPr/>
+          <p:nvPr/>
+        </p:nvGrpSpPr>
+        <p:grpSpPr>
+          <a:xfrm>
+            <a:off x="7602770" y="2911056"/>
+            <a:ext cx="2388955" cy="3200449"/>
+            <a:chOff x="7602770" y="2911056"/>
+            <a:chExt cx="2738427" cy="3668632"/>
+          </a:xfrm>
+        </p:grpSpPr>
+        <p:grpSp>
+          <p:nvGrpSpPr>
+            <p:cNvPr id="26" name="グループ化 25">
+              <a:extLst>
+                <a:ext uri="{FF2B5EF4-FFF2-40B4-BE49-F238E27FC236}">
+                  <a16:creationId xmlns:a16="http://schemas.microsoft.com/office/drawing/2014/main" id="{9190782B-9E44-7D75-E6A2-0EEBBA2FEA46}"/>
+                </a:ext>
+              </a:extLst>
+            </p:cNvPr>
+            <p:cNvGrpSpPr/>
+            <p:nvPr/>
+          </p:nvGrpSpPr>
+          <p:grpSpPr>
+            <a:xfrm>
+              <a:off x="7602770" y="5082541"/>
+              <a:ext cx="2738427" cy="1497147"/>
+              <a:chOff x="1403684" y="3870940"/>
+              <a:chExt cx="4417629" cy="2415198"/>
+            </a:xfrm>
+          </p:grpSpPr>
+          <p:sp>
+            <p:nvSpPr>
+              <p:cNvPr id="27" name="正方形/長方形 26">
+                <a:extLst>
+                  <a:ext uri="{FF2B5EF4-FFF2-40B4-BE49-F238E27FC236}">
+                    <a16:creationId xmlns:a16="http://schemas.microsoft.com/office/drawing/2014/main" id="{B9D1FB3D-AAEC-3376-EFED-113AE5F7E5EF}"/>
+                  </a:ext>
+                </a:extLst>
+              </p:cNvPr>
+              <p:cNvSpPr/>
+              <p:nvPr/>
+            </p:nvSpPr>
+            <p:spPr>
+              <a:xfrm>
+                <a:off x="1403684" y="5227359"/>
+                <a:ext cx="1058779" cy="1058779"/>
+              </a:xfrm>
+              <a:prstGeom prst="rect">
+                <a:avLst/>
+              </a:prstGeom>
+              <a:solidFill>
+                <a:srgbClr val="FFFF99"/>
+              </a:solidFill>
+              <a:ln>
+                <a:noFill/>
+              </a:ln>
+            </p:spPr>
+            <p:style>
+              <a:lnRef idx="2">
+                <a:schemeClr val="accent1">
+                  <a:shade val="50000"/>
+                </a:schemeClr>
+              </a:lnRef>
+              <a:fillRef idx="1">
+                <a:schemeClr val="accent1"/>
+              </a:fillRef>
+              <a:effectRef idx="0">
+                <a:schemeClr val="accent1"/>
+              </a:effectRef>
+              <a:fontRef idx="minor">
+                <a:schemeClr val="lt1"/>
+              </a:fontRef>
+            </p:style>
+            <p:txBody>
+              <a:bodyPr rtlCol="0" anchor="ctr"/>
+              <a:lstStyle/>
+              <a:p>
+                <a:pPr algn="ctr"/>
+                <a:endParaRPr kumimoji="1" lang="ja-JP" altLang="en-US"/>
+              </a:p>
+            </p:txBody>
+          </p:sp>
+          <p:sp>
+            <p:nvSpPr>
+              <p:cNvPr id="28" name="正方形/長方形 27">
+                <a:extLst>
+                  <a:ext uri="{FF2B5EF4-FFF2-40B4-BE49-F238E27FC236}">
+                    <a16:creationId xmlns:a16="http://schemas.microsoft.com/office/drawing/2014/main" id="{0F88E1D0-5665-E7C0-665D-E272FA2E4ABC}"/>
+                  </a:ext>
+                </a:extLst>
+              </p:cNvPr>
+              <p:cNvSpPr/>
+              <p:nvPr/>
+            </p:nvSpPr>
+            <p:spPr>
+              <a:xfrm>
+                <a:off x="1403684" y="3870940"/>
+                <a:ext cx="1058779" cy="1058779"/>
+              </a:xfrm>
+              <a:prstGeom prst="rect">
+                <a:avLst/>
+              </a:prstGeom>
+              <a:solidFill>
+                <a:srgbClr val="FF9999"/>
+              </a:solidFill>
+              <a:ln>
+                <a:noFill/>
+              </a:ln>
+            </p:spPr>
+            <p:style>
+              <a:lnRef idx="2">
+                <a:schemeClr val="accent1">
+                  <a:shade val="50000"/>
+                </a:schemeClr>
+              </a:lnRef>
+              <a:fillRef idx="1">
+                <a:schemeClr val="accent1"/>
+              </a:fillRef>
+              <a:effectRef idx="0">
+                <a:schemeClr val="accent1"/>
+              </a:effectRef>
+              <a:fontRef idx="minor">
+                <a:schemeClr val="lt1"/>
+              </a:fontRef>
+            </p:style>
+            <p:txBody>
+              <a:bodyPr rtlCol="0" anchor="ctr"/>
+              <a:lstStyle/>
+              <a:p>
+                <a:pPr algn="ctr"/>
+                <a:endParaRPr kumimoji="1" lang="ja-JP" altLang="en-US"/>
+              </a:p>
+            </p:txBody>
+          </p:sp>
+          <p:sp>
+            <p:nvSpPr>
+              <p:cNvPr id="29" name="テキスト ボックス 28">
+                <a:extLst>
+                  <a:ext uri="{FF2B5EF4-FFF2-40B4-BE49-F238E27FC236}">
+                    <a16:creationId xmlns:a16="http://schemas.microsoft.com/office/drawing/2014/main" id="{02760F87-3E73-F6CE-9BF6-9DF340458B5B}"/>
+                  </a:ext>
+                </a:extLst>
+              </p:cNvPr>
+              <p:cNvSpPr txBox="1"/>
+              <p:nvPr/>
+            </p:nvSpPr>
+            <p:spPr>
+              <a:xfrm>
+                <a:off x="2927717" y="4390818"/>
+                <a:ext cx="2893596" cy="1365930"/>
+              </a:xfrm>
+              <a:prstGeom prst="rect">
+                <a:avLst/>
+              </a:prstGeom>
+              <a:noFill/>
+            </p:spPr>
+            <p:txBody>
+              <a:bodyPr wrap="square" rtlCol="0">
+                <a:spAutoFit/>
+              </a:bodyPr>
+              <a:lstStyle/>
+              <a:p>
+                <a:r>
+                  <a:rPr kumimoji="1" lang="ja-JP" altLang="en-US" sz="1050" b="1" dirty="0">
+                    <a:solidFill>
+                      <a:schemeClr val="bg2">
+                        <a:lumMod val="25000"/>
+                      </a:schemeClr>
+                    </a:solidFill>
+                  </a:rPr>
+                  <a:t>タップノーツ</a:t>
+                </a:r>
+                <a:endParaRPr kumimoji="1" lang="en-US" altLang="ja-JP" sz="1050" b="1" dirty="0">
+                  <a:solidFill>
+                    <a:schemeClr val="bg2">
+                      <a:lumMod val="25000"/>
+                    </a:schemeClr>
+                  </a:solidFill>
+                </a:endParaRPr>
+              </a:p>
+              <a:p>
+                <a:r>
+                  <a:rPr kumimoji="1" lang="ja-JP" altLang="en-US" sz="1000" dirty="0">
+                    <a:solidFill>
+                      <a:schemeClr val="bg2">
+                        <a:lumMod val="25000"/>
+                      </a:schemeClr>
+                    </a:solidFill>
+                  </a:rPr>
+                  <a:t>バーがノーツの中心に重なるタイミングでタップする</a:t>
+                </a:r>
+              </a:p>
+            </p:txBody>
+          </p:sp>
+        </p:grpSp>
+        <p:grpSp>
+          <p:nvGrpSpPr>
+            <p:cNvPr id="30" name="グループ化 29">
+              <a:extLst>
+                <a:ext uri="{FF2B5EF4-FFF2-40B4-BE49-F238E27FC236}">
+                  <a16:creationId xmlns:a16="http://schemas.microsoft.com/office/drawing/2014/main" id="{A85A8990-8A96-A13A-1FD2-F7D642D12E20}"/>
+                </a:ext>
+              </a:extLst>
+            </p:cNvPr>
+            <p:cNvGrpSpPr/>
+            <p:nvPr/>
+          </p:nvGrpSpPr>
+          <p:grpSpPr>
+            <a:xfrm>
+              <a:off x="7602770" y="2911056"/>
+              <a:ext cx="2738427" cy="2268607"/>
+              <a:chOff x="6378741" y="3223876"/>
+              <a:chExt cx="4377642" cy="3626588"/>
+            </a:xfrm>
+          </p:grpSpPr>
+          <p:sp>
+            <p:nvSpPr>
+              <p:cNvPr id="31" name="正方形/長方形 30">
+                <a:extLst>
+                  <a:ext uri="{FF2B5EF4-FFF2-40B4-BE49-F238E27FC236}">
+                    <a16:creationId xmlns:a16="http://schemas.microsoft.com/office/drawing/2014/main" id="{7BDA93E1-8319-E693-54FF-CF990D70CD70}"/>
+                  </a:ext>
+                </a:extLst>
+              </p:cNvPr>
+              <p:cNvSpPr/>
+              <p:nvPr/>
+            </p:nvSpPr>
+            <p:spPr>
+              <a:xfrm>
+                <a:off x="6378741" y="4856411"/>
+                <a:ext cx="1058779" cy="1058779"/>
+              </a:xfrm>
+              <a:prstGeom prst="rect">
+                <a:avLst/>
+              </a:prstGeom>
+              <a:solidFill>
+                <a:srgbClr val="99FF99"/>
+              </a:solidFill>
+              <a:ln>
+                <a:noFill/>
+              </a:ln>
+            </p:spPr>
+            <p:style>
+              <a:lnRef idx="2">
+                <a:schemeClr val="accent1">
+                  <a:shade val="50000"/>
+                </a:schemeClr>
+              </a:lnRef>
+              <a:fillRef idx="1">
+                <a:schemeClr val="accent1"/>
+              </a:fillRef>
+              <a:effectRef idx="0">
+                <a:schemeClr val="accent1"/>
+              </a:effectRef>
+              <a:fontRef idx="minor">
+                <a:schemeClr val="lt1"/>
+              </a:fontRef>
+            </p:style>
+            <p:txBody>
+              <a:bodyPr rtlCol="0" anchor="t"/>
+              <a:lstStyle/>
+              <a:p>
+                <a:pPr algn="ctr"/>
+                <a:r>
+                  <a:rPr kumimoji="1" lang="en-US" altLang="ja-JP" sz="3600" dirty="0">
+                    <a:solidFill>
+                      <a:schemeClr val="bg2">
+                        <a:lumMod val="25000"/>
+                      </a:schemeClr>
+                    </a:solidFill>
+                  </a:rPr>
+                  <a:t>3</a:t>
+                </a:r>
+                <a:endParaRPr kumimoji="1" lang="ja-JP" altLang="en-US" sz="3600" dirty="0">
+                  <a:solidFill>
+                    <a:schemeClr val="bg2">
+                      <a:lumMod val="25000"/>
+                    </a:schemeClr>
+                  </a:solidFill>
+                </a:endParaRPr>
+              </a:p>
+            </p:txBody>
+          </p:sp>
+          <p:sp>
+            <p:nvSpPr>
+              <p:cNvPr id="32" name="正方形/長方形 31">
+                <a:extLst>
+                  <a:ext uri="{FF2B5EF4-FFF2-40B4-BE49-F238E27FC236}">
+                    <a16:creationId xmlns:a16="http://schemas.microsoft.com/office/drawing/2014/main" id="{F3B87C02-9645-7804-94C8-1B0B599D7768}"/>
+                  </a:ext>
+                </a:extLst>
+              </p:cNvPr>
+              <p:cNvSpPr/>
+              <p:nvPr/>
+            </p:nvSpPr>
+            <p:spPr>
+              <a:xfrm>
+                <a:off x="6378741" y="3508142"/>
+                <a:ext cx="1058780" cy="1058779"/>
+              </a:xfrm>
+              <a:prstGeom prst="rect">
+                <a:avLst/>
+              </a:prstGeom>
+              <a:solidFill>
+                <a:srgbClr val="99CCFF"/>
+              </a:solidFill>
+              <a:ln>
+                <a:noFill/>
+              </a:ln>
+            </p:spPr>
+            <p:style>
+              <a:lnRef idx="2">
+                <a:schemeClr val="accent1">
+                  <a:shade val="50000"/>
+                </a:schemeClr>
+              </a:lnRef>
+              <a:fillRef idx="1">
+                <a:schemeClr val="accent1"/>
+              </a:fillRef>
+              <a:effectRef idx="0">
+                <a:schemeClr val="accent1"/>
+              </a:effectRef>
+              <a:fontRef idx="minor">
+                <a:schemeClr val="lt1"/>
+              </a:fontRef>
+            </p:style>
+            <p:txBody>
+              <a:bodyPr rtlCol="0" anchor="ctr"/>
+              <a:lstStyle/>
+              <a:p>
+                <a:pPr algn="ctr"/>
+                <a:endParaRPr kumimoji="1" lang="ja-JP" altLang="en-US"/>
+              </a:p>
+            </p:txBody>
+          </p:sp>
+          <p:sp>
+            <p:nvSpPr>
+              <p:cNvPr id="33" name="テキスト ボックス 32">
+                <a:extLst>
+                  <a:ext uri="{FF2B5EF4-FFF2-40B4-BE49-F238E27FC236}">
+                    <a16:creationId xmlns:a16="http://schemas.microsoft.com/office/drawing/2014/main" id="{724FB65D-87D9-E557-8E8B-35CC8D3601F4}"/>
+                  </a:ext>
+                </a:extLst>
+              </p:cNvPr>
+              <p:cNvSpPr txBox="1"/>
+              <p:nvPr/>
+            </p:nvSpPr>
+            <p:spPr>
+              <a:xfrm>
+                <a:off x="7862786" y="3223876"/>
+                <a:ext cx="2893597" cy="1649656"/>
+              </a:xfrm>
+              <a:prstGeom prst="rect">
+                <a:avLst/>
+              </a:prstGeom>
+              <a:noFill/>
+            </p:spPr>
+            <p:txBody>
+              <a:bodyPr wrap="square" rtlCol="0">
+                <a:spAutoFit/>
+              </a:bodyPr>
+              <a:lstStyle/>
+              <a:p>
+                <a:r>
+                  <a:rPr lang="ja-JP" altLang="en-US" sz="1050" b="1" dirty="0">
+                    <a:solidFill>
+                      <a:schemeClr val="bg2">
+                        <a:lumMod val="25000"/>
+                      </a:schemeClr>
+                    </a:solidFill>
+                  </a:rPr>
+                  <a:t>フリック</a:t>
+                </a:r>
+                <a:r>
+                  <a:rPr kumimoji="1" lang="ja-JP" altLang="en-US" sz="1050" b="1" dirty="0">
+                    <a:solidFill>
+                      <a:schemeClr val="bg2">
+                        <a:lumMod val="25000"/>
+                      </a:schemeClr>
+                    </a:solidFill>
+                  </a:rPr>
+                  <a:t>ノーツ</a:t>
+                </a:r>
+                <a:endParaRPr kumimoji="1" lang="en-US" altLang="ja-JP" sz="1050" b="1" dirty="0">
+                  <a:solidFill>
+                    <a:schemeClr val="bg2">
+                      <a:lumMod val="25000"/>
+                    </a:schemeClr>
+                  </a:solidFill>
+                </a:endParaRPr>
+              </a:p>
+              <a:p>
+                <a:r>
+                  <a:rPr kumimoji="1" lang="ja-JP" altLang="en-US" sz="1000" dirty="0">
+                    <a:solidFill>
+                      <a:schemeClr val="bg2">
+                        <a:lumMod val="25000"/>
+                      </a:schemeClr>
+                    </a:solidFill>
+                  </a:rPr>
+                  <a:t>バーがノーツの中心に重なるタイミングでタップし、矢印の方向にフリックする</a:t>
+                </a:r>
+              </a:p>
+            </p:txBody>
+          </p:sp>
+          <p:sp>
+            <p:nvSpPr>
+              <p:cNvPr id="34" name="テキスト ボックス 33">
+                <a:extLst>
+                  <a:ext uri="{FF2B5EF4-FFF2-40B4-BE49-F238E27FC236}">
+                    <a16:creationId xmlns:a16="http://schemas.microsoft.com/office/drawing/2014/main" id="{839E48BD-DB6D-E72B-7A88-F2158995D17A}"/>
+                  </a:ext>
+                </a:extLst>
+              </p:cNvPr>
+              <p:cNvSpPr txBox="1"/>
+              <p:nvPr/>
+            </p:nvSpPr>
+            <p:spPr>
+              <a:xfrm>
+                <a:off x="7829545" y="4904715"/>
+                <a:ext cx="2893597" cy="1945749"/>
+              </a:xfrm>
+              <a:prstGeom prst="rect">
+                <a:avLst/>
+              </a:prstGeom>
+              <a:noFill/>
+            </p:spPr>
+            <p:txBody>
+              <a:bodyPr wrap="square" rtlCol="0">
+                <a:spAutoFit/>
+              </a:bodyPr>
+              <a:lstStyle/>
+              <a:p>
+                <a:r>
+                  <a:rPr kumimoji="1" lang="ja-JP" altLang="en-US" sz="1050" b="1" dirty="0">
+                    <a:solidFill>
+                      <a:schemeClr val="bg2">
+                        <a:lumMod val="25000"/>
+                      </a:schemeClr>
+                    </a:solidFill>
+                  </a:rPr>
+                  <a:t>ロングノーツ</a:t>
+                </a:r>
+                <a:endParaRPr kumimoji="1" lang="en-US" altLang="ja-JP" sz="1050" b="1" dirty="0">
+                  <a:solidFill>
+                    <a:schemeClr val="bg2">
+                      <a:lumMod val="25000"/>
+                    </a:schemeClr>
+                  </a:solidFill>
+                </a:endParaRPr>
+              </a:p>
+              <a:p>
+                <a:r>
+                  <a:rPr lang="ja-JP" altLang="en-US" sz="1000" dirty="0">
+                    <a:solidFill>
+                      <a:schemeClr val="bg2">
+                        <a:lumMod val="25000"/>
+                      </a:schemeClr>
+                    </a:solidFill>
+                  </a:rPr>
+                  <a:t>バーがノーツの中心に重なるタイミングでタップし、そのまま表示されている拍数だけ長押しする。</a:t>
+                </a:r>
+                <a:endParaRPr kumimoji="1" lang="ja-JP" altLang="en-US" sz="1000" dirty="0">
+                  <a:solidFill>
+                    <a:schemeClr val="bg2">
+                      <a:lumMod val="25000"/>
+                    </a:schemeClr>
+                  </a:solidFill>
+                </a:endParaRPr>
+              </a:p>
+            </p:txBody>
+          </p:sp>
+        </p:grpSp>
+      </p:grpSp>
+      <p:sp>
+        <p:nvSpPr>
+          <p:cNvPr id="36" name="矢印: 右 35">
+            <a:extLst>
+              <a:ext uri="{FF2B5EF4-FFF2-40B4-BE49-F238E27FC236}">
+                <a16:creationId xmlns:a16="http://schemas.microsoft.com/office/drawing/2014/main" id="{750AEAE4-F142-6E07-203F-71F915887112}"/>
+              </a:ext>
+            </a:extLst>
+          </p:cNvPr>
+          <p:cNvSpPr/>
+          <p:nvPr/>
+        </p:nvSpPr>
+        <p:spPr>
+          <a:xfrm>
+            <a:off x="7716783" y="3193258"/>
+            <a:ext cx="344538" cy="323648"/>
+          </a:xfrm>
+          <a:prstGeom prst="rightArrow">
+            <a:avLst/>
+          </a:prstGeom>
+          <a:noFill/>
+          <a:ln>
+            <a:solidFill>
+              <a:schemeClr val="tx1"/>
+            </a:solidFill>
+          </a:ln>
+        </p:spPr>
+        <p:style>
+          <a:lnRef idx="2">
+            <a:schemeClr val="accent1">
+              <a:shade val="50000"/>
+            </a:schemeClr>
+          </a:lnRef>
+          <a:fillRef idx="1">
+            <a:schemeClr val="accent1"/>
+          </a:fillRef>
+          <a:effectRef idx="0">
+            <a:schemeClr val="accent1"/>
+          </a:effectRef>
+          <a:fontRef idx="minor">
+            <a:schemeClr val="lt1"/>
+          </a:fontRef>
+        </p:style>
+        <p:txBody>
+          <a:bodyPr rtlCol="0" anchor="ctr"/>
+          <a:lstStyle/>
+          <a:p>
+            <a:pPr algn="ctr"/>
+            <a:endParaRPr kumimoji="1" lang="ja-JP" altLang="en-US"/>
           </a:p>
         </p:txBody>
       </p:sp>
     </p:spTree>
     <p:extLst>
       <p:ext uri="{BB962C8B-B14F-4D97-AF65-F5344CB8AC3E}">
-        <p14:creationId xmlns:p14="http://schemas.microsoft.com/office/powerpoint/2010/main" val="16311688"/>
+        <p14:creationId xmlns:p14="http://schemas.microsoft.com/office/powerpoint/2010/main" val="2662075069"/>
       </p:ext>
     </p:extLst>
   </p:cSld>
@@ -5667,6 +6832,156 @@
                 <a:latin typeface="HGSｺﾞｼｯｸE" panose="020B0900000000000000" pitchFamily="50" charset="-128"/>
                 <a:ea typeface="HGSｺﾞｼｯｸE" panose="020B0900000000000000" pitchFamily="50" charset="-128"/>
               </a:rPr>
+              <a:t> 完成作品 </a:t>
+            </a:r>
+            <a:r>
+              <a:rPr kumimoji="1" lang="en-US" altLang="ja-JP" sz="2800" dirty="0">
+                <a:solidFill>
+                  <a:schemeClr val="bg2">
+                    <a:lumMod val="25000"/>
+                  </a:schemeClr>
+                </a:solidFill>
+                <a:latin typeface="HGSｺﾞｼｯｸE" panose="020B0900000000000000" pitchFamily="50" charset="-128"/>
+                <a:ea typeface="HGSｺﾞｼｯｸE" panose="020B0900000000000000" pitchFamily="50" charset="-128"/>
+              </a:rPr>
+              <a:t>-</a:t>
+            </a:r>
+            <a:br>
+              <a:rPr kumimoji="1" lang="en-US" altLang="ja-JP" sz="4000" dirty="0">
+                <a:solidFill>
+                  <a:schemeClr val="bg2">
+                    <a:lumMod val="25000"/>
+                  </a:schemeClr>
+                </a:solidFill>
+              </a:rPr>
+            </a:br>
+            <a:r>
+              <a:rPr kumimoji="1" lang="en-US" altLang="ja-JP" sz="2000" dirty="0">
+                <a:solidFill>
+                  <a:schemeClr val="bg2">
+                    <a:lumMod val="50000"/>
+                  </a:schemeClr>
+                </a:solidFill>
+                <a:latin typeface="Bahnschrift SemiLight" panose="020B0502040204020203" pitchFamily="34" charset="0"/>
+                <a:cs typeface="Adobe Devanagari" panose="02040503050201020203" pitchFamily="18" charset="0"/>
+              </a:rPr>
+              <a:t>Completed work</a:t>
+            </a:r>
+            <a:endParaRPr kumimoji="1" lang="ja-JP" altLang="en-US" sz="4000" dirty="0">
+              <a:solidFill>
+                <a:schemeClr val="bg2">
+                  <a:lumMod val="50000"/>
+                </a:schemeClr>
+              </a:solidFill>
+              <a:latin typeface="Bahnschrift SemiLight" panose="020B0502040204020203" pitchFamily="34" charset="0"/>
+              <a:cs typeface="Adobe Devanagari" panose="02040503050201020203" pitchFamily="18" charset="0"/>
+            </a:endParaRPr>
+          </a:p>
+        </p:txBody>
+      </p:sp>
+      <p:sp>
+        <p:nvSpPr>
+          <p:cNvPr id="3" name="コンテンツ プレースホルダー 2">
+            <a:extLst>
+              <a:ext uri="{FF2B5EF4-FFF2-40B4-BE49-F238E27FC236}">
+                <a16:creationId xmlns:a16="http://schemas.microsoft.com/office/drawing/2014/main" id="{6674BED4-2A0B-7DD7-4F93-0063E0CF03E0}"/>
+              </a:ext>
+            </a:extLst>
+          </p:cNvPr>
+          <p:cNvSpPr>
+            <a:spLocks noGrp="1"/>
+          </p:cNvSpPr>
+          <p:nvPr>
+            <p:ph idx="1"/>
+          </p:nvPr>
+        </p:nvSpPr>
+        <p:spPr/>
+        <p:txBody>
+          <a:bodyPr/>
+          <a:lstStyle/>
+          <a:p>
+            <a:r>
+              <a:rPr kumimoji="1" lang="ja-JP" altLang="en-US" dirty="0"/>
+              <a:t>ここで完成したゲームの動画を流す</a:t>
+            </a:r>
+          </a:p>
+        </p:txBody>
+      </p:sp>
+    </p:spTree>
+    <p:extLst>
+      <p:ext uri="{BB962C8B-B14F-4D97-AF65-F5344CB8AC3E}">
+        <p14:creationId xmlns:p14="http://schemas.microsoft.com/office/powerpoint/2010/main" val="16311688"/>
+      </p:ext>
+    </p:extLst>
+  </p:cSld>
+  <p:clrMapOvr>
+    <a:masterClrMapping/>
+  </p:clrMapOvr>
+</p:sld>
+</file>
+
+<file path=ppt/slides/slide4.xml><?xml version="1.0" encoding="utf-8"?>
+<p:sld xmlns:a="http://schemas.openxmlformats.org/drawingml/2006/main" xmlns:r="http://schemas.openxmlformats.org/officeDocument/2006/relationships" xmlns:p="http://schemas.openxmlformats.org/presentationml/2006/main">
+  <p:cSld>
+    <p:spTree>
+      <p:nvGrpSpPr>
+        <p:cNvPr id="1" name=""/>
+        <p:cNvGrpSpPr/>
+        <p:nvPr/>
+      </p:nvGrpSpPr>
+      <p:grpSpPr>
+        <a:xfrm>
+          <a:off x="0" y="0"/>
+          <a:ext cx="0" cy="0"/>
+          <a:chOff x="0" y="0"/>
+          <a:chExt cx="0" cy="0"/>
+        </a:xfrm>
+      </p:grpSpPr>
+      <p:sp>
+        <p:nvSpPr>
+          <p:cNvPr id="2" name="タイトル 1">
+            <a:extLst>
+              <a:ext uri="{FF2B5EF4-FFF2-40B4-BE49-F238E27FC236}">
+                <a16:creationId xmlns:a16="http://schemas.microsoft.com/office/drawing/2014/main" id="{8C792EF1-1AA8-EC3F-2E1B-7702D332AED7}"/>
+              </a:ext>
+            </a:extLst>
+          </p:cNvPr>
+          <p:cNvSpPr>
+            <a:spLocks noGrp="1"/>
+          </p:cNvSpPr>
+          <p:nvPr>
+            <p:ph type="title"/>
+          </p:nvPr>
+        </p:nvSpPr>
+        <p:spPr/>
+        <p:txBody>
+          <a:bodyPr>
+            <a:normAutofit/>
+          </a:bodyPr>
+          <a:lstStyle/>
+          <a:p>
+            <a:r>
+              <a:rPr kumimoji="1" lang="en-US" altLang="ja-JP" sz="2800" dirty="0">
+                <a:solidFill>
+                  <a:schemeClr val="bg2">
+                    <a:lumMod val="25000"/>
+                  </a:schemeClr>
+                </a:solidFill>
+                <a:latin typeface="HGSｺﾞｼｯｸE" panose="020B0900000000000000" pitchFamily="50" charset="-128"/>
+                <a:ea typeface="HGSｺﾞｼｯｸE" panose="020B0900000000000000" pitchFamily="50" charset="-128"/>
+              </a:rPr>
+              <a:t>-</a:t>
+            </a:r>
+            <a:r>
+              <a:rPr kumimoji="1" lang="ja-JP" altLang="en-US" sz="2800" dirty="0">
+                <a:solidFill>
+                  <a:schemeClr val="bg2">
+                    <a:lumMod val="25000"/>
+                  </a:schemeClr>
+                </a:solidFill>
+                <a:latin typeface="HGSｺﾞｼｯｸE" panose="020B0900000000000000" pitchFamily="50" charset="-128"/>
+                <a:ea typeface="HGSｺﾞｼｯｸE" panose="020B0900000000000000" pitchFamily="50" charset="-128"/>
+              </a:rPr>
               <a:t> 研究の目的 </a:t>
             </a:r>
             <a:r>
@@ -6320,7 +7635,7 @@
 </p:sld>
 </file>
 
-<file path=ppt/slides/slide4.xml><?xml version="1.0" encoding="utf-8"?>
+<file path=ppt/slides/slide5.xml><?xml version="1.0" encoding="utf-8"?>
 <p:sld xmlns:a="http://schemas.openxmlformats.org/drawingml/2006/main" xmlns:r="http://schemas.openxmlformats.org/officeDocument/2006/relationships" xmlns:p="http://schemas.openxmlformats.org/presentationml/2006/main">
   <p:cSld>
     <p:spTree>
@@ -7033,7 +8348,7 @@
 </p:sld>
 </file>
 
-<file path=ppt/slides/slide5.xml><?xml version="1.0" encoding="utf-8"?>
+<file path=ppt/slides/slide6.xml><?xml version="1.0" encoding="utf-8"?>
 <p:sld xmlns:a="http://schemas.openxmlformats.org/drawingml/2006/main" xmlns:r="http://schemas.openxmlformats.org/officeDocument/2006/relationships" xmlns:p="http://schemas.openxmlformats.org/presentationml/2006/main">
   <p:cSld>
     <p:spTree>
@@ -8438,7 +9753,7 @@
 </p:sld>
 </file>
 
-<file path=ppt/slides/slide6.xml><?xml version="1.0" encoding="utf-8"?>
+<file path=ppt/slides/slide7.xml><?xml version="1.0" encoding="utf-8"?>
 <p:sld xmlns:a="http://schemas.openxmlformats.org/drawingml/2006/main" xmlns:r="http://schemas.openxmlformats.org/officeDocument/2006/relationships" xmlns:p="http://schemas.openxmlformats.org/presentationml/2006/main">
   <p:cSld>
     <p:spTree>
@@ -9549,7 +10864,517 @@
 </p:sld>
 </file>
 
-<file path=ppt/slides/slide7.xml><?xml version="1.0" encoding="utf-8"?>
+<file path=ppt/slides/slide8.xml><?xml version="1.0" encoding="utf-8"?>
+<p:sld xmlns:a="http://schemas.openxmlformats.org/drawingml/2006/main" xmlns:r="http://schemas.openxmlformats.org/officeDocument/2006/relationships" xmlns:p="http://schemas.openxmlformats.org/presentationml/2006/main">
+  <p:cSld>
+    <p:spTree>
+      <p:nvGrpSpPr>
+        <p:cNvPr id="1" name=""/>
+        <p:cNvGrpSpPr/>
+        <p:nvPr/>
+      </p:nvGrpSpPr>
+      <p:grpSpPr>
+        <a:xfrm>
+          <a:off x="0" y="0"/>
+          <a:ext cx="0" cy="0"/>
+          <a:chOff x="0" y="0"/>
+          <a:chExt cx="0" cy="0"/>
+        </a:xfrm>
+      </p:grpSpPr>
+      <p:sp>
+        <p:nvSpPr>
+          <p:cNvPr id="2" name="タイトル 1">
+            <a:extLst>
+              <a:ext uri="{FF2B5EF4-FFF2-40B4-BE49-F238E27FC236}">
+                <a16:creationId xmlns:a16="http://schemas.microsoft.com/office/drawing/2014/main" id="{FE251DD0-AF3A-87C3-345F-B137A9B51683}"/>
+              </a:ext>
+            </a:extLst>
+          </p:cNvPr>
+          <p:cNvSpPr>
+            <a:spLocks noGrp="1"/>
+          </p:cNvSpPr>
+          <p:nvPr>
+            <p:ph type="title"/>
+          </p:nvPr>
+        </p:nvSpPr>
+        <p:spPr/>
+        <p:txBody>
+          <a:bodyPr/>
+          <a:lstStyle/>
+          <a:p>
+            <a:r>
+              <a:rPr kumimoji="1" lang="en-US" altLang="ja-JP" sz="2800" b="0" i="0" u="none" strike="noStrike" kern="1200" cap="none" spc="0" normalizeH="0" baseline="0" noProof="0" dirty="0">
+                <a:ln>
+                  <a:noFill/>
+                </a:ln>
+                <a:solidFill>
+                  <a:srgbClr val="E7E6E6">
+                    <a:lumMod val="25000"/>
+                  </a:srgbClr>
+                </a:solidFill>
+                <a:effectLst/>
+                <a:uLnTx/>
+                <a:uFillTx/>
+                <a:latin typeface="HGSｺﾞｼｯｸE" panose="020B0900000000000000" pitchFamily="50" charset="-128"/>
+                <a:ea typeface="HGSｺﾞｼｯｸE" panose="020B0900000000000000" pitchFamily="50" charset="-128"/>
+                <a:cs typeface="+mj-cs"/>
+              </a:rPr>
+              <a:t>-</a:t>
+            </a:r>
+            <a:r>
+              <a:rPr kumimoji="1" lang="ja-JP" altLang="en-US" sz="2800" b="0" i="0" u="none" strike="noStrike" kern="1200" cap="none" spc="0" normalizeH="0" baseline="0" noProof="0" dirty="0">
+                <a:ln>
+                  <a:noFill/>
+                </a:ln>
+                <a:solidFill>
+                  <a:srgbClr val="E7E6E6">
+                    <a:lumMod val="25000"/>
+                  </a:srgbClr>
+                </a:solidFill>
+                <a:effectLst/>
+                <a:uLnTx/>
+                <a:uFillTx/>
+                <a:latin typeface="HGSｺﾞｼｯｸE" panose="020B0900000000000000" pitchFamily="50" charset="-128"/>
+                <a:ea typeface="HGSｺﾞｼｯｸE" panose="020B0900000000000000" pitchFamily="50" charset="-128"/>
+                <a:cs typeface="+mj-cs"/>
+              </a:rPr>
+              <a:t> ゲームの設計 </a:t>
+            </a:r>
+            <a:r>
+              <a:rPr kumimoji="1" lang="en-US" altLang="ja-JP" sz="2800" b="0" i="0" u="none" strike="noStrike" kern="1200" cap="none" spc="0" normalizeH="0" baseline="0" noProof="0" dirty="0">
+                <a:ln>
+                  <a:noFill/>
+                </a:ln>
+                <a:solidFill>
+                  <a:srgbClr val="E7E6E6">
+                    <a:lumMod val="25000"/>
+                  </a:srgbClr>
+                </a:solidFill>
+                <a:effectLst/>
+                <a:uLnTx/>
+                <a:uFillTx/>
+                <a:latin typeface="HGSｺﾞｼｯｸE" panose="020B0900000000000000" pitchFamily="50" charset="-128"/>
+                <a:ea typeface="HGSｺﾞｼｯｸE" panose="020B0900000000000000" pitchFamily="50" charset="-128"/>
+                <a:cs typeface="+mj-cs"/>
+              </a:rPr>
+              <a:t>-</a:t>
+            </a:r>
+            <a:br>
+              <a:rPr kumimoji="1" lang="en-US" altLang="ja-JP" sz="4000" b="0" i="0" u="none" strike="noStrike" kern="1200" cap="none" spc="0" normalizeH="0" baseline="0" noProof="0" dirty="0">
+                <a:ln>
+                  <a:noFill/>
+                </a:ln>
+                <a:solidFill>
+                  <a:srgbClr val="E7E6E6">
+                    <a:lumMod val="25000"/>
+                  </a:srgbClr>
+                </a:solidFill>
+                <a:effectLst/>
+                <a:uLnTx/>
+                <a:uFillTx/>
+                <a:latin typeface="游ゴシック Light" panose="020F0302020204030204"/>
+                <a:ea typeface="游ゴシック Light" panose="020B0300000000000000" pitchFamily="50" charset="-128"/>
+                <a:cs typeface="+mj-cs"/>
+              </a:rPr>
+            </a:br>
+            <a:r>
+              <a:rPr kumimoji="1" lang="en-US" altLang="ja-JP" sz="2000" b="0" i="0" u="none" strike="noStrike" kern="1200" cap="none" spc="0" normalizeH="0" baseline="0" noProof="0" dirty="0">
+                <a:ln>
+                  <a:noFill/>
+                </a:ln>
+                <a:solidFill>
+                  <a:srgbClr val="E7E6E6">
+                    <a:lumMod val="50000"/>
+                  </a:srgbClr>
+                </a:solidFill>
+                <a:effectLst/>
+                <a:uLnTx/>
+                <a:uFillTx/>
+                <a:latin typeface="Bahnschrift SemiLight" panose="020B0502040204020203" pitchFamily="34" charset="0"/>
+                <a:ea typeface="游ゴシック Light" panose="020B0300000000000000" pitchFamily="50" charset="-128"/>
+                <a:cs typeface="Adobe Devanagari" panose="02040503050201020203" pitchFamily="18" charset="0"/>
+              </a:rPr>
+              <a:t>Game Design</a:t>
+            </a:r>
+            <a:endParaRPr kumimoji="1" lang="ja-JP" altLang="en-US" dirty="0"/>
+          </a:p>
+        </p:txBody>
+      </p:sp>
+      <p:sp>
+        <p:nvSpPr>
+          <p:cNvPr id="3" name="コンテンツ プレースホルダー 2">
+            <a:extLst>
+              <a:ext uri="{FF2B5EF4-FFF2-40B4-BE49-F238E27FC236}">
+                <a16:creationId xmlns:a16="http://schemas.microsoft.com/office/drawing/2014/main" id="{91AEF0F6-999E-B46B-0300-9B59694AD033}"/>
+              </a:ext>
+            </a:extLst>
+          </p:cNvPr>
+          <p:cNvSpPr>
+            <a:spLocks noGrp="1"/>
+          </p:cNvSpPr>
+          <p:nvPr>
+            <p:ph idx="1"/>
+          </p:nvPr>
+        </p:nvSpPr>
+        <p:spPr/>
+        <p:txBody>
+          <a:bodyPr/>
+          <a:lstStyle/>
+          <a:p>
+            <a:endParaRPr kumimoji="1" lang="en-US" altLang="ja-JP" sz="2000" dirty="0"/>
+          </a:p>
+          <a:p>
+            <a:endParaRPr lang="en-US" altLang="ja-JP" sz="2000" dirty="0"/>
+          </a:p>
+          <a:p>
+            <a:endParaRPr kumimoji="1" lang="en-US" altLang="ja-JP" sz="2000" dirty="0"/>
+          </a:p>
+          <a:p>
+            <a:endParaRPr lang="en-US" altLang="ja-JP" sz="2000" dirty="0"/>
+          </a:p>
+          <a:p>
+            <a:pPr marL="0" indent="0">
+              <a:buNone/>
+            </a:pPr>
+            <a:endParaRPr lang="en-US" altLang="ja-JP" sz="2000" dirty="0"/>
+          </a:p>
+          <a:p>
+            <a:pPr marL="0" indent="0">
+              <a:buNone/>
+            </a:pPr>
+            <a:endParaRPr lang="en-US" altLang="ja-JP" sz="2400" dirty="0"/>
+          </a:p>
+          <a:p>
+            <a:pPr marL="0" indent="0">
+              <a:buNone/>
+            </a:pPr>
+            <a:endParaRPr lang="en-US" altLang="ja-JP" sz="2400" dirty="0"/>
+          </a:p>
+          <a:p>
+            <a:pPr marL="0" indent="0">
+              <a:buNone/>
+            </a:pPr>
+            <a:r>
+              <a:rPr lang="ja-JP" altLang="en-US" dirty="0"/>
+              <a:t>　パズルの持つ要素「マス目」</a:t>
+            </a:r>
+            <a:r>
+              <a:rPr lang="en-US" altLang="ja-JP" sz="2000" dirty="0"/>
+              <a:t>×</a:t>
+            </a:r>
+            <a:r>
+              <a:rPr lang="en-US" altLang="ja-JP" dirty="0"/>
+              <a:t> </a:t>
+            </a:r>
+            <a:r>
+              <a:rPr lang="ja-JP" altLang="en-US" dirty="0"/>
+              <a:t>パズルと相性◎リズムゲーム</a:t>
+            </a:r>
+            <a:endParaRPr lang="en-US" altLang="ja-JP" dirty="0"/>
+          </a:p>
+          <a:p>
+            <a:pPr marL="0" indent="0">
+              <a:lnSpc>
+                <a:spcPct val="150000"/>
+              </a:lnSpc>
+              <a:buNone/>
+            </a:pPr>
+            <a:r>
+              <a:rPr lang="en-US" altLang="ja-JP" dirty="0"/>
+              <a:t>					</a:t>
+            </a:r>
+            <a:r>
+              <a:rPr lang="ja-JP" altLang="en-US" sz="3200" b="1" dirty="0"/>
+              <a:t>ステップシーケンサー</a:t>
+            </a:r>
+            <a:endParaRPr lang="en-US" altLang="ja-JP" b="1" dirty="0"/>
+          </a:p>
+        </p:txBody>
+      </p:sp>
+      <p:pic>
+        <p:nvPicPr>
+          <p:cNvPr id="1026" name="Picture 2" descr="Lumines Remastered PS4 review - The Indie Game Website">
+            <a:extLst>
+              <a:ext uri="{FF2B5EF4-FFF2-40B4-BE49-F238E27FC236}">
+                <a16:creationId xmlns:a16="http://schemas.microsoft.com/office/drawing/2014/main" id="{C7A66015-C75B-FC74-687D-A72E60FE28CE}"/>
+              </a:ext>
+            </a:extLst>
+          </p:cNvPr>
+          <p:cNvPicPr>
+            <a:picLocks noChangeAspect="1" noChangeArrowheads="1"/>
+          </p:cNvPicPr>
+          <p:nvPr/>
+        </p:nvPicPr>
+        <p:blipFill>
+          <a:blip r:embed="rId2">
+            <a:extLst>
+              <a:ext uri="{28A0092B-C50C-407E-A947-70E740481C1C}">
+                <a14:useLocalDpi xmlns:a14="http://schemas.microsoft.com/office/drawing/2010/main" val="0"/>
+              </a:ext>
+            </a:extLst>
+          </a:blip>
+          <a:srcRect/>
+          <a:stretch>
+            <a:fillRect/>
+          </a:stretch>
+        </p:blipFill>
+        <p:spPr bwMode="auto">
+          <a:xfrm>
+            <a:off x="1853609" y="1531751"/>
+            <a:ext cx="3654056" cy="2055407"/>
+          </a:xfrm>
+          <a:prstGeom prst="rect">
+            <a:avLst/>
+          </a:prstGeom>
+          <a:noFill/>
+          <a:extLst>
+            <a:ext uri="{909E8E84-426E-40DD-AFC4-6F175D3DCCD1}">
+              <a14:hiddenFill xmlns:a14="http://schemas.microsoft.com/office/drawing/2010/main">
+                <a:solidFill>
+                  <a:srgbClr val="FFFFFF"/>
+                </a:solidFill>
+              </a14:hiddenFill>
+            </a:ext>
+          </a:extLst>
+        </p:spPr>
+      </p:pic>
+      <p:pic>
+        <p:nvPicPr>
+          <p:cNvPr id="6" name="図 5">
+            <a:extLst>
+              <a:ext uri="{FF2B5EF4-FFF2-40B4-BE49-F238E27FC236}">
+                <a16:creationId xmlns:a16="http://schemas.microsoft.com/office/drawing/2014/main" id="{57E9CA6A-C14D-2EC7-844D-ADD2AF58C859}"/>
+              </a:ext>
+            </a:extLst>
+          </p:cNvPr>
+          <p:cNvPicPr>
+            <a:picLocks noChangeAspect="1"/>
+          </p:cNvPicPr>
+          <p:nvPr/>
+        </p:nvPicPr>
+        <p:blipFill rotWithShape="1">
+          <a:blip r:embed="rId3"/>
+          <a:srcRect t="801" b="1772"/>
+          <a:stretch/>
+        </p:blipFill>
+        <p:spPr>
+          <a:xfrm>
+            <a:off x="6218274" y="1531751"/>
+            <a:ext cx="4145993" cy="2055407"/>
+          </a:xfrm>
+          <a:prstGeom prst="rect">
+            <a:avLst/>
+          </a:prstGeom>
+        </p:spPr>
+      </p:pic>
+      <p:sp>
+        <p:nvSpPr>
+          <p:cNvPr id="7" name="テキスト ボックス 6">
+            <a:extLst>
+              <a:ext uri="{FF2B5EF4-FFF2-40B4-BE49-F238E27FC236}">
+                <a16:creationId xmlns:a16="http://schemas.microsoft.com/office/drawing/2014/main" id="{3A989728-AA81-8D3F-B04B-379F8BDBA47F}"/>
+              </a:ext>
+            </a:extLst>
+          </p:cNvPr>
+          <p:cNvSpPr txBox="1"/>
+          <p:nvPr/>
+        </p:nvSpPr>
+        <p:spPr>
+          <a:xfrm>
+            <a:off x="1827733" y="3587158"/>
+            <a:ext cx="3679932" cy="400110"/>
+          </a:xfrm>
+          <a:prstGeom prst="rect">
+            <a:avLst/>
+          </a:prstGeom>
+          <a:noFill/>
+        </p:spPr>
+        <p:txBody>
+          <a:bodyPr wrap="square" rtlCol="0">
+            <a:spAutoFit/>
+          </a:bodyPr>
+          <a:lstStyle/>
+          <a:p>
+            <a:r>
+              <a:rPr lang="en-US" altLang="ja-JP" sz="1000" dirty="0"/>
+              <a:t>Q </a:t>
+            </a:r>
+            <a:r>
+              <a:rPr lang="en-US" altLang="ja-JP" sz="1000" dirty="0" err="1"/>
+              <a:t>ENTERTAINMENT『Lumines</a:t>
+            </a:r>
+            <a:r>
+              <a:rPr lang="en-US" altLang="ja-JP" sz="1000" dirty="0"/>
+              <a:t>: Puzzle Fusion』</a:t>
+            </a:r>
+          </a:p>
+          <a:p>
+            <a:r>
+              <a:rPr lang="ja-JP" altLang="en-US" sz="1000" dirty="0"/>
+              <a:t>株式会社バンダイ</a:t>
+            </a:r>
+            <a:r>
+              <a:rPr lang="en-US" altLang="ja-JP" sz="1000" dirty="0"/>
+              <a:t>.2004</a:t>
+            </a:r>
+          </a:p>
+        </p:txBody>
+      </p:sp>
+      <p:sp>
+        <p:nvSpPr>
+          <p:cNvPr id="8" name="テキスト ボックス 7">
+            <a:extLst>
+              <a:ext uri="{FF2B5EF4-FFF2-40B4-BE49-F238E27FC236}">
+                <a16:creationId xmlns:a16="http://schemas.microsoft.com/office/drawing/2014/main" id="{D74A640C-79C1-FE1C-EF4C-3AC445F7D914}"/>
+              </a:ext>
+            </a:extLst>
+          </p:cNvPr>
+          <p:cNvSpPr txBox="1"/>
+          <p:nvPr/>
+        </p:nvSpPr>
+        <p:spPr>
+          <a:xfrm>
+            <a:off x="6218274" y="3587158"/>
+            <a:ext cx="4722628" cy="246221"/>
+          </a:xfrm>
+          <a:prstGeom prst="rect">
+            <a:avLst/>
+          </a:prstGeom>
+          <a:noFill/>
+        </p:spPr>
+        <p:txBody>
+          <a:bodyPr wrap="square" rtlCol="0">
+            <a:spAutoFit/>
+          </a:bodyPr>
+          <a:lstStyle/>
+          <a:p>
+            <a:r>
+              <a:rPr lang="en-US" altLang="ja-JP" sz="1000" i="0" dirty="0">
+                <a:solidFill>
+                  <a:srgbClr val="000000"/>
+                </a:solidFill>
+                <a:effectLst/>
+              </a:rPr>
+              <a:t>Google Creative Lab, Use All Five, and </a:t>
+            </a:r>
+            <a:r>
+              <a:rPr lang="en-US" altLang="ja-JP" sz="1000" i="0" dirty="0" err="1">
+                <a:solidFill>
+                  <a:srgbClr val="000000"/>
+                </a:solidFill>
+                <a:effectLst/>
+              </a:rPr>
+              <a:t>Yotam</a:t>
+            </a:r>
+            <a:r>
+              <a:rPr lang="en-US" altLang="ja-JP" sz="1000" i="0" dirty="0">
+                <a:solidFill>
+                  <a:srgbClr val="000000"/>
+                </a:solidFill>
+                <a:effectLst/>
+              </a:rPr>
+              <a:t> </a:t>
+            </a:r>
+            <a:r>
+              <a:rPr lang="en-US" altLang="ja-JP" sz="1000" i="0" dirty="0" err="1">
+                <a:solidFill>
+                  <a:srgbClr val="000000"/>
+                </a:solidFill>
+                <a:effectLst/>
+              </a:rPr>
+              <a:t>Mann『</a:t>
+            </a:r>
+            <a:r>
+              <a:rPr lang="en-US" altLang="ja-JP" sz="1000" i="0" cap="all" dirty="0" err="1">
+                <a:solidFill>
+                  <a:srgbClr val="000000"/>
+                </a:solidFill>
+                <a:effectLst/>
+              </a:rPr>
+              <a:t>SONG</a:t>
+            </a:r>
+            <a:r>
+              <a:rPr lang="en-US" altLang="ja-JP" sz="1000" i="0" cap="all" dirty="0">
+                <a:solidFill>
+                  <a:srgbClr val="000000"/>
+                </a:solidFill>
+                <a:effectLst/>
+              </a:rPr>
+              <a:t> MAKER</a:t>
+            </a:r>
+            <a:r>
+              <a:rPr lang="en-US" altLang="ja-JP" sz="1000" i="0" dirty="0">
+                <a:solidFill>
+                  <a:srgbClr val="000000"/>
+                </a:solidFill>
+                <a:effectLst/>
+              </a:rPr>
+              <a:t>』</a:t>
+            </a:r>
+            <a:endParaRPr kumimoji="1" lang="ja-JP" altLang="en-US" sz="900" dirty="0"/>
+          </a:p>
+        </p:txBody>
+      </p:sp>
+      <p:cxnSp>
+        <p:nvCxnSpPr>
+          <p:cNvPr id="10" name="直線矢印コネクタ 9">
+            <a:extLst>
+              <a:ext uri="{FF2B5EF4-FFF2-40B4-BE49-F238E27FC236}">
+                <a16:creationId xmlns:a16="http://schemas.microsoft.com/office/drawing/2014/main" id="{9A7C6C99-4265-1D57-0127-E43045DDDE89}"/>
+              </a:ext>
+            </a:extLst>
+          </p:cNvPr>
+          <p:cNvCxnSpPr>
+            <a:cxnSpLocks/>
+          </p:cNvCxnSpPr>
+          <p:nvPr/>
+        </p:nvCxnSpPr>
+        <p:spPr>
+          <a:xfrm>
+            <a:off x="4508205" y="5709684"/>
+            <a:ext cx="852377" cy="0"/>
+          </a:xfrm>
+          <a:prstGeom prst="straightConnector1">
+            <a:avLst/>
+          </a:prstGeom>
+          <a:ln w="38100">
+            <a:solidFill>
+              <a:schemeClr val="bg2">
+                <a:lumMod val="10000"/>
+              </a:schemeClr>
+            </a:solidFill>
+            <a:tailEnd type="triangle"/>
+          </a:ln>
+        </p:spPr>
+        <p:style>
+          <a:lnRef idx="1">
+            <a:schemeClr val="accent1"/>
+          </a:lnRef>
+          <a:fillRef idx="0">
+            <a:schemeClr val="accent1"/>
+          </a:fillRef>
+          <a:effectRef idx="0">
+            <a:schemeClr val="accent1"/>
+          </a:effectRef>
+          <a:fontRef idx="minor">
+            <a:schemeClr val="tx1"/>
+          </a:fontRef>
+        </p:style>
+      </p:cxnSp>
+    </p:spTree>
+    <p:extLst>
+      <p:ext uri="{BB962C8B-B14F-4D97-AF65-F5344CB8AC3E}">
+        <p14:creationId xmlns:p14="http://schemas.microsoft.com/office/powerpoint/2010/main" val="3190857260"/>
+      </p:ext>
+    </p:extLst>
+  </p:cSld>
+  <p:clrMapOvr>
+    <a:masterClrMapping/>
+  </p:clrMapOvr>
+</p:sld>
+</file>
+
+<file path=ppt/slides/slide9.xml><?xml version="1.0" encoding="utf-8"?>
 <p:sld xmlns:a="http://schemas.openxmlformats.org/drawingml/2006/main" xmlns:r="http://schemas.openxmlformats.org/officeDocument/2006/relationships" xmlns:p="http://schemas.openxmlformats.org/presentationml/2006/main">
   <p:cSld>
     <p:spTree>
@@ -9584,21 +11409,450 @@
         </p:nvSpPr>
         <p:spPr/>
         <p:txBody>
-          <a:bodyPr/>
+          <a:bodyPr>
+            <a:normAutofit fontScale="92500" lnSpcReduction="20000"/>
+          </a:bodyPr>
           <a:lstStyle/>
           <a:p>
-            <a:r>
-              <a:rPr kumimoji="1" lang="ja-JP" altLang="en-US" dirty="0"/>
-              <a:t>パズルやりすぎ注意とかの話</a:t>
-            </a:r>
-            <a:endParaRPr kumimoji="1" lang="en-US" altLang="ja-JP" dirty="0"/>
-          </a:p>
-          <a:p>
-            <a:r>
-              <a:rPr lang="ja-JP" altLang="en-US" dirty="0"/>
-              <a:t>ステップシーケンサーと組み合わせる話とか</a:t>
-            </a:r>
-            <a:endParaRPr kumimoji="1" lang="ja-JP" altLang="en-US" dirty="0"/>
+            <a:pPr marL="0" indent="0">
+              <a:buNone/>
+            </a:pPr>
+            <a:r>
+              <a:rPr lang="ja-JP" altLang="en-US" sz="3200" b="1" dirty="0">
+                <a:solidFill>
+                  <a:schemeClr val="bg2">
+                    <a:lumMod val="25000"/>
+                  </a:schemeClr>
+                </a:solidFill>
+              </a:rPr>
+              <a:t>ほどほど</a:t>
+            </a:r>
+            <a:r>
+              <a:rPr kumimoji="1" lang="ja-JP" altLang="en-US" sz="2400" dirty="0">
+                <a:solidFill>
+                  <a:schemeClr val="bg2">
+                    <a:lumMod val="25000"/>
+                  </a:schemeClr>
+                </a:solidFill>
+              </a:rPr>
+              <a:t>にパズルを頑張ろう！</a:t>
+            </a:r>
+            <a:endParaRPr lang="en-US" altLang="ja-JP" sz="2400" dirty="0">
+              <a:solidFill>
+                <a:schemeClr val="bg2">
+                  <a:lumMod val="25000"/>
+                </a:schemeClr>
+              </a:solidFill>
+            </a:endParaRPr>
+          </a:p>
+          <a:p>
+            <a:pPr marL="0" indent="0">
+              <a:buNone/>
+            </a:pPr>
+            <a:r>
+              <a:rPr kumimoji="1" lang="en-US" altLang="ja-JP" sz="2000" dirty="0">
+                <a:solidFill>
+                  <a:schemeClr val="bg2">
+                    <a:lumMod val="25000"/>
+                  </a:schemeClr>
+                </a:solidFill>
+              </a:rPr>
+              <a:t>	</a:t>
+            </a:r>
+            <a:r>
+              <a:rPr kumimoji="1" lang="ja-JP" altLang="en-US" sz="2000" dirty="0">
+                <a:solidFill>
+                  <a:schemeClr val="bg2">
+                    <a:lumMod val="25000"/>
+                  </a:schemeClr>
+                </a:solidFill>
+              </a:rPr>
+              <a:t>・パズルゲームで頑張りすぎると、リズムゲームの難易度が上がる！</a:t>
+            </a:r>
+            <a:endParaRPr kumimoji="1" lang="en-US" altLang="ja-JP" sz="2000" dirty="0">
+              <a:solidFill>
+                <a:schemeClr val="bg2">
+                  <a:lumMod val="25000"/>
+                </a:schemeClr>
+              </a:solidFill>
+            </a:endParaRPr>
+          </a:p>
+          <a:p>
+            <a:pPr marL="0" indent="0">
+              <a:buNone/>
+            </a:pPr>
+            <a:endParaRPr lang="en-US" altLang="ja-JP" sz="2000" dirty="0">
+              <a:solidFill>
+                <a:schemeClr val="bg2">
+                  <a:lumMod val="25000"/>
+                </a:schemeClr>
+              </a:solidFill>
+            </a:endParaRPr>
+          </a:p>
+          <a:p>
+            <a:pPr marL="0" indent="0">
+              <a:buNone/>
+            </a:pPr>
+            <a:endParaRPr kumimoji="1" lang="en-US" altLang="ja-JP" sz="2000" dirty="0">
+              <a:solidFill>
+                <a:schemeClr val="bg2">
+                  <a:lumMod val="25000"/>
+                </a:schemeClr>
+              </a:solidFill>
+            </a:endParaRPr>
+          </a:p>
+          <a:p>
+            <a:pPr marL="0" indent="0">
+              <a:buNone/>
+            </a:pPr>
+            <a:endParaRPr lang="en-US" altLang="ja-JP" sz="2000" dirty="0">
+              <a:solidFill>
+                <a:schemeClr val="bg2">
+                  <a:lumMod val="25000"/>
+                </a:schemeClr>
+              </a:solidFill>
+            </a:endParaRPr>
+          </a:p>
+          <a:p>
+            <a:pPr marL="0" indent="0">
+              <a:buNone/>
+            </a:pPr>
+            <a:endParaRPr kumimoji="1" lang="en-US" altLang="ja-JP" sz="2000" dirty="0">
+              <a:solidFill>
+                <a:schemeClr val="bg2">
+                  <a:lumMod val="25000"/>
+                </a:schemeClr>
+              </a:solidFill>
+            </a:endParaRPr>
+          </a:p>
+          <a:p>
+            <a:pPr marL="0" indent="0">
+              <a:buNone/>
+            </a:pPr>
+            <a:endParaRPr lang="en-US" altLang="ja-JP" sz="2000" dirty="0">
+              <a:solidFill>
+                <a:schemeClr val="bg2">
+                  <a:lumMod val="25000"/>
+                </a:schemeClr>
+              </a:solidFill>
+            </a:endParaRPr>
+          </a:p>
+          <a:p>
+            <a:pPr marL="0" indent="0">
+              <a:buNone/>
+            </a:pPr>
+            <a:r>
+              <a:rPr kumimoji="1" lang="en-US" altLang="ja-JP" sz="2000" dirty="0">
+                <a:solidFill>
+                  <a:schemeClr val="bg2">
+                    <a:lumMod val="25000"/>
+                  </a:schemeClr>
+                </a:solidFill>
+              </a:rPr>
+              <a:t>	</a:t>
+            </a:r>
+            <a:r>
+              <a:rPr kumimoji="1" lang="ja-JP" altLang="en-US" sz="2000" dirty="0">
+                <a:solidFill>
+                  <a:schemeClr val="bg2">
+                    <a:lumMod val="25000"/>
+                  </a:schemeClr>
+                </a:solidFill>
+              </a:rPr>
+              <a:t>・リズムゲームの方がスコアが上がりやすい！</a:t>
+            </a:r>
+            <a:endParaRPr kumimoji="1" lang="en-US" altLang="ja-JP" sz="2000" dirty="0">
+              <a:solidFill>
+                <a:schemeClr val="bg2">
+                  <a:lumMod val="25000"/>
+                </a:schemeClr>
+              </a:solidFill>
+            </a:endParaRPr>
+          </a:p>
+          <a:p>
+            <a:pPr marL="0" indent="0">
+              <a:lnSpc>
+                <a:spcPct val="150000"/>
+              </a:lnSpc>
+              <a:buNone/>
+            </a:pPr>
+            <a:r>
+              <a:rPr kumimoji="1" lang="en-US" altLang="ja-JP" sz="2000" dirty="0">
+                <a:solidFill>
+                  <a:schemeClr val="bg2">
+                    <a:lumMod val="25000"/>
+                  </a:schemeClr>
+                </a:solidFill>
+              </a:rPr>
+              <a:t>	</a:t>
+            </a:r>
+            <a:r>
+              <a:rPr kumimoji="1" lang="ja-JP" altLang="en-US" sz="2000" dirty="0">
+                <a:solidFill>
+                  <a:schemeClr val="bg2">
+                    <a:lumMod val="25000"/>
+                  </a:schemeClr>
+                </a:solidFill>
+              </a:rPr>
+              <a:t>　　パズルゲーム：揃ったピースの個数　</a:t>
+            </a:r>
+            <a:r>
+              <a:rPr kumimoji="1" lang="en-US" altLang="ja-JP" sz="2000" dirty="0">
+                <a:solidFill>
+                  <a:schemeClr val="bg2">
+                    <a:lumMod val="25000"/>
+                  </a:schemeClr>
+                </a:solidFill>
+              </a:rPr>
+              <a:t>×</a:t>
+            </a:r>
+            <a:r>
+              <a:rPr lang="ja-JP" altLang="en-US" sz="3000" b="1" dirty="0">
+                <a:solidFill>
+                  <a:schemeClr val="bg2">
+                    <a:lumMod val="25000"/>
+                  </a:schemeClr>
+                </a:solidFill>
+              </a:rPr>
+              <a:t>１</a:t>
+            </a:r>
+            <a:r>
+              <a:rPr lang="ja-JP" altLang="en-US" sz="2000" b="1" dirty="0">
+                <a:solidFill>
+                  <a:schemeClr val="bg2">
+                    <a:lumMod val="25000"/>
+                  </a:schemeClr>
+                </a:solidFill>
+              </a:rPr>
+              <a:t>点</a:t>
+            </a:r>
+            <a:endParaRPr lang="en-US" altLang="ja-JP" sz="2000" b="1" dirty="0">
+              <a:solidFill>
+                <a:schemeClr val="bg2">
+                  <a:lumMod val="25000"/>
+                </a:schemeClr>
+              </a:solidFill>
+            </a:endParaRPr>
+          </a:p>
+          <a:p>
+            <a:pPr marL="0" indent="0">
+              <a:lnSpc>
+                <a:spcPct val="100000"/>
+              </a:lnSpc>
+              <a:buNone/>
+            </a:pPr>
+            <a:r>
+              <a:rPr kumimoji="1" lang="en-US" altLang="ja-JP" sz="2000" b="1" dirty="0">
+                <a:solidFill>
+                  <a:schemeClr val="bg2">
+                    <a:lumMod val="25000"/>
+                  </a:schemeClr>
+                </a:solidFill>
+              </a:rPr>
+              <a:t>	</a:t>
+            </a:r>
+            <a:r>
+              <a:rPr kumimoji="1" lang="ja-JP" altLang="en-US" sz="2000" b="1" dirty="0">
+                <a:solidFill>
+                  <a:schemeClr val="bg2">
+                    <a:lumMod val="25000"/>
+                  </a:schemeClr>
+                </a:solidFill>
+              </a:rPr>
+              <a:t>　　</a:t>
+            </a:r>
+            <a:r>
+              <a:rPr lang="ja-JP" altLang="en-US" sz="2000" dirty="0">
+                <a:solidFill>
+                  <a:schemeClr val="bg2">
+                    <a:lumMod val="25000"/>
+                  </a:schemeClr>
+                </a:solidFill>
+              </a:rPr>
+              <a:t>リズムゲーム：判定によって点数が変わる</a:t>
+            </a:r>
+            <a:endParaRPr lang="en-US" altLang="ja-JP" sz="2000" dirty="0">
+              <a:solidFill>
+                <a:schemeClr val="bg2">
+                  <a:lumMod val="25000"/>
+                </a:schemeClr>
+              </a:solidFill>
+            </a:endParaRPr>
+          </a:p>
+          <a:p>
+            <a:pPr marL="0" indent="0">
+              <a:lnSpc>
+                <a:spcPct val="100000"/>
+              </a:lnSpc>
+              <a:buNone/>
+            </a:pPr>
+            <a:r>
+              <a:rPr lang="en-US" altLang="ja-JP" sz="2000" dirty="0">
+                <a:solidFill>
+                  <a:schemeClr val="bg2">
+                    <a:lumMod val="25000"/>
+                  </a:schemeClr>
+                </a:solidFill>
+              </a:rPr>
+              <a:t>		Perfect</a:t>
+            </a:r>
+            <a:r>
+              <a:rPr lang="ja-JP" altLang="en-US" sz="2000" dirty="0">
+                <a:solidFill>
+                  <a:schemeClr val="bg2">
+                    <a:lumMod val="25000"/>
+                  </a:schemeClr>
+                </a:solidFill>
+              </a:rPr>
+              <a:t>：</a:t>
+            </a:r>
+            <a:r>
+              <a:rPr lang="en-US" altLang="ja-JP" sz="3000" b="1" dirty="0">
+                <a:solidFill>
+                  <a:schemeClr val="bg2">
+                    <a:lumMod val="25000"/>
+                  </a:schemeClr>
+                </a:solidFill>
+              </a:rPr>
+              <a:t>20</a:t>
+            </a:r>
+            <a:r>
+              <a:rPr lang="ja-JP" altLang="en-US" sz="2000" dirty="0">
+                <a:solidFill>
+                  <a:schemeClr val="bg2">
+                    <a:lumMod val="25000"/>
+                  </a:schemeClr>
+                </a:solidFill>
+              </a:rPr>
+              <a:t>点　</a:t>
+            </a:r>
+            <a:r>
+              <a:rPr lang="en-US" altLang="ja-JP" sz="2000" dirty="0">
+                <a:solidFill>
+                  <a:schemeClr val="bg2">
+                    <a:lumMod val="25000"/>
+                  </a:schemeClr>
+                </a:solidFill>
+              </a:rPr>
+              <a:t>Great</a:t>
+            </a:r>
+            <a:r>
+              <a:rPr lang="ja-JP" altLang="en-US" sz="2000" dirty="0">
+                <a:solidFill>
+                  <a:schemeClr val="bg2">
+                    <a:lumMod val="25000"/>
+                  </a:schemeClr>
+                </a:solidFill>
+              </a:rPr>
+              <a:t>：</a:t>
+            </a:r>
+            <a:r>
+              <a:rPr lang="en-US" altLang="ja-JP" sz="3000" b="1" dirty="0">
+                <a:solidFill>
+                  <a:schemeClr val="bg2">
+                    <a:lumMod val="25000"/>
+                  </a:schemeClr>
+                </a:solidFill>
+              </a:rPr>
+              <a:t>10</a:t>
+            </a:r>
+            <a:r>
+              <a:rPr lang="ja-JP" altLang="en-US" sz="2000" dirty="0">
+                <a:solidFill>
+                  <a:schemeClr val="bg2">
+                    <a:lumMod val="25000"/>
+                  </a:schemeClr>
+                </a:solidFill>
+              </a:rPr>
+              <a:t>点　</a:t>
+            </a:r>
+            <a:r>
+              <a:rPr lang="en-US" altLang="ja-JP" sz="2000" dirty="0">
+                <a:solidFill>
+                  <a:schemeClr val="bg2">
+                    <a:lumMod val="25000"/>
+                  </a:schemeClr>
+                </a:solidFill>
+              </a:rPr>
+              <a:t>Good</a:t>
+            </a:r>
+            <a:r>
+              <a:rPr lang="ja-JP" altLang="en-US" sz="2000" dirty="0">
+                <a:solidFill>
+                  <a:schemeClr val="bg2">
+                    <a:lumMod val="25000"/>
+                  </a:schemeClr>
+                </a:solidFill>
+              </a:rPr>
+              <a:t>：</a:t>
+            </a:r>
+            <a:r>
+              <a:rPr lang="en-US" altLang="ja-JP" sz="3000" b="1" dirty="0">
+                <a:solidFill>
+                  <a:schemeClr val="bg2">
+                    <a:lumMod val="25000"/>
+                  </a:schemeClr>
+                </a:solidFill>
+              </a:rPr>
+              <a:t>5</a:t>
+            </a:r>
+            <a:r>
+              <a:rPr lang="ja-JP" altLang="en-US" sz="2000" dirty="0">
+                <a:solidFill>
+                  <a:schemeClr val="bg2">
+                    <a:lumMod val="25000"/>
+                  </a:schemeClr>
+                </a:solidFill>
+              </a:rPr>
+              <a:t>点　</a:t>
+            </a:r>
+            <a:r>
+              <a:rPr lang="en-US" altLang="ja-JP" sz="2000" dirty="0">
+                <a:solidFill>
+                  <a:schemeClr val="bg2">
+                    <a:lumMod val="25000"/>
+                  </a:schemeClr>
+                </a:solidFill>
+              </a:rPr>
+              <a:t>Bad</a:t>
+            </a:r>
+            <a:r>
+              <a:rPr lang="ja-JP" altLang="en-US" sz="2000" dirty="0">
+                <a:solidFill>
+                  <a:schemeClr val="bg2">
+                    <a:lumMod val="25000"/>
+                  </a:schemeClr>
+                </a:solidFill>
+              </a:rPr>
+              <a:t>：</a:t>
+            </a:r>
+            <a:r>
+              <a:rPr lang="en-US" altLang="ja-JP" sz="3000" b="1" dirty="0">
+                <a:solidFill>
+                  <a:schemeClr val="bg2">
+                    <a:lumMod val="25000"/>
+                  </a:schemeClr>
+                </a:solidFill>
+              </a:rPr>
+              <a:t>-10</a:t>
+            </a:r>
+            <a:r>
+              <a:rPr lang="ja-JP" altLang="en-US" sz="2000" dirty="0">
+                <a:solidFill>
+                  <a:schemeClr val="bg2">
+                    <a:lumMod val="25000"/>
+                  </a:schemeClr>
+                </a:solidFill>
+              </a:rPr>
+              <a:t>点</a:t>
+            </a:r>
+            <a:endParaRPr lang="en-US" altLang="ja-JP" sz="2000" dirty="0">
+              <a:solidFill>
+                <a:schemeClr val="bg2">
+                  <a:lumMod val="25000"/>
+                </a:schemeClr>
+              </a:solidFill>
+            </a:endParaRPr>
           </a:p>
         </p:txBody>
       </p:sp>
@@ -9723,477 +11977,1479 @@
           </a:p>
         </p:txBody>
       </p:sp>
-    </p:spTree>
-    <p:extLst>
-      <p:ext uri="{BB962C8B-B14F-4D97-AF65-F5344CB8AC3E}">
-        <p14:creationId xmlns:p14="http://schemas.microsoft.com/office/powerpoint/2010/main" val="50367243"/>
-      </p:ext>
-    </p:extLst>
-  </p:cSld>
-  <p:clrMapOvr>
-    <a:masterClrMapping/>
-  </p:clrMapOvr>
-</p:sld>
-</file>
-
-<file path=ppt/slides/slide8.xml><?xml version="1.0" encoding="utf-8"?>
-<p:sld xmlns:a="http://schemas.openxmlformats.org/drawingml/2006/main" xmlns:r="http://schemas.openxmlformats.org/officeDocument/2006/relationships" xmlns:p="http://schemas.openxmlformats.org/presentationml/2006/main">
-  <p:cSld>
-    <p:spTree>
-      <p:nvGrpSpPr>
-        <p:cNvPr id="1" name=""/>
-        <p:cNvGrpSpPr/>
-        <p:nvPr/>
-      </p:nvGrpSpPr>
-      <p:grpSpPr>
-        <a:xfrm>
-          <a:off x="0" y="0"/>
-          <a:ext cx="0" cy="0"/>
-          <a:chOff x="0" y="0"/>
-          <a:chExt cx="0" cy="0"/>
-        </a:xfrm>
-      </p:grpSpPr>
-      <p:sp>
-        <p:nvSpPr>
-          <p:cNvPr id="2" name="タイトル 1">
+      <p:grpSp>
+        <p:nvGrpSpPr>
+          <p:cNvPr id="34" name="グループ化 33">
             <a:extLst>
               <a:ext uri="{FF2B5EF4-FFF2-40B4-BE49-F238E27FC236}">
-                <a16:creationId xmlns:a16="http://schemas.microsoft.com/office/drawing/2014/main" id="{8C792EF1-1AA8-EC3F-2E1B-7702D332AED7}"/>
+                <a16:creationId xmlns:a16="http://schemas.microsoft.com/office/drawing/2014/main" id="{3E6DE810-F366-A903-9A63-5FE4BD445759}"/>
               </a:ext>
             </a:extLst>
           </p:cNvPr>
-          <p:cNvSpPr>
-            <a:spLocks noGrp="1"/>
-          </p:cNvSpPr>
-          <p:nvPr>
-            <p:ph type="title"/>
-          </p:nvPr>
-        </p:nvSpPr>
-        <p:spPr/>
-        <p:txBody>
-          <a:bodyPr>
-            <a:normAutofit/>
-          </a:bodyPr>
-          <a:lstStyle/>
-          <a:p>
-            <a:r>
-              <a:rPr kumimoji="1" lang="en-US" altLang="ja-JP" sz="2800" dirty="0">
+          <p:cNvGrpSpPr/>
+          <p:nvPr/>
+        </p:nvGrpSpPr>
+        <p:grpSpPr>
+          <a:xfrm>
+            <a:off x="838200" y="2211849"/>
+            <a:ext cx="10458009" cy="1711842"/>
+            <a:chOff x="967560" y="3099391"/>
+            <a:chExt cx="10458009" cy="1711842"/>
+          </a:xfrm>
+        </p:grpSpPr>
+        <p:grpSp>
+          <p:nvGrpSpPr>
+            <p:cNvPr id="26" name="グループ化 25">
+              <a:extLst>
+                <a:ext uri="{FF2B5EF4-FFF2-40B4-BE49-F238E27FC236}">
+                  <a16:creationId xmlns:a16="http://schemas.microsoft.com/office/drawing/2014/main" id="{4D790706-A45C-D6B7-5634-412C86E2B784}"/>
+                </a:ext>
+              </a:extLst>
+            </p:cNvPr>
+            <p:cNvGrpSpPr/>
+            <p:nvPr/>
+          </p:nvGrpSpPr>
+          <p:grpSpPr>
+            <a:xfrm>
+              <a:off x="3870250" y="3747977"/>
+              <a:ext cx="4125433" cy="1063256"/>
+              <a:chOff x="1860697" y="3429000"/>
+              <a:chExt cx="4125433" cy="1063256"/>
+            </a:xfrm>
+          </p:grpSpPr>
+          <p:sp>
+            <p:nvSpPr>
+              <p:cNvPr id="2" name="正方形/長方形 1">
+                <a:extLst>
+                  <a:ext uri="{FF2B5EF4-FFF2-40B4-BE49-F238E27FC236}">
+                    <a16:creationId xmlns:a16="http://schemas.microsoft.com/office/drawing/2014/main" id="{0DD38C86-4A22-457F-8A7C-A04B4FEEF41F}"/>
+                  </a:ext>
+                </a:extLst>
+              </p:cNvPr>
+              <p:cNvSpPr/>
+              <p:nvPr/>
+            </p:nvSpPr>
+            <p:spPr>
+              <a:xfrm>
+                <a:off x="2328530" y="3429000"/>
+                <a:ext cx="531628" cy="531628"/>
+              </a:xfrm>
+              <a:prstGeom prst="rect">
+                <a:avLst/>
+              </a:prstGeom>
+              <a:solidFill>
+                <a:srgbClr val="0070C0"/>
+              </a:solidFill>
+              <a:ln>
+                <a:noFill/>
+              </a:ln>
+            </p:spPr>
+            <p:style>
+              <a:lnRef idx="2">
+                <a:schemeClr val="accent1">
+                  <a:shade val="50000"/>
+                </a:schemeClr>
+              </a:lnRef>
+              <a:fillRef idx="1">
+                <a:schemeClr val="accent1"/>
+              </a:fillRef>
+              <a:effectRef idx="0">
+                <a:schemeClr val="accent1"/>
+              </a:effectRef>
+              <a:fontRef idx="minor">
+                <a:schemeClr val="lt1"/>
+              </a:fontRef>
+            </p:style>
+            <p:txBody>
+              <a:bodyPr rtlCol="0" anchor="ctr"/>
+              <a:lstStyle/>
+              <a:p>
+                <a:pPr algn="ctr"/>
+                <a:endParaRPr kumimoji="1" lang="ja-JP" altLang="en-US"/>
+              </a:p>
+            </p:txBody>
+          </p:sp>
+          <p:sp>
+            <p:nvSpPr>
+              <p:cNvPr id="5" name="正方形/長方形 4">
+                <a:extLst>
+                  <a:ext uri="{FF2B5EF4-FFF2-40B4-BE49-F238E27FC236}">
+                    <a16:creationId xmlns:a16="http://schemas.microsoft.com/office/drawing/2014/main" id="{EE28D44A-A7F1-B3FD-56FA-830DA73DC672}"/>
+                  </a:ext>
+                </a:extLst>
+              </p:cNvPr>
+              <p:cNvSpPr/>
+              <p:nvPr/>
+            </p:nvSpPr>
+            <p:spPr>
+              <a:xfrm>
+                <a:off x="2860158" y="3429000"/>
+                <a:ext cx="531628" cy="531628"/>
+              </a:xfrm>
+              <a:prstGeom prst="rect">
+                <a:avLst/>
+              </a:prstGeom>
+              <a:solidFill>
+                <a:srgbClr val="99FF99"/>
+              </a:solidFill>
+              <a:ln>
+                <a:noFill/>
+              </a:ln>
+            </p:spPr>
+            <p:style>
+              <a:lnRef idx="2">
+                <a:schemeClr val="accent1">
+                  <a:shade val="50000"/>
+                </a:schemeClr>
+              </a:lnRef>
+              <a:fillRef idx="1">
+                <a:schemeClr val="accent1"/>
+              </a:fillRef>
+              <a:effectRef idx="0">
+                <a:schemeClr val="accent1"/>
+              </a:effectRef>
+              <a:fontRef idx="minor">
+                <a:schemeClr val="lt1"/>
+              </a:fontRef>
+            </p:style>
+            <p:txBody>
+              <a:bodyPr rtlCol="0" anchor="t"/>
+              <a:lstStyle/>
+              <a:p>
+                <a:pPr algn="ctr"/>
+                <a:r>
+                  <a:rPr kumimoji="1" lang="ja-JP" altLang="en-US" sz="3600" b="1" dirty="0">
+                    <a:solidFill>
+                      <a:schemeClr val="bg2">
+                        <a:lumMod val="25000"/>
+                      </a:schemeClr>
+                    </a:solidFill>
+                  </a:rPr>
+                  <a:t>３</a:t>
+                </a:r>
+              </a:p>
+            </p:txBody>
+          </p:sp>
+          <p:sp>
+            <p:nvSpPr>
+              <p:cNvPr id="6" name="正方形/長方形 5">
+                <a:extLst>
+                  <a:ext uri="{FF2B5EF4-FFF2-40B4-BE49-F238E27FC236}">
+                    <a16:creationId xmlns:a16="http://schemas.microsoft.com/office/drawing/2014/main" id="{C4BF838F-B5A4-4AD9-A25F-B86BE9722BE2}"/>
+                  </a:ext>
+                </a:extLst>
+              </p:cNvPr>
+              <p:cNvSpPr/>
+              <p:nvPr/>
+            </p:nvSpPr>
+            <p:spPr>
+              <a:xfrm>
+                <a:off x="3391786" y="3429000"/>
+                <a:ext cx="531628" cy="531628"/>
+              </a:xfrm>
+              <a:prstGeom prst="rect">
+                <a:avLst/>
+              </a:prstGeom>
+              <a:solidFill>
+                <a:srgbClr val="FF0000"/>
+              </a:solidFill>
+              <a:ln>
+                <a:noFill/>
+              </a:ln>
+            </p:spPr>
+            <p:style>
+              <a:lnRef idx="2">
+                <a:schemeClr val="accent1">
+                  <a:shade val="50000"/>
+                </a:schemeClr>
+              </a:lnRef>
+              <a:fillRef idx="1">
+                <a:schemeClr val="accent1"/>
+              </a:fillRef>
+              <a:effectRef idx="0">
+                <a:schemeClr val="accent1"/>
+              </a:effectRef>
+              <a:fontRef idx="minor">
+                <a:schemeClr val="lt1"/>
+              </a:fontRef>
+            </p:style>
+            <p:txBody>
+              <a:bodyPr rtlCol="0" anchor="ctr"/>
+              <a:lstStyle/>
+              <a:p>
+                <a:pPr algn="ctr"/>
+                <a:endParaRPr kumimoji="1" lang="ja-JP" altLang="en-US"/>
+              </a:p>
+            </p:txBody>
+          </p:sp>
+          <p:sp>
+            <p:nvSpPr>
+              <p:cNvPr id="7" name="正方形/長方形 6">
+                <a:extLst>
+                  <a:ext uri="{FF2B5EF4-FFF2-40B4-BE49-F238E27FC236}">
+                    <a16:creationId xmlns:a16="http://schemas.microsoft.com/office/drawing/2014/main" id="{174E5CE6-54F2-8364-123F-F2C89FB06621}"/>
+                  </a:ext>
+                </a:extLst>
+              </p:cNvPr>
+              <p:cNvSpPr/>
+              <p:nvPr/>
+            </p:nvSpPr>
+            <p:spPr>
+              <a:xfrm>
+                <a:off x="3923414" y="3429000"/>
+                <a:ext cx="531628" cy="531628"/>
+              </a:xfrm>
+              <a:prstGeom prst="rect">
+                <a:avLst/>
+              </a:prstGeom>
+              <a:solidFill>
+                <a:srgbClr val="FF0000"/>
+              </a:solidFill>
+              <a:ln>
+                <a:noFill/>
+              </a:ln>
+            </p:spPr>
+            <p:style>
+              <a:lnRef idx="2">
+                <a:schemeClr val="accent1">
+                  <a:shade val="50000"/>
+                </a:schemeClr>
+              </a:lnRef>
+              <a:fillRef idx="1">
+                <a:schemeClr val="accent1"/>
+              </a:fillRef>
+              <a:effectRef idx="0">
+                <a:schemeClr val="accent1"/>
+              </a:effectRef>
+              <a:fontRef idx="minor">
+                <a:schemeClr val="lt1"/>
+              </a:fontRef>
+            </p:style>
+            <p:txBody>
+              <a:bodyPr rtlCol="0" anchor="ctr"/>
+              <a:lstStyle/>
+              <a:p>
+                <a:pPr algn="ctr"/>
+                <a:endParaRPr kumimoji="1" lang="ja-JP" altLang="en-US"/>
+              </a:p>
+            </p:txBody>
+          </p:sp>
+          <p:sp>
+            <p:nvSpPr>
+              <p:cNvPr id="8" name="正方形/長方形 7">
+                <a:extLst>
+                  <a:ext uri="{FF2B5EF4-FFF2-40B4-BE49-F238E27FC236}">
+                    <a16:creationId xmlns:a16="http://schemas.microsoft.com/office/drawing/2014/main" id="{155B34BF-A831-61F6-2CAA-BDF3EFA797D7}"/>
+                  </a:ext>
+                </a:extLst>
+              </p:cNvPr>
+              <p:cNvSpPr/>
+              <p:nvPr/>
+            </p:nvSpPr>
+            <p:spPr>
+              <a:xfrm>
+                <a:off x="4455042" y="3429000"/>
+                <a:ext cx="531628" cy="531628"/>
+              </a:xfrm>
+              <a:prstGeom prst="rect">
+                <a:avLst/>
+              </a:prstGeom>
+              <a:solidFill>
+                <a:srgbClr val="99CCFF"/>
+              </a:solidFill>
+              <a:ln>
+                <a:noFill/>
+              </a:ln>
+            </p:spPr>
+            <p:style>
+              <a:lnRef idx="2">
+                <a:schemeClr val="accent1">
+                  <a:shade val="50000"/>
+                </a:schemeClr>
+              </a:lnRef>
+              <a:fillRef idx="1">
+                <a:schemeClr val="accent1"/>
+              </a:fillRef>
+              <a:effectRef idx="0">
+                <a:schemeClr val="accent1"/>
+              </a:effectRef>
+              <a:fontRef idx="minor">
+                <a:schemeClr val="lt1"/>
+              </a:fontRef>
+            </p:style>
+            <p:txBody>
+              <a:bodyPr rtlCol="0" anchor="ctr"/>
+              <a:lstStyle/>
+              <a:p>
+                <a:pPr algn="ctr"/>
+                <a:endParaRPr kumimoji="1" lang="ja-JP" altLang="en-US"/>
+              </a:p>
+            </p:txBody>
+          </p:sp>
+          <p:sp>
+            <p:nvSpPr>
+              <p:cNvPr id="9" name="正方形/長方形 8">
+                <a:extLst>
+                  <a:ext uri="{FF2B5EF4-FFF2-40B4-BE49-F238E27FC236}">
+                    <a16:creationId xmlns:a16="http://schemas.microsoft.com/office/drawing/2014/main" id="{24CA8FCE-7331-5053-6CA1-AED5D7787A46}"/>
+                  </a:ext>
+                </a:extLst>
+              </p:cNvPr>
+              <p:cNvSpPr/>
+              <p:nvPr/>
+            </p:nvSpPr>
+            <p:spPr>
+              <a:xfrm>
+                <a:off x="4976037" y="3429000"/>
+                <a:ext cx="531628" cy="531628"/>
+              </a:xfrm>
+              <a:prstGeom prst="rect">
+                <a:avLst/>
+              </a:prstGeom>
+              <a:solidFill>
+                <a:srgbClr val="FFFF00"/>
+              </a:solidFill>
+              <a:ln>
+                <a:noFill/>
+              </a:ln>
+            </p:spPr>
+            <p:style>
+              <a:lnRef idx="2">
+                <a:schemeClr val="accent1">
+                  <a:shade val="50000"/>
+                </a:schemeClr>
+              </a:lnRef>
+              <a:fillRef idx="1">
+                <a:schemeClr val="accent1"/>
+              </a:fillRef>
+              <a:effectRef idx="0">
+                <a:schemeClr val="accent1"/>
+              </a:effectRef>
+              <a:fontRef idx="minor">
+                <a:schemeClr val="lt1"/>
+              </a:fontRef>
+            </p:style>
+            <p:txBody>
+              <a:bodyPr rtlCol="0" anchor="ctr"/>
+              <a:lstStyle/>
+              <a:p>
+                <a:pPr algn="ctr"/>
+                <a:endParaRPr kumimoji="1" lang="ja-JP" altLang="en-US"/>
+              </a:p>
+            </p:txBody>
+          </p:sp>
+          <p:sp>
+            <p:nvSpPr>
+              <p:cNvPr id="10" name="正方形/長方形 9">
+                <a:extLst>
+                  <a:ext uri="{FF2B5EF4-FFF2-40B4-BE49-F238E27FC236}">
+                    <a16:creationId xmlns:a16="http://schemas.microsoft.com/office/drawing/2014/main" id="{89AF0184-1A9C-4498-8F73-AAED755D1493}"/>
+                  </a:ext>
+                </a:extLst>
+              </p:cNvPr>
+              <p:cNvSpPr/>
+              <p:nvPr/>
+            </p:nvSpPr>
+            <p:spPr>
+              <a:xfrm>
+                <a:off x="2328530" y="3960628"/>
+                <a:ext cx="531628" cy="531628"/>
+              </a:xfrm>
+              <a:prstGeom prst="rect">
+                <a:avLst/>
+              </a:prstGeom>
+              <a:solidFill>
+                <a:srgbClr val="FF9999"/>
+              </a:solidFill>
+              <a:ln>
+                <a:noFill/>
+              </a:ln>
+            </p:spPr>
+            <p:style>
+              <a:lnRef idx="2">
+                <a:schemeClr val="accent1">
+                  <a:shade val="50000"/>
+                </a:schemeClr>
+              </a:lnRef>
+              <a:fillRef idx="1">
+                <a:schemeClr val="accent1"/>
+              </a:fillRef>
+              <a:effectRef idx="0">
+                <a:schemeClr val="accent1"/>
+              </a:effectRef>
+              <a:fontRef idx="minor">
+                <a:schemeClr val="lt1"/>
+              </a:fontRef>
+            </p:style>
+            <p:txBody>
+              <a:bodyPr rtlCol="0" anchor="ctr"/>
+              <a:lstStyle/>
+              <a:p>
+                <a:pPr algn="ctr"/>
+                <a:endParaRPr kumimoji="1" lang="ja-JP" altLang="en-US"/>
+              </a:p>
+            </p:txBody>
+          </p:sp>
+          <p:sp>
+            <p:nvSpPr>
+              <p:cNvPr id="11" name="正方形/長方形 10">
+                <a:extLst>
+                  <a:ext uri="{FF2B5EF4-FFF2-40B4-BE49-F238E27FC236}">
+                    <a16:creationId xmlns:a16="http://schemas.microsoft.com/office/drawing/2014/main" id="{9723CDAF-EACA-20A9-56B1-854BD036B9BE}"/>
+                  </a:ext>
+                </a:extLst>
+              </p:cNvPr>
+              <p:cNvSpPr/>
+              <p:nvPr/>
+            </p:nvSpPr>
+            <p:spPr>
+              <a:xfrm>
+                <a:off x="2860158" y="3960628"/>
+                <a:ext cx="531628" cy="531628"/>
+              </a:xfrm>
+              <a:prstGeom prst="rect">
+                <a:avLst/>
+              </a:prstGeom>
+              <a:solidFill>
+                <a:srgbClr val="FF9999"/>
+              </a:solidFill>
+              <a:ln>
+                <a:noFill/>
+              </a:ln>
+            </p:spPr>
+            <p:style>
+              <a:lnRef idx="2">
+                <a:schemeClr val="accent1">
+                  <a:shade val="50000"/>
+                </a:schemeClr>
+              </a:lnRef>
+              <a:fillRef idx="1">
+                <a:schemeClr val="accent1"/>
+              </a:fillRef>
+              <a:effectRef idx="0">
+                <a:schemeClr val="accent1"/>
+              </a:effectRef>
+              <a:fontRef idx="minor">
+                <a:schemeClr val="lt1"/>
+              </a:fontRef>
+            </p:style>
+            <p:txBody>
+              <a:bodyPr rtlCol="0" anchor="ctr"/>
+              <a:lstStyle/>
+              <a:p>
+                <a:pPr algn="ctr"/>
+                <a:endParaRPr kumimoji="1" lang="ja-JP" altLang="en-US"/>
+              </a:p>
+            </p:txBody>
+          </p:sp>
+          <p:sp>
+            <p:nvSpPr>
+              <p:cNvPr id="12" name="正方形/長方形 11">
+                <a:extLst>
+                  <a:ext uri="{FF2B5EF4-FFF2-40B4-BE49-F238E27FC236}">
+                    <a16:creationId xmlns:a16="http://schemas.microsoft.com/office/drawing/2014/main" id="{74448B9E-37DC-9BA9-4A40-7B8BD7AD398C}"/>
+                  </a:ext>
+                </a:extLst>
+              </p:cNvPr>
+              <p:cNvSpPr/>
+              <p:nvPr/>
+            </p:nvSpPr>
+            <p:spPr>
+              <a:xfrm>
+                <a:off x="3391786" y="3960628"/>
+                <a:ext cx="531628" cy="531628"/>
+              </a:xfrm>
+              <a:prstGeom prst="rect">
+                <a:avLst/>
+              </a:prstGeom>
+              <a:solidFill>
+                <a:srgbClr val="99FF99"/>
+              </a:solidFill>
+              <a:ln>
+                <a:noFill/>
+              </a:ln>
+            </p:spPr>
+            <p:style>
+              <a:lnRef idx="2">
+                <a:schemeClr val="accent1">
+                  <a:shade val="50000"/>
+                </a:schemeClr>
+              </a:lnRef>
+              <a:fillRef idx="1">
+                <a:schemeClr val="accent1"/>
+              </a:fillRef>
+              <a:effectRef idx="0">
+                <a:schemeClr val="accent1"/>
+              </a:effectRef>
+              <a:fontRef idx="minor">
+                <a:schemeClr val="lt1"/>
+              </a:fontRef>
+            </p:style>
+            <p:txBody>
+              <a:bodyPr rtlCol="0" anchor="t"/>
+              <a:lstStyle/>
+              <a:p>
+                <a:pPr algn="ctr"/>
+                <a:r>
+                  <a:rPr kumimoji="1" lang="ja-JP" altLang="en-US" sz="3600" b="1" dirty="0">
+                    <a:solidFill>
+                      <a:schemeClr val="bg2">
+                        <a:lumMod val="25000"/>
+                      </a:schemeClr>
+                    </a:solidFill>
+                  </a:rPr>
+                  <a:t>４</a:t>
+                </a:r>
+              </a:p>
+            </p:txBody>
+          </p:sp>
+          <p:sp>
+            <p:nvSpPr>
+              <p:cNvPr id="13" name="正方形/長方形 12">
+                <a:extLst>
+                  <a:ext uri="{FF2B5EF4-FFF2-40B4-BE49-F238E27FC236}">
+                    <a16:creationId xmlns:a16="http://schemas.microsoft.com/office/drawing/2014/main" id="{4B14D833-DAB7-C340-B72F-2BED457A8D1F}"/>
+                  </a:ext>
+                </a:extLst>
+              </p:cNvPr>
+              <p:cNvSpPr/>
+              <p:nvPr/>
+            </p:nvSpPr>
+            <p:spPr>
+              <a:xfrm>
+                <a:off x="3923414" y="3960628"/>
+                <a:ext cx="531628" cy="531628"/>
+              </a:xfrm>
+              <a:prstGeom prst="rect">
+                <a:avLst/>
+              </a:prstGeom>
+              <a:solidFill>
+                <a:srgbClr val="99CCFF"/>
+              </a:solidFill>
+              <a:ln>
+                <a:noFill/>
+              </a:ln>
+            </p:spPr>
+            <p:style>
+              <a:lnRef idx="2">
+                <a:schemeClr val="accent1">
+                  <a:shade val="50000"/>
+                </a:schemeClr>
+              </a:lnRef>
+              <a:fillRef idx="1">
+                <a:schemeClr val="accent1"/>
+              </a:fillRef>
+              <a:effectRef idx="0">
+                <a:schemeClr val="accent1"/>
+              </a:effectRef>
+              <a:fontRef idx="minor">
+                <a:schemeClr val="lt1"/>
+              </a:fontRef>
+            </p:style>
+            <p:txBody>
+              <a:bodyPr rtlCol="0" anchor="ctr"/>
+              <a:lstStyle/>
+              <a:p>
+                <a:pPr algn="ctr"/>
+                <a:endParaRPr kumimoji="1" lang="ja-JP" altLang="en-US"/>
+              </a:p>
+            </p:txBody>
+          </p:sp>
+          <p:sp>
+            <p:nvSpPr>
+              <p:cNvPr id="14" name="正方形/長方形 13">
+                <a:extLst>
+                  <a:ext uri="{FF2B5EF4-FFF2-40B4-BE49-F238E27FC236}">
+                    <a16:creationId xmlns:a16="http://schemas.microsoft.com/office/drawing/2014/main" id="{E5C88062-A57D-2C1E-FA31-CF1A603FA68F}"/>
+                  </a:ext>
+                </a:extLst>
+              </p:cNvPr>
+              <p:cNvSpPr/>
+              <p:nvPr/>
+            </p:nvSpPr>
+            <p:spPr>
+              <a:xfrm>
+                <a:off x="4455042" y="3960628"/>
+                <a:ext cx="531628" cy="531628"/>
+              </a:xfrm>
+              <a:prstGeom prst="rect">
+                <a:avLst/>
+              </a:prstGeom>
+              <a:solidFill>
+                <a:srgbClr val="FF0000"/>
+              </a:solidFill>
+              <a:ln>
+                <a:noFill/>
+              </a:ln>
+            </p:spPr>
+            <p:style>
+              <a:lnRef idx="2">
+                <a:schemeClr val="accent1">
+                  <a:shade val="50000"/>
+                </a:schemeClr>
+              </a:lnRef>
+              <a:fillRef idx="1">
+                <a:schemeClr val="accent1"/>
+              </a:fillRef>
+              <a:effectRef idx="0">
+                <a:schemeClr val="accent1"/>
+              </a:effectRef>
+              <a:fontRef idx="minor">
+                <a:schemeClr val="lt1"/>
+              </a:fontRef>
+            </p:style>
+            <p:txBody>
+              <a:bodyPr rtlCol="0" anchor="ctr"/>
+              <a:lstStyle/>
+              <a:p>
+                <a:pPr algn="ctr"/>
+                <a:endParaRPr kumimoji="1" lang="ja-JP" altLang="en-US"/>
+              </a:p>
+            </p:txBody>
+          </p:sp>
+          <p:sp>
+            <p:nvSpPr>
+              <p:cNvPr id="15" name="正方形/長方形 14">
+                <a:extLst>
+                  <a:ext uri="{FF2B5EF4-FFF2-40B4-BE49-F238E27FC236}">
+                    <a16:creationId xmlns:a16="http://schemas.microsoft.com/office/drawing/2014/main" id="{06F157EE-DC43-4580-38BC-5FC4E4BD2034}"/>
+                  </a:ext>
+                </a:extLst>
+              </p:cNvPr>
+              <p:cNvSpPr/>
+              <p:nvPr/>
+            </p:nvSpPr>
+            <p:spPr>
+              <a:xfrm>
+                <a:off x="4976037" y="3960628"/>
+                <a:ext cx="531628" cy="531628"/>
+              </a:xfrm>
+              <a:prstGeom prst="rect">
+                <a:avLst/>
+              </a:prstGeom>
+              <a:solidFill>
+                <a:srgbClr val="FFFF99"/>
+              </a:solidFill>
+              <a:ln>
+                <a:noFill/>
+              </a:ln>
+            </p:spPr>
+            <p:style>
+              <a:lnRef idx="2">
+                <a:schemeClr val="accent1">
+                  <a:shade val="50000"/>
+                </a:schemeClr>
+              </a:lnRef>
+              <a:fillRef idx="1">
+                <a:schemeClr val="accent1"/>
+              </a:fillRef>
+              <a:effectRef idx="0">
+                <a:schemeClr val="accent1"/>
+              </a:effectRef>
+              <a:fontRef idx="minor">
+                <a:schemeClr val="lt1"/>
+              </a:fontRef>
+            </p:style>
+            <p:txBody>
+              <a:bodyPr rtlCol="0" anchor="ctr"/>
+              <a:lstStyle/>
+              <a:p>
+                <a:pPr algn="ctr"/>
+                <a:endParaRPr kumimoji="1" lang="ja-JP" altLang="en-US"/>
+              </a:p>
+            </p:txBody>
+          </p:sp>
+          <p:sp>
+            <p:nvSpPr>
+              <p:cNvPr id="22" name="矢印: 右 21">
+                <a:extLst>
+                  <a:ext uri="{FF2B5EF4-FFF2-40B4-BE49-F238E27FC236}">
+                    <a16:creationId xmlns:a16="http://schemas.microsoft.com/office/drawing/2014/main" id="{31F0B272-273C-0CBB-0A95-A2691B890BB0}"/>
+                  </a:ext>
+                </a:extLst>
+              </p:cNvPr>
+              <p:cNvSpPr/>
+              <p:nvPr/>
+            </p:nvSpPr>
+            <p:spPr>
+              <a:xfrm>
+                <a:off x="4497572" y="3500770"/>
+                <a:ext cx="446568" cy="388088"/>
+              </a:xfrm>
+              <a:prstGeom prst="rightArrow">
+                <a:avLst/>
+              </a:prstGeom>
+              <a:noFill/>
+              <a:ln w="38100">
                 <a:solidFill>
                   <a:schemeClr val="bg2">
                     <a:lumMod val="25000"/>
                   </a:schemeClr>
                 </a:solidFill>
-                <a:latin typeface="HGSｺﾞｼｯｸE" panose="020B0900000000000000" pitchFamily="50" charset="-128"/>
-                <a:ea typeface="HGSｺﾞｼｯｸE" panose="020B0900000000000000" pitchFamily="50" charset="-128"/>
-              </a:rPr>
-              <a:t>-</a:t>
-            </a:r>
-            <a:r>
-              <a:rPr kumimoji="1" lang="ja-JP" altLang="en-US" sz="2800" dirty="0">
+              </a:ln>
+            </p:spPr>
+            <p:style>
+              <a:lnRef idx="2">
+                <a:schemeClr val="accent1">
+                  <a:shade val="50000"/>
+                </a:schemeClr>
+              </a:lnRef>
+              <a:fillRef idx="1">
+                <a:schemeClr val="accent1"/>
+              </a:fillRef>
+              <a:effectRef idx="0">
+                <a:schemeClr val="accent1"/>
+              </a:effectRef>
+              <a:fontRef idx="minor">
+                <a:schemeClr val="lt1"/>
+              </a:fontRef>
+            </p:style>
+            <p:txBody>
+              <a:bodyPr rtlCol="0" anchor="ctr"/>
+              <a:lstStyle/>
+              <a:p>
+                <a:pPr algn="ctr"/>
+                <a:endParaRPr kumimoji="1" lang="ja-JP" altLang="en-US"/>
+              </a:p>
+            </p:txBody>
+          </p:sp>
+          <p:sp>
+            <p:nvSpPr>
+              <p:cNvPr id="23" name="矢印: 右 22">
+                <a:extLst>
+                  <a:ext uri="{FF2B5EF4-FFF2-40B4-BE49-F238E27FC236}">
+                    <a16:creationId xmlns:a16="http://schemas.microsoft.com/office/drawing/2014/main" id="{8646B11D-5E95-0618-79E3-DFC5379AB4E3}"/>
+                  </a:ext>
+                </a:extLst>
+              </p:cNvPr>
+              <p:cNvSpPr/>
+              <p:nvPr/>
+            </p:nvSpPr>
+            <p:spPr>
+              <a:xfrm rot="5400000">
+                <a:off x="3965944" y="4032398"/>
+                <a:ext cx="446568" cy="388088"/>
+              </a:xfrm>
+              <a:prstGeom prst="rightArrow">
+                <a:avLst/>
+              </a:prstGeom>
+              <a:noFill/>
+              <a:ln w="38100">
                 <a:solidFill>
                   <a:schemeClr val="bg2">
                     <a:lumMod val="25000"/>
                   </a:schemeClr>
                 </a:solidFill>
-                <a:latin typeface="HGSｺﾞｼｯｸE" panose="020B0900000000000000" pitchFamily="50" charset="-128"/>
-                <a:ea typeface="HGSｺﾞｼｯｸE" panose="020B0900000000000000" pitchFamily="50" charset="-128"/>
-              </a:rPr>
-              <a:t> </a:t>
-            </a:r>
-            <a:r>
-              <a:rPr lang="ja-JP" altLang="en-US" sz="2800" dirty="0">
+              </a:ln>
+            </p:spPr>
+            <p:style>
+              <a:lnRef idx="2">
+                <a:schemeClr val="accent1">
+                  <a:shade val="50000"/>
+                </a:schemeClr>
+              </a:lnRef>
+              <a:fillRef idx="1">
+                <a:schemeClr val="accent1"/>
+              </a:fillRef>
+              <a:effectRef idx="0">
+                <a:schemeClr val="accent1"/>
+              </a:effectRef>
+              <a:fontRef idx="minor">
+                <a:schemeClr val="lt1"/>
+              </a:fontRef>
+            </p:style>
+            <p:txBody>
+              <a:bodyPr rtlCol="0" anchor="ctr"/>
+              <a:lstStyle/>
+              <a:p>
+                <a:pPr algn="ctr"/>
+                <a:endParaRPr kumimoji="1" lang="ja-JP" altLang="en-US"/>
+              </a:p>
+            </p:txBody>
+          </p:sp>
+          <p:cxnSp>
+            <p:nvCxnSpPr>
+              <p:cNvPr id="25" name="直線コネクタ 24">
+                <a:extLst>
+                  <a:ext uri="{FF2B5EF4-FFF2-40B4-BE49-F238E27FC236}">
+                    <a16:creationId xmlns:a16="http://schemas.microsoft.com/office/drawing/2014/main" id="{FD2A41F9-33D3-F606-A1F5-80244E489AE3}"/>
+                  </a:ext>
+                </a:extLst>
+              </p:cNvPr>
+              <p:cNvCxnSpPr/>
+              <p:nvPr/>
+            </p:nvCxnSpPr>
+            <p:spPr>
+              <a:xfrm>
+                <a:off x="1860697" y="4210493"/>
+                <a:ext cx="4125433" cy="0"/>
+              </a:xfrm>
+              <a:prstGeom prst="line">
+                <a:avLst/>
+              </a:prstGeom>
+              <a:ln w="76200">
+                <a:solidFill>
+                  <a:srgbClr val="75F2FF"/>
+                </a:solidFill>
+              </a:ln>
+            </p:spPr>
+            <p:style>
+              <a:lnRef idx="1">
+                <a:schemeClr val="accent1"/>
+              </a:lnRef>
+              <a:fillRef idx="0">
+                <a:schemeClr val="accent1"/>
+              </a:fillRef>
+              <a:effectRef idx="0">
+                <a:schemeClr val="accent1"/>
+              </a:effectRef>
+              <a:fontRef idx="minor">
+                <a:schemeClr val="tx1"/>
+              </a:fontRef>
+            </p:style>
+          </p:cxnSp>
+        </p:grpSp>
+        <p:sp>
+          <p:nvSpPr>
+            <p:cNvPr id="27" name="吹き出し: 四角形 26">
+              <a:extLst>
+                <a:ext uri="{FF2B5EF4-FFF2-40B4-BE49-F238E27FC236}">
+                  <a16:creationId xmlns:a16="http://schemas.microsoft.com/office/drawing/2014/main" id="{7C9F45C4-F5EE-9546-6D32-9BC325E88234}"/>
+                </a:ext>
+              </a:extLst>
+            </p:cNvPr>
+            <p:cNvSpPr/>
+            <p:nvPr/>
+          </p:nvSpPr>
+          <p:spPr>
+            <a:xfrm>
+              <a:off x="967561" y="3747978"/>
+              <a:ext cx="2181447" cy="1020724"/>
+            </a:xfrm>
+            <a:prstGeom prst="wedgeRectCallout">
+              <a:avLst>
+                <a:gd name="adj1" fmla="val 75674"/>
+                <a:gd name="adj2" fmla="val -28433"/>
+              </a:avLst>
+            </a:prstGeom>
+            <a:solidFill>
+              <a:schemeClr val="bg2"/>
+            </a:solidFill>
+            <a:ln>
+              <a:noFill/>
+            </a:ln>
+          </p:spPr>
+          <p:style>
+            <a:lnRef idx="2">
+              <a:schemeClr val="accent1">
+                <a:shade val="50000"/>
+              </a:schemeClr>
+            </a:lnRef>
+            <a:fillRef idx="1">
+              <a:schemeClr val="accent1"/>
+            </a:fillRef>
+            <a:effectRef idx="0">
+              <a:schemeClr val="accent1"/>
+            </a:effectRef>
+            <a:fontRef idx="minor">
+              <a:schemeClr val="lt1"/>
+            </a:fontRef>
+          </p:style>
+          <p:txBody>
+            <a:bodyPr rtlCol="0" anchor="b"/>
+            <a:lstStyle/>
+            <a:p>
+              <a:r>
+                <a:rPr kumimoji="1" lang="ja-JP" altLang="en-US" sz="1400" b="1" dirty="0">
+                  <a:solidFill>
+                    <a:schemeClr val="bg2">
+                      <a:lumMod val="25000"/>
+                    </a:schemeClr>
+                  </a:solidFill>
+                </a:rPr>
+                <a:t>長押ししながら</a:t>
+              </a:r>
+              <a:r>
+                <a:rPr kumimoji="1" lang="en-US" altLang="ja-JP" sz="1400" b="1" dirty="0">
+                  <a:solidFill>
+                    <a:schemeClr val="bg2">
+                      <a:lumMod val="25000"/>
+                    </a:schemeClr>
+                  </a:solidFill>
+                </a:rPr>
+                <a:t>2</a:t>
+              </a:r>
+              <a:r>
+                <a:rPr kumimoji="1" lang="ja-JP" altLang="en-US" sz="1400" b="1" dirty="0">
+                  <a:solidFill>
+                    <a:schemeClr val="bg2">
+                      <a:lumMod val="25000"/>
+                    </a:schemeClr>
+                  </a:solidFill>
+                </a:rPr>
+                <a:t>つ同時にタップとさらに長押しもしなきゃ</a:t>
+              </a:r>
+              <a:r>
+                <a:rPr kumimoji="1" lang="en-US" altLang="ja-JP" sz="1400" b="1" dirty="0">
+                  <a:solidFill>
+                    <a:schemeClr val="bg2">
+                      <a:lumMod val="25000"/>
+                    </a:schemeClr>
+                  </a:solidFill>
+                </a:rPr>
+                <a:t>…</a:t>
+              </a:r>
+              <a:endParaRPr kumimoji="1" lang="ja-JP" altLang="en-US" sz="1400" b="1" dirty="0">
                 <a:solidFill>
                   <a:schemeClr val="bg2">
                     <a:lumMod val="25000"/>
                   </a:schemeClr>
                 </a:solidFill>
-                <a:latin typeface="HGSｺﾞｼｯｸE" panose="020B0900000000000000" pitchFamily="50" charset="-128"/>
-                <a:ea typeface="HGSｺﾞｼｯｸE" panose="020B0900000000000000" pitchFamily="50" charset="-128"/>
-              </a:rPr>
-              <a:t>ゲームの設計</a:t>
-            </a:r>
-            <a:r>
-              <a:rPr kumimoji="1" lang="ja-JP" altLang="en-US" sz="2800" dirty="0">
+              </a:endParaRPr>
+            </a:p>
+          </p:txBody>
+        </p:sp>
+        <p:sp>
+          <p:nvSpPr>
+            <p:cNvPr id="28" name="吹き出し: 四角形 27">
+              <a:extLst>
+                <a:ext uri="{FF2B5EF4-FFF2-40B4-BE49-F238E27FC236}">
+                  <a16:creationId xmlns:a16="http://schemas.microsoft.com/office/drawing/2014/main" id="{562EE68B-83CC-A26C-0CCA-83A290B70D16}"/>
+                </a:ext>
+              </a:extLst>
+            </p:cNvPr>
+            <p:cNvSpPr/>
+            <p:nvPr/>
+          </p:nvSpPr>
+          <p:spPr>
+            <a:xfrm>
+              <a:off x="8909196" y="3938430"/>
+              <a:ext cx="2516373" cy="830271"/>
+            </a:xfrm>
+            <a:prstGeom prst="wedgeRectCallout">
+              <a:avLst>
+                <a:gd name="adj1" fmla="val -86441"/>
+                <a:gd name="adj2" fmla="val 4308"/>
+              </a:avLst>
+            </a:prstGeom>
+            <a:solidFill>
+              <a:schemeClr val="bg2"/>
+            </a:solidFill>
+            <a:ln>
+              <a:noFill/>
+            </a:ln>
+          </p:spPr>
+          <p:style>
+            <a:lnRef idx="2">
+              <a:schemeClr val="accent1">
+                <a:shade val="50000"/>
+              </a:schemeClr>
+            </a:lnRef>
+            <a:fillRef idx="1">
+              <a:schemeClr val="accent1"/>
+            </a:fillRef>
+            <a:effectRef idx="0">
+              <a:schemeClr val="accent1"/>
+            </a:effectRef>
+            <a:fontRef idx="minor">
+              <a:schemeClr val="lt1"/>
+            </a:fontRef>
+          </p:style>
+          <p:txBody>
+            <a:bodyPr rtlCol="0" anchor="b"/>
+            <a:lstStyle/>
+            <a:p>
+              <a:r>
+                <a:rPr lang="ja-JP" altLang="en-US" sz="1400" b="1" dirty="0">
+                  <a:solidFill>
+                    <a:schemeClr val="bg2">
+                      <a:lumMod val="25000"/>
+                    </a:schemeClr>
+                  </a:solidFill>
+                </a:rPr>
+                <a:t>右</a:t>
+              </a:r>
+              <a:r>
+                <a:rPr kumimoji="1" lang="ja-JP" altLang="en-US" sz="1400" b="1" dirty="0">
+                  <a:solidFill>
+                    <a:schemeClr val="bg2">
+                      <a:lumMod val="25000"/>
+                    </a:schemeClr>
+                  </a:solidFill>
+                </a:rPr>
+                <a:t>フリックの後にタップと同時に下フリックしなきゃ</a:t>
+              </a:r>
+              <a:r>
+                <a:rPr kumimoji="1" lang="en-US" altLang="ja-JP" sz="1400" b="1" dirty="0">
+                  <a:solidFill>
+                    <a:schemeClr val="bg2">
+                      <a:lumMod val="25000"/>
+                    </a:schemeClr>
+                  </a:solidFill>
+                </a:rPr>
+                <a:t>…</a:t>
+              </a:r>
+              <a:endParaRPr kumimoji="1" lang="ja-JP" altLang="en-US" sz="1400" b="1" dirty="0">
                 <a:solidFill>
                   <a:schemeClr val="bg2">
                     <a:lumMod val="25000"/>
                   </a:schemeClr>
                 </a:solidFill>
-                <a:latin typeface="HGSｺﾞｼｯｸE" panose="020B0900000000000000" pitchFamily="50" charset="-128"/>
-                <a:ea typeface="HGSｺﾞｼｯｸE" panose="020B0900000000000000" pitchFamily="50" charset="-128"/>
-              </a:rPr>
-              <a:t> </a:t>
-            </a:r>
-            <a:r>
-              <a:rPr kumimoji="1" lang="en-US" altLang="ja-JP" sz="2800" dirty="0">
+              </a:endParaRPr>
+            </a:p>
+          </p:txBody>
+        </p:sp>
+        <p:pic>
+          <p:nvPicPr>
+            <p:cNvPr id="30" name="グラフィックス 29" descr="挙手">
+              <a:extLst>
+                <a:ext uri="{FF2B5EF4-FFF2-40B4-BE49-F238E27FC236}">
+                  <a16:creationId xmlns:a16="http://schemas.microsoft.com/office/drawing/2014/main" id="{94D540A8-98BE-A47A-F9B0-6E950515B663}"/>
+                </a:ext>
+              </a:extLst>
+            </p:cNvPr>
+            <p:cNvPicPr>
+              <a:picLocks noChangeAspect="1"/>
+            </p:cNvPicPr>
+            <p:nvPr/>
+          </p:nvPicPr>
+          <p:blipFill>
+            <a:blip r:embed="rId2">
+              <a:extLst>
+                <a:ext uri="{28A0092B-C50C-407E-A947-70E740481C1C}">
+                  <a14:useLocalDpi xmlns:a14="http://schemas.microsoft.com/office/drawing/2010/main" val="0"/>
+                </a:ext>
+                <a:ext uri="{96DAC541-7B7A-43D3-8B79-37D633B846F1}">
+                  <asvg:svgBlip xmlns:asvg="http://schemas.microsoft.com/office/drawing/2016/SVG/main" r:embed="rId3"/>
+                </a:ext>
+              </a:extLst>
+            </a:blip>
+            <a:stretch>
+              <a:fillRect/>
+            </a:stretch>
+          </p:blipFill>
+          <p:spPr>
+            <a:xfrm>
+              <a:off x="967560" y="3099391"/>
+              <a:ext cx="978197" cy="914400"/>
+            </a:xfrm>
+            <a:prstGeom prst="rect">
+              <a:avLst/>
+            </a:prstGeom>
+          </p:spPr>
+        </p:pic>
+        <p:pic>
+          <p:nvPicPr>
+            <p:cNvPr id="31" name="グラフィックス 30" descr="挙手">
+              <a:extLst>
+                <a:ext uri="{FF2B5EF4-FFF2-40B4-BE49-F238E27FC236}">
+                  <a16:creationId xmlns:a16="http://schemas.microsoft.com/office/drawing/2014/main" id="{8CD7ADC0-477F-5650-F6EA-0F20A83DD961}"/>
+                </a:ext>
+              </a:extLst>
+            </p:cNvPr>
+            <p:cNvPicPr>
+              <a:picLocks noChangeAspect="1"/>
+            </p:cNvPicPr>
+            <p:nvPr/>
+          </p:nvPicPr>
+          <p:blipFill>
+            <a:blip r:embed="rId2">
+              <a:extLst>
+                <a:ext uri="{28A0092B-C50C-407E-A947-70E740481C1C}">
+                  <a14:useLocalDpi xmlns:a14="http://schemas.microsoft.com/office/drawing/2010/main" val="0"/>
+                </a:ext>
+                <a:ext uri="{96DAC541-7B7A-43D3-8B79-37D633B846F1}">
+                  <asvg:svgBlip xmlns:asvg="http://schemas.microsoft.com/office/drawing/2016/SVG/main" r:embed="rId3"/>
+                </a:ext>
+              </a:extLst>
+            </a:blip>
+            <a:stretch>
+              <a:fillRect/>
+            </a:stretch>
+          </p:blipFill>
+          <p:spPr>
+            <a:xfrm flipH="1">
+              <a:off x="10246242" y="3288119"/>
+              <a:ext cx="978197" cy="914400"/>
+            </a:xfrm>
+            <a:prstGeom prst="rect">
+              <a:avLst/>
+            </a:prstGeom>
+          </p:spPr>
+        </p:pic>
+        <p:sp>
+          <p:nvSpPr>
+            <p:cNvPr id="32" name="テキスト ボックス 31">
+              <a:extLst>
+                <a:ext uri="{FF2B5EF4-FFF2-40B4-BE49-F238E27FC236}">
+                  <a16:creationId xmlns:a16="http://schemas.microsoft.com/office/drawing/2014/main" id="{2FA4F2BC-A978-A309-C701-661321D0B30B}"/>
+                </a:ext>
+              </a:extLst>
+            </p:cNvPr>
+            <p:cNvSpPr txBox="1"/>
+            <p:nvPr/>
+          </p:nvSpPr>
+          <p:spPr>
+            <a:xfrm>
+              <a:off x="1724689" y="3618358"/>
+              <a:ext cx="1163378" cy="461665"/>
+            </a:xfrm>
+            <a:prstGeom prst="rect">
+              <a:avLst/>
+            </a:prstGeom>
+            <a:noFill/>
+          </p:spPr>
+          <p:txBody>
+            <a:bodyPr wrap="square" rtlCol="0">
+              <a:spAutoFit/>
+            </a:bodyPr>
+            <a:lstStyle/>
+            <a:p>
+              <a:r>
+                <a:rPr lang="ja-JP" altLang="en-US" sz="2400" b="1" dirty="0">
+                  <a:solidFill>
+                    <a:schemeClr val="bg2">
+                      <a:lumMod val="25000"/>
+                    </a:schemeClr>
+                  </a:solidFill>
+                </a:rPr>
+                <a:t>みぎて</a:t>
+              </a:r>
+              <a:endParaRPr kumimoji="1" lang="ja-JP" altLang="en-US" sz="2400" b="1" dirty="0">
                 <a:solidFill>
                   <a:schemeClr val="bg2">
                     <a:lumMod val="25000"/>
                   </a:schemeClr>
                 </a:solidFill>
-                <a:latin typeface="HGSｺﾞｼｯｸE" panose="020B0900000000000000" pitchFamily="50" charset="-128"/>
-                <a:ea typeface="HGSｺﾞｼｯｸE" panose="020B0900000000000000" pitchFamily="50" charset="-128"/>
-              </a:rPr>
-              <a:t>-</a:t>
-            </a:r>
-            <a:br>
-              <a:rPr kumimoji="1" lang="en-US" altLang="ja-JP" sz="4000" dirty="0">
-                <a:solidFill>
-                  <a:schemeClr val="bg2">
-                    <a:lumMod val="25000"/>
-                  </a:schemeClr>
-                </a:solidFill>
-              </a:rPr>
-            </a:br>
-            <a:r>
-              <a:rPr kumimoji="1" lang="en-US" altLang="ja-JP" sz="2000" dirty="0">
-                <a:solidFill>
-                  <a:schemeClr val="bg2">
-                    <a:lumMod val="50000"/>
-                  </a:schemeClr>
-                </a:solidFill>
-                <a:latin typeface="Bahnschrift SemiLight" panose="020B0502040204020203" pitchFamily="34" charset="0"/>
-                <a:cs typeface="Adobe Devanagari" panose="02040503050201020203" pitchFamily="18" charset="0"/>
-              </a:rPr>
-              <a:t>Game Design</a:t>
-            </a:r>
-            <a:endParaRPr kumimoji="1" lang="ja-JP" altLang="en-US" sz="4000" dirty="0">
-              <a:solidFill>
-                <a:schemeClr val="bg2">
-                  <a:lumMod val="50000"/>
-                </a:schemeClr>
-              </a:solidFill>
-              <a:latin typeface="Bahnschrift SemiLight" panose="020B0502040204020203" pitchFamily="34" charset="0"/>
-              <a:cs typeface="Adobe Devanagari" panose="02040503050201020203" pitchFamily="18" charset="0"/>
-            </a:endParaRPr>
-          </a:p>
-        </p:txBody>
-      </p:sp>
-      <p:sp>
-        <p:nvSpPr>
-          <p:cNvPr id="3" name="コンテンツ プレースホルダー 2">
+              </a:endParaRPr>
+            </a:p>
+          </p:txBody>
+        </p:sp>
+        <p:sp>
+          <p:nvSpPr>
+            <p:cNvPr id="33" name="テキスト ボックス 32">
+              <a:extLst>
+                <a:ext uri="{FF2B5EF4-FFF2-40B4-BE49-F238E27FC236}">
+                  <a16:creationId xmlns:a16="http://schemas.microsoft.com/office/drawing/2014/main" id="{87460F3D-43E9-25ED-B961-D17C5ECD7BB1}"/>
+                </a:ext>
+              </a:extLst>
+            </p:cNvPr>
+            <p:cNvSpPr txBox="1"/>
+            <p:nvPr/>
+          </p:nvSpPr>
+          <p:spPr>
+            <a:xfrm>
+              <a:off x="8996030" y="3793112"/>
+              <a:ext cx="1586912" cy="461665"/>
+            </a:xfrm>
+            <a:prstGeom prst="rect">
+              <a:avLst/>
+            </a:prstGeom>
+            <a:noFill/>
+          </p:spPr>
+          <p:txBody>
+            <a:bodyPr wrap="square" rtlCol="0">
+              <a:spAutoFit/>
+            </a:bodyPr>
+            <a:lstStyle/>
+            <a:p>
+              <a:r>
+                <a:rPr kumimoji="1" lang="ja-JP" altLang="en-US" sz="2400" b="1" dirty="0">
+                  <a:solidFill>
+                    <a:schemeClr val="bg2">
+                      <a:lumMod val="25000"/>
+                    </a:schemeClr>
+                  </a:solidFill>
+                </a:rPr>
+                <a:t>ひだりて</a:t>
+              </a:r>
+            </a:p>
+          </p:txBody>
+        </p:sp>
+      </p:grpSp>
+      <p:grpSp>
+        <p:nvGrpSpPr>
+          <p:cNvPr id="40" name="グループ化 39">
             <a:extLst>
               <a:ext uri="{FF2B5EF4-FFF2-40B4-BE49-F238E27FC236}">
-                <a16:creationId xmlns:a16="http://schemas.microsoft.com/office/drawing/2014/main" id="{6674BED4-2A0B-7DD7-4F93-0063E0CF03E0}"/>
+                <a16:creationId xmlns:a16="http://schemas.microsoft.com/office/drawing/2014/main" id="{5C081011-D011-7E89-B26B-6836829C32A9}"/>
               </a:ext>
             </a:extLst>
           </p:cNvPr>
-          <p:cNvSpPr>
-            <a:spLocks noGrp="1"/>
-          </p:cNvSpPr>
-          <p:nvPr>
-            <p:ph idx="1"/>
-          </p:nvPr>
-        </p:nvSpPr>
-        <p:spPr/>
-        <p:txBody>
-          <a:bodyPr/>
-          <a:lstStyle/>
-          <a:p>
-            <a:r>
-              <a:rPr kumimoji="1" lang="ja-JP" altLang="en-US" dirty="0"/>
-              <a:t>なぜこのルールにしたのかの説明</a:t>
-            </a:r>
-            <a:endParaRPr kumimoji="1" lang="en-US" altLang="ja-JP" dirty="0"/>
-          </a:p>
-          <a:p>
-            <a:pPr lvl="1"/>
-            <a:r>
-              <a:rPr lang="ja-JP" altLang="en-US" dirty="0"/>
-              <a:t>ターゲットは</a:t>
-            </a:r>
-            <a:r>
-              <a:rPr lang="en-US" altLang="ja-JP" dirty="0"/>
-              <a:t>10</a:t>
-            </a:r>
-            <a:r>
-              <a:rPr lang="ja-JP" altLang="en-US" dirty="0"/>
-              <a:t>代～自分と同じくらいの年齢層</a:t>
-            </a:r>
-            <a:endParaRPr lang="en-US" altLang="ja-JP" dirty="0"/>
-          </a:p>
-          <a:p>
-            <a:pPr lvl="1"/>
-            <a:r>
-              <a:rPr kumimoji="1" lang="ja-JP" altLang="en-US" dirty="0"/>
-              <a:t>パズルゲームとリズムゲームが乖離しないように</a:t>
-            </a:r>
-            <a:endParaRPr kumimoji="1" lang="en-US" altLang="ja-JP" dirty="0"/>
-          </a:p>
-          <a:p>
-            <a:pPr lvl="2"/>
-            <a:r>
-              <a:rPr kumimoji="1" lang="ja-JP" altLang="en-US" dirty="0"/>
-              <a:t>パズルゲームの結果がリズムゲームの難易度、音に関わる</a:t>
-            </a:r>
-            <a:endParaRPr kumimoji="1" lang="en-US" altLang="ja-JP" dirty="0"/>
-          </a:p>
-          <a:p>
-            <a:pPr lvl="1"/>
-            <a:r>
-              <a:rPr lang="ja-JP" altLang="en-US" dirty="0"/>
-              <a:t>ステップシーケンサーの特徴である音の重なりを阻害しない</a:t>
-            </a:r>
-            <a:endParaRPr lang="en-US" altLang="ja-JP" dirty="0"/>
-          </a:p>
-          <a:p>
-            <a:pPr lvl="1"/>
-            <a:r>
-              <a:rPr kumimoji="1" lang="ja-JP" altLang="en-US" dirty="0"/>
-              <a:t>パズルゲームとしてもリズムゲームとしても手ごたえがある</a:t>
-            </a:r>
-            <a:endParaRPr kumimoji="1" lang="en-US" altLang="ja-JP" dirty="0"/>
-          </a:p>
-          <a:p>
-            <a:pPr lvl="2"/>
-            <a:r>
-              <a:rPr kumimoji="1" lang="ja-JP" altLang="en-US" dirty="0"/>
-              <a:t>参考事例の作品はリズムゲームの要素が薄い（タイミングよく押せば良いだけで、リズムゲーム特有の長押し等のギミックが無い）</a:t>
-            </a:r>
-            <a:endParaRPr lang="en-US" altLang="ja-JP" dirty="0"/>
-          </a:p>
-        </p:txBody>
-      </p:sp>
-    </p:spTree>
-    <p:extLst>
-      <p:ext uri="{BB962C8B-B14F-4D97-AF65-F5344CB8AC3E}">
-        <p14:creationId xmlns:p14="http://schemas.microsoft.com/office/powerpoint/2010/main" val="3310351774"/>
-      </p:ext>
-    </p:extLst>
-  </p:cSld>
-  <p:clrMapOvr>
-    <a:masterClrMapping/>
-  </p:clrMapOvr>
-</p:sld>
-</file>
-
-<file path=ppt/slides/slide9.xml><?xml version="1.0" encoding="utf-8"?>
-<p:sld xmlns:a="http://schemas.openxmlformats.org/drawingml/2006/main" xmlns:r="http://schemas.openxmlformats.org/officeDocument/2006/relationships" xmlns:p="http://schemas.openxmlformats.org/presentationml/2006/main">
-  <p:cSld>
-    <p:spTree>
-      <p:nvGrpSpPr>
-        <p:cNvPr id="1" name=""/>
-        <p:cNvGrpSpPr/>
-        <p:nvPr/>
-      </p:nvGrpSpPr>
-      <p:grpSpPr>
-        <a:xfrm>
-          <a:off x="0" y="0"/>
-          <a:ext cx="0" cy="0"/>
-          <a:chOff x="0" y="0"/>
-          <a:chExt cx="0" cy="0"/>
-        </a:xfrm>
-      </p:grpSpPr>
+          <p:cNvGrpSpPr/>
+          <p:nvPr/>
+        </p:nvGrpSpPr>
+        <p:grpSpPr>
+          <a:xfrm>
+            <a:off x="7387858" y="4332307"/>
+            <a:ext cx="2043223" cy="851231"/>
+            <a:chOff x="8646929" y="4283842"/>
+            <a:chExt cx="2043223" cy="851231"/>
+          </a:xfrm>
+        </p:grpSpPr>
+        <p:grpSp>
+          <p:nvGrpSpPr>
+            <p:cNvPr id="38" name="グループ化 37">
+              <a:extLst>
+                <a:ext uri="{FF2B5EF4-FFF2-40B4-BE49-F238E27FC236}">
+                  <a16:creationId xmlns:a16="http://schemas.microsoft.com/office/drawing/2014/main" id="{6F27E3CA-4F7B-674A-C891-79B9C53128A2}"/>
+                </a:ext>
+              </a:extLst>
+            </p:cNvPr>
+            <p:cNvGrpSpPr/>
+            <p:nvPr/>
+          </p:nvGrpSpPr>
+          <p:grpSpPr>
+            <a:xfrm>
+              <a:off x="9095268" y="4603445"/>
+              <a:ext cx="1594884" cy="531628"/>
+              <a:chOff x="2064490" y="5634868"/>
+              <a:chExt cx="1594884" cy="531628"/>
+            </a:xfrm>
+          </p:grpSpPr>
+          <p:sp>
+            <p:nvSpPr>
+              <p:cNvPr id="35" name="正方形/長方形 34">
+                <a:extLst>
+                  <a:ext uri="{FF2B5EF4-FFF2-40B4-BE49-F238E27FC236}">
+                    <a16:creationId xmlns:a16="http://schemas.microsoft.com/office/drawing/2014/main" id="{8D1604E0-0F21-9C76-8753-2244877FCB9E}"/>
+                  </a:ext>
+                </a:extLst>
+              </p:cNvPr>
+              <p:cNvSpPr/>
+              <p:nvPr/>
+            </p:nvSpPr>
+            <p:spPr>
+              <a:xfrm>
+                <a:off x="2064490" y="5634868"/>
+                <a:ext cx="531628" cy="531628"/>
+              </a:xfrm>
+              <a:prstGeom prst="rect">
+                <a:avLst/>
+              </a:prstGeom>
+              <a:solidFill>
+                <a:srgbClr val="0070C0"/>
+              </a:solidFill>
+              <a:ln>
+                <a:solidFill>
+                  <a:schemeClr val="bg1">
+                    <a:lumMod val="95000"/>
+                  </a:schemeClr>
+                </a:solidFill>
+              </a:ln>
+            </p:spPr>
+            <p:style>
+              <a:lnRef idx="2">
+                <a:schemeClr val="accent1">
+                  <a:shade val="50000"/>
+                </a:schemeClr>
+              </a:lnRef>
+              <a:fillRef idx="1">
+                <a:schemeClr val="accent1"/>
+              </a:fillRef>
+              <a:effectRef idx="0">
+                <a:schemeClr val="accent1"/>
+              </a:effectRef>
+              <a:fontRef idx="minor">
+                <a:schemeClr val="lt1"/>
+              </a:fontRef>
+            </p:style>
+            <p:txBody>
+              <a:bodyPr rtlCol="0" anchor="ctr"/>
+              <a:lstStyle/>
+              <a:p>
+                <a:pPr algn="ctr"/>
+                <a:endParaRPr kumimoji="1" lang="ja-JP" altLang="en-US"/>
+              </a:p>
+            </p:txBody>
+          </p:sp>
+          <p:sp>
+            <p:nvSpPr>
+              <p:cNvPr id="36" name="正方形/長方形 35">
+                <a:extLst>
+                  <a:ext uri="{FF2B5EF4-FFF2-40B4-BE49-F238E27FC236}">
+                    <a16:creationId xmlns:a16="http://schemas.microsoft.com/office/drawing/2014/main" id="{6CDE933A-1584-B4B5-A739-8FC0C306003C}"/>
+                  </a:ext>
+                </a:extLst>
+              </p:cNvPr>
+              <p:cNvSpPr/>
+              <p:nvPr/>
+            </p:nvSpPr>
+            <p:spPr>
+              <a:xfrm>
+                <a:off x="2596118" y="5634868"/>
+                <a:ext cx="531628" cy="531628"/>
+              </a:xfrm>
+              <a:prstGeom prst="rect">
+                <a:avLst/>
+              </a:prstGeom>
+              <a:solidFill>
+                <a:srgbClr val="0070C0"/>
+              </a:solidFill>
+              <a:ln>
+                <a:solidFill>
+                  <a:schemeClr val="bg1">
+                    <a:lumMod val="95000"/>
+                  </a:schemeClr>
+                </a:solidFill>
+              </a:ln>
+            </p:spPr>
+            <p:style>
+              <a:lnRef idx="2">
+                <a:schemeClr val="accent1">
+                  <a:shade val="50000"/>
+                </a:schemeClr>
+              </a:lnRef>
+              <a:fillRef idx="1">
+                <a:schemeClr val="accent1"/>
+              </a:fillRef>
+              <a:effectRef idx="0">
+                <a:schemeClr val="accent1"/>
+              </a:effectRef>
+              <a:fontRef idx="minor">
+                <a:schemeClr val="lt1"/>
+              </a:fontRef>
+            </p:style>
+            <p:txBody>
+              <a:bodyPr rtlCol="0" anchor="t"/>
+              <a:lstStyle/>
+              <a:p>
+                <a:pPr algn="ctr"/>
+                <a:endParaRPr kumimoji="1" lang="ja-JP" altLang="en-US" sz="3600" b="1" dirty="0">
+                  <a:solidFill>
+                    <a:schemeClr val="bg2">
+                      <a:lumMod val="25000"/>
+                    </a:schemeClr>
+                  </a:solidFill>
+                </a:endParaRPr>
+              </a:p>
+            </p:txBody>
+          </p:sp>
+          <p:sp>
+            <p:nvSpPr>
+              <p:cNvPr id="37" name="正方形/長方形 36">
+                <a:extLst>
+                  <a:ext uri="{FF2B5EF4-FFF2-40B4-BE49-F238E27FC236}">
+                    <a16:creationId xmlns:a16="http://schemas.microsoft.com/office/drawing/2014/main" id="{85A99506-2302-B096-4D27-05854C15BEBE}"/>
+                  </a:ext>
+                </a:extLst>
+              </p:cNvPr>
+              <p:cNvSpPr/>
+              <p:nvPr/>
+            </p:nvSpPr>
+            <p:spPr>
+              <a:xfrm>
+                <a:off x="3127746" y="5634868"/>
+                <a:ext cx="531628" cy="531628"/>
+              </a:xfrm>
+              <a:prstGeom prst="rect">
+                <a:avLst/>
+              </a:prstGeom>
+              <a:solidFill>
+                <a:srgbClr val="0070C0"/>
+              </a:solidFill>
+              <a:ln>
+                <a:solidFill>
+                  <a:schemeClr val="bg1">
+                    <a:lumMod val="95000"/>
+                  </a:schemeClr>
+                </a:solidFill>
+              </a:ln>
+            </p:spPr>
+            <p:style>
+              <a:lnRef idx="2">
+                <a:schemeClr val="accent1">
+                  <a:shade val="50000"/>
+                </a:schemeClr>
+              </a:lnRef>
+              <a:fillRef idx="1">
+                <a:schemeClr val="accent1"/>
+              </a:fillRef>
+              <a:effectRef idx="0">
+                <a:schemeClr val="accent1"/>
+              </a:effectRef>
+              <a:fontRef idx="minor">
+                <a:schemeClr val="lt1"/>
+              </a:fontRef>
+            </p:style>
+            <p:txBody>
+              <a:bodyPr rtlCol="0" anchor="ctr"/>
+              <a:lstStyle/>
+              <a:p>
+                <a:pPr algn="ctr"/>
+                <a:endParaRPr kumimoji="1" lang="ja-JP" altLang="en-US"/>
+              </a:p>
+            </p:txBody>
+          </p:sp>
+        </p:grpSp>
+        <p:sp>
+          <p:nvSpPr>
+            <p:cNvPr id="39" name="テキスト ボックス 38">
+              <a:extLst>
+                <a:ext uri="{FF2B5EF4-FFF2-40B4-BE49-F238E27FC236}">
+                  <a16:creationId xmlns:a16="http://schemas.microsoft.com/office/drawing/2014/main" id="{48E1BB25-AA36-48F7-507C-8A688EE28B40}"/>
+                </a:ext>
+              </a:extLst>
+            </p:cNvPr>
+            <p:cNvSpPr txBox="1"/>
+            <p:nvPr/>
+          </p:nvSpPr>
+          <p:spPr>
+            <a:xfrm>
+              <a:off x="8646929" y="4283842"/>
+              <a:ext cx="1607289" cy="369332"/>
+            </a:xfrm>
+            <a:prstGeom prst="rect">
+              <a:avLst/>
+            </a:prstGeom>
+            <a:noFill/>
+          </p:spPr>
+          <p:txBody>
+            <a:bodyPr wrap="square" rtlCol="0">
+              <a:spAutoFit/>
+            </a:bodyPr>
+            <a:lstStyle/>
+            <a:p>
+              <a:r>
+                <a:rPr kumimoji="1" lang="ja-JP" altLang="en-US" b="1" dirty="0">
+                  <a:solidFill>
+                    <a:schemeClr val="bg2">
+                      <a:lumMod val="25000"/>
+                    </a:schemeClr>
+                  </a:solidFill>
+                </a:rPr>
+                <a:t>これで</a:t>
+              </a:r>
+              <a:r>
+                <a:rPr kumimoji="1" lang="en-US" altLang="ja-JP" b="1" dirty="0">
+                  <a:solidFill>
+                    <a:schemeClr val="bg2">
+                      <a:lumMod val="25000"/>
+                    </a:schemeClr>
+                  </a:solidFill>
+                </a:rPr>
+                <a:t>3</a:t>
+              </a:r>
+              <a:r>
+                <a:rPr kumimoji="1" lang="ja-JP" altLang="en-US" b="1" dirty="0">
+                  <a:solidFill>
+                    <a:schemeClr val="bg2">
+                      <a:lumMod val="25000"/>
+                    </a:schemeClr>
+                  </a:solidFill>
+                </a:rPr>
+                <a:t>点</a:t>
+              </a:r>
+            </a:p>
+          </p:txBody>
+        </p:sp>
+      </p:grpSp>
       <p:sp>
         <p:nvSpPr>
-          <p:cNvPr id="2" name="タイトル 1">
+          <p:cNvPr id="41" name="吹き出し: 四角形 40">
             <a:extLst>
               <a:ext uri="{FF2B5EF4-FFF2-40B4-BE49-F238E27FC236}">
-                <a16:creationId xmlns:a16="http://schemas.microsoft.com/office/drawing/2014/main" id="{8C792EF1-1AA8-EC3F-2E1B-7702D332AED7}"/>
-              </a:ext>
-            </a:extLst>
-          </p:cNvPr>
-          <p:cNvSpPr>
-            <a:spLocks noGrp="1"/>
-          </p:cNvSpPr>
-          <p:nvPr>
-            <p:ph type="title"/>
-          </p:nvPr>
-        </p:nvSpPr>
-        <p:spPr/>
-        <p:txBody>
-          <a:bodyPr>
-            <a:normAutofit/>
-          </a:bodyPr>
-          <a:lstStyle/>
-          <a:p>
-            <a:r>
-              <a:rPr kumimoji="1" lang="en-US" altLang="ja-JP" sz="2800" dirty="0">
-                <a:solidFill>
-                  <a:schemeClr val="bg2">
-                    <a:lumMod val="25000"/>
-                  </a:schemeClr>
-                </a:solidFill>
-                <a:latin typeface="HGSｺﾞｼｯｸE" panose="020B0900000000000000" pitchFamily="50" charset="-128"/>
-                <a:ea typeface="HGSｺﾞｼｯｸE" panose="020B0900000000000000" pitchFamily="50" charset="-128"/>
-              </a:rPr>
-              <a:t>-</a:t>
-            </a:r>
-            <a:r>
-              <a:rPr kumimoji="1" lang="ja-JP" altLang="en-US" sz="2800" dirty="0">
-                <a:solidFill>
-                  <a:schemeClr val="bg2">
-                    <a:lumMod val="25000"/>
-                  </a:schemeClr>
-                </a:solidFill>
-                <a:latin typeface="HGSｺﾞｼｯｸE" panose="020B0900000000000000" pitchFamily="50" charset="-128"/>
-                <a:ea typeface="HGSｺﾞｼｯｸE" panose="020B0900000000000000" pitchFamily="50" charset="-128"/>
-              </a:rPr>
-              <a:t> ゲームのルール </a:t>
-            </a:r>
-            <a:r>
-              <a:rPr kumimoji="1" lang="en-US" altLang="ja-JP" sz="2800" dirty="0">
-                <a:solidFill>
-                  <a:schemeClr val="bg2">
-                    <a:lumMod val="25000"/>
-                  </a:schemeClr>
-                </a:solidFill>
-                <a:latin typeface="HGSｺﾞｼｯｸE" panose="020B0900000000000000" pitchFamily="50" charset="-128"/>
-                <a:ea typeface="HGSｺﾞｼｯｸE" panose="020B0900000000000000" pitchFamily="50" charset="-128"/>
-              </a:rPr>
-              <a:t>-</a:t>
-            </a:r>
-            <a:br>
-              <a:rPr kumimoji="1" lang="en-US" altLang="ja-JP" sz="4000" dirty="0">
-                <a:solidFill>
-                  <a:schemeClr val="bg2">
-                    <a:lumMod val="25000"/>
-                  </a:schemeClr>
-                </a:solidFill>
-              </a:rPr>
-            </a:br>
-            <a:r>
-              <a:rPr kumimoji="1" lang="en-US" altLang="ja-JP" sz="2000" dirty="0">
-                <a:solidFill>
-                  <a:schemeClr val="bg2">
-                    <a:lumMod val="50000"/>
-                  </a:schemeClr>
-                </a:solidFill>
-                <a:latin typeface="Bahnschrift SemiLight" panose="020B0502040204020203" pitchFamily="34" charset="0"/>
-                <a:cs typeface="Adobe Devanagari" panose="02040503050201020203" pitchFamily="18" charset="0"/>
-              </a:rPr>
-              <a:t>Game rules</a:t>
-            </a:r>
-            <a:endParaRPr kumimoji="1" lang="ja-JP" altLang="en-US" sz="4000" dirty="0">
-              <a:solidFill>
-                <a:schemeClr val="bg2">
-                  <a:lumMod val="50000"/>
-                </a:schemeClr>
-              </a:solidFill>
-              <a:latin typeface="Bahnschrift SemiLight" panose="020B0502040204020203" pitchFamily="34" charset="0"/>
-              <a:cs typeface="Adobe Devanagari" panose="02040503050201020203" pitchFamily="18" charset="0"/>
-            </a:endParaRPr>
-          </a:p>
-        </p:txBody>
-      </p:sp>
-      <p:sp>
-        <p:nvSpPr>
-          <p:cNvPr id="3" name="コンテンツ プレースホルダー 2">
-            <a:extLst>
-              <a:ext uri="{FF2B5EF4-FFF2-40B4-BE49-F238E27FC236}">
-                <a16:creationId xmlns:a16="http://schemas.microsoft.com/office/drawing/2014/main" id="{6674BED4-2A0B-7DD7-4F93-0063E0CF03E0}"/>
-              </a:ext>
-            </a:extLst>
-          </p:cNvPr>
-          <p:cNvSpPr>
-            <a:spLocks noGrp="1"/>
-          </p:cNvSpPr>
-          <p:nvPr>
-            <p:ph idx="1"/>
-          </p:nvPr>
-        </p:nvSpPr>
-        <p:spPr>
-          <a:xfrm>
-            <a:off x="838200" y="-4351338"/>
-            <a:ext cx="10515600" cy="4351338"/>
-          </a:xfrm>
-        </p:spPr>
-        <p:txBody>
-          <a:bodyPr/>
-          <a:lstStyle/>
-          <a:p>
-            <a:r>
-              <a:rPr kumimoji="1" lang="ja-JP" altLang="en-US" dirty="0"/>
-              <a:t>ルール（おおまかな流れの説明）</a:t>
-            </a:r>
-            <a:endParaRPr kumimoji="1" lang="en-US" altLang="ja-JP" dirty="0"/>
-          </a:p>
-          <a:p>
-            <a:pPr lvl="1"/>
-            <a:r>
-              <a:rPr lang="ja-JP" altLang="en-US" dirty="0"/>
-              <a:t>最初の</a:t>
-            </a:r>
-            <a:r>
-              <a:rPr lang="en-US" altLang="ja-JP" dirty="0"/>
-              <a:t>16</a:t>
-            </a:r>
-            <a:r>
-              <a:rPr lang="ja-JP" altLang="en-US" dirty="0"/>
-              <a:t>拍でパズルゲームをして、その後</a:t>
-            </a:r>
-            <a:r>
-              <a:rPr lang="en-US" altLang="ja-JP" dirty="0"/>
-              <a:t>8</a:t>
-            </a:r>
-            <a:r>
-              <a:rPr lang="ja-JP" altLang="en-US" dirty="0"/>
-              <a:t>拍でリズムゲームを行う</a:t>
-            </a:r>
-            <a:endParaRPr lang="en-US" altLang="ja-JP" dirty="0"/>
-          </a:p>
-          <a:p>
-            <a:pPr lvl="1"/>
-            <a:r>
-              <a:rPr lang="ja-JP" altLang="en-US" dirty="0"/>
-              <a:t>パズルのピースは上下左右に</a:t>
-            </a:r>
-            <a:r>
-              <a:rPr lang="en-US" altLang="ja-JP" dirty="0"/>
-              <a:t>1</a:t>
-            </a:r>
-            <a:r>
-              <a:rPr lang="ja-JP" altLang="en-US" dirty="0"/>
-              <a:t>マスしか動かせない</a:t>
-            </a:r>
-            <a:endParaRPr lang="en-US" altLang="ja-JP" dirty="0"/>
-          </a:p>
-          <a:p>
-            <a:pPr lvl="1"/>
-            <a:r>
-              <a:rPr kumimoji="1" lang="en-US" altLang="ja-JP" dirty="0"/>
-              <a:t>3</a:t>
-            </a:r>
-            <a:r>
-              <a:rPr kumimoji="1" lang="ja-JP" altLang="en-US" dirty="0"/>
-              <a:t>つ以上そろうと、操作したピースの位置にノーツができ</a:t>
-            </a:r>
-            <a:r>
-              <a:rPr lang="ja-JP" altLang="en-US" dirty="0"/>
-              <a:t>る。（連鎖ではノーツはできない）</a:t>
-            </a:r>
-            <a:endParaRPr lang="en-US" altLang="ja-JP" dirty="0"/>
-          </a:p>
-          <a:p>
-            <a:pPr lvl="1"/>
-            <a:r>
-              <a:rPr kumimoji="1" lang="ja-JP" altLang="en-US" dirty="0"/>
-              <a:t>リズムゲームはバーとノーツが重なったタイミングでノーツに合った操作をする。</a:t>
-            </a:r>
-            <a:endParaRPr kumimoji="1" lang="en-US" altLang="ja-JP" dirty="0"/>
-          </a:p>
-          <a:p>
-            <a:pPr lvl="1"/>
-            <a:r>
-              <a:rPr kumimoji="1" lang="ja-JP" altLang="en-US" dirty="0"/>
-              <a:t>これを繰り返す。</a:t>
-            </a:r>
-            <a:endParaRPr kumimoji="1" lang="en-US" altLang="ja-JP" dirty="0"/>
-          </a:p>
-          <a:p>
-            <a:pPr marL="457200" lvl="1" indent="0">
-              <a:buNone/>
-            </a:pPr>
-            <a:endParaRPr kumimoji="1" lang="ja-JP" altLang="en-US" dirty="0"/>
-          </a:p>
-        </p:txBody>
-      </p:sp>
-      <p:sp>
-        <p:nvSpPr>
-          <p:cNvPr id="4" name="四角形: 角を丸くする 3">
-            <a:extLst>
-              <a:ext uri="{FF2B5EF4-FFF2-40B4-BE49-F238E27FC236}">
-                <a16:creationId xmlns:a16="http://schemas.microsoft.com/office/drawing/2014/main" id="{070618F8-85F6-1FF1-10A6-F4BAEE45B804}"/>
+                <a16:creationId xmlns:a16="http://schemas.microsoft.com/office/drawing/2014/main" id="{94A80920-D120-9192-3069-934549DF5F1A}"/>
               </a:ext>
             </a:extLst>
           </p:cNvPr>
@@ -10202,18 +13458,17 @@
         </p:nvSpPr>
         <p:spPr>
           <a:xfrm>
-            <a:off x="641684" y="1690688"/>
-            <a:ext cx="5069305" cy="4581775"/>
+            <a:off x="9968915" y="5405650"/>
+            <a:ext cx="1847406" cy="531628"/>
           </a:xfrm>
-          <a:prstGeom prst="roundRect">
+          <a:prstGeom prst="wedgeRectCallout">
             <a:avLst>
-              <a:gd name="adj" fmla="val 2312"/>
+              <a:gd name="adj1" fmla="val -65714"/>
+              <a:gd name="adj2" fmla="val 34168"/>
             </a:avLst>
           </a:prstGeom>
           <a:solidFill>
-            <a:schemeClr val="bg2">
-              <a:lumMod val="90000"/>
-            </a:schemeClr>
+            <a:schemeClr val="bg2"/>
           </a:solidFill>
           <a:ln>
             <a:noFill/>
@@ -10236,233 +13491,27 @@
           </a:fontRef>
         </p:style>
         <p:txBody>
-          <a:bodyPr rtlCol="0" anchor="t"/>
+          <a:bodyPr rtlCol="0" anchor="ctr"/>
           <a:lstStyle/>
           <a:p>
-            <a:r>
-              <a:rPr lang="ja-JP" altLang="en-US" sz="2000" b="1" dirty="0">
+            <a:pPr algn="ctr"/>
+            <a:r>
+              <a:rPr kumimoji="1" lang="ja-JP" altLang="en-US" sz="1400" b="1" dirty="0">
                 <a:solidFill>
                   <a:schemeClr val="bg2">
                     <a:lumMod val="25000"/>
                   </a:schemeClr>
                 </a:solidFill>
               </a:rPr>
-              <a:t>　</a:t>
-            </a:r>
-            <a:r>
-              <a:rPr kumimoji="1" lang="ja-JP" altLang="en-US" sz="2000" b="1" dirty="0">
-                <a:solidFill>
-                  <a:schemeClr val="bg2">
-                    <a:lumMod val="25000"/>
-                  </a:schemeClr>
-                </a:solidFill>
-              </a:rPr>
-              <a:t>パズルフェーズ</a:t>
+              <a:t>ミスすると痛い！！</a:t>
             </a:r>
           </a:p>
         </p:txBody>
       </p:sp>
-      <p:sp>
-        <p:nvSpPr>
-          <p:cNvPr id="5" name="四角形: 角を丸くする 4">
-            <a:extLst>
-              <a:ext uri="{FF2B5EF4-FFF2-40B4-BE49-F238E27FC236}">
-                <a16:creationId xmlns:a16="http://schemas.microsoft.com/office/drawing/2014/main" id="{3F2551D4-1B4F-0AD1-E86D-28DBE469FE62}"/>
-              </a:ext>
-            </a:extLst>
-          </p:cNvPr>
-          <p:cNvSpPr/>
-          <p:nvPr/>
-        </p:nvSpPr>
-        <p:spPr>
-          <a:xfrm>
-            <a:off x="6328611" y="1690688"/>
-            <a:ext cx="5069305" cy="4581775"/>
-          </a:xfrm>
-          <a:prstGeom prst="roundRect">
-            <a:avLst>
-              <a:gd name="adj" fmla="val 2312"/>
-            </a:avLst>
-          </a:prstGeom>
-          <a:solidFill>
-            <a:schemeClr val="bg2">
-              <a:lumMod val="90000"/>
-            </a:schemeClr>
-          </a:solidFill>
-          <a:ln>
-            <a:noFill/>
-          </a:ln>
-        </p:spPr>
-        <p:style>
-          <a:lnRef idx="2">
-            <a:schemeClr val="accent1">
-              <a:shade val="50000"/>
-            </a:schemeClr>
-          </a:lnRef>
-          <a:fillRef idx="1">
-            <a:schemeClr val="accent1"/>
-          </a:fillRef>
-          <a:effectRef idx="0">
-            <a:schemeClr val="accent1"/>
-          </a:effectRef>
-          <a:fontRef idx="minor">
-            <a:schemeClr val="lt1"/>
-          </a:fontRef>
-        </p:style>
-        <p:txBody>
-          <a:bodyPr rtlCol="0" anchor="t"/>
-          <a:lstStyle/>
-          <a:p>
-            <a:r>
-              <a:rPr kumimoji="1" lang="ja-JP" altLang="en-US" sz="2000" b="1" dirty="0">
-                <a:solidFill>
-                  <a:schemeClr val="bg2">
-                    <a:lumMod val="25000"/>
-                  </a:schemeClr>
-                </a:solidFill>
-              </a:rPr>
-              <a:t>　リズムフェーズ</a:t>
-            </a:r>
-          </a:p>
-        </p:txBody>
-      </p:sp>
-      <p:grpSp>
-        <p:nvGrpSpPr>
-          <p:cNvPr id="8" name="グループ化 7">
-            <a:extLst>
-              <a:ext uri="{FF2B5EF4-FFF2-40B4-BE49-F238E27FC236}">
-                <a16:creationId xmlns:a16="http://schemas.microsoft.com/office/drawing/2014/main" id="{094AE183-7243-01E7-9D5C-DBA6C2278B8E}"/>
-              </a:ext>
-            </a:extLst>
-          </p:cNvPr>
-          <p:cNvGrpSpPr/>
-          <p:nvPr/>
-        </p:nvGrpSpPr>
-        <p:grpSpPr>
-          <a:xfrm>
-            <a:off x="5005137" y="3088878"/>
-            <a:ext cx="2029326" cy="1785394"/>
-            <a:chOff x="4965032" y="3156619"/>
-            <a:chExt cx="2029326" cy="1785394"/>
-          </a:xfrm>
-        </p:grpSpPr>
-        <p:sp>
-          <p:nvSpPr>
-            <p:cNvPr id="6" name="矢印: 右 5">
-              <a:extLst>
-                <a:ext uri="{FF2B5EF4-FFF2-40B4-BE49-F238E27FC236}">
-                  <a16:creationId xmlns:a16="http://schemas.microsoft.com/office/drawing/2014/main" id="{CE526F84-8CA5-BEBF-C7A0-9A0C20898465}"/>
-                </a:ext>
-              </a:extLst>
-            </p:cNvPr>
-            <p:cNvSpPr/>
-            <p:nvPr/>
-          </p:nvSpPr>
-          <p:spPr>
-            <a:xfrm>
-              <a:off x="5197642" y="3156619"/>
-              <a:ext cx="1796716" cy="960438"/>
-            </a:xfrm>
-            <a:prstGeom prst="rightArrow">
-              <a:avLst/>
-            </a:prstGeom>
-            <a:solidFill>
-              <a:schemeClr val="bg1"/>
-            </a:solidFill>
-            <a:ln w="57150">
-              <a:solidFill>
-                <a:schemeClr val="bg2">
-                  <a:lumMod val="90000"/>
-                </a:schemeClr>
-              </a:solidFill>
-            </a:ln>
-          </p:spPr>
-          <p:style>
-            <a:lnRef idx="2">
-              <a:schemeClr val="accent1">
-                <a:shade val="50000"/>
-              </a:schemeClr>
-            </a:lnRef>
-            <a:fillRef idx="1">
-              <a:schemeClr val="accent1"/>
-            </a:fillRef>
-            <a:effectRef idx="0">
-              <a:schemeClr val="accent1"/>
-            </a:effectRef>
-            <a:fontRef idx="minor">
-              <a:schemeClr val="lt1"/>
-            </a:fontRef>
-          </p:style>
-          <p:txBody>
-            <a:bodyPr rtlCol="0" anchor="ctr"/>
-            <a:lstStyle/>
-            <a:p>
-              <a:pPr algn="ctr"/>
-              <a:endParaRPr kumimoji="1" lang="ja-JP" altLang="en-US" dirty="0"/>
-            </a:p>
-          </p:txBody>
-        </p:sp>
-        <p:sp>
-          <p:nvSpPr>
-            <p:cNvPr id="7" name="矢印: 右 6">
-              <a:extLst>
-                <a:ext uri="{FF2B5EF4-FFF2-40B4-BE49-F238E27FC236}">
-                  <a16:creationId xmlns:a16="http://schemas.microsoft.com/office/drawing/2014/main" id="{AE9359BB-6B68-B356-5315-05EE24D79E5C}"/>
-                </a:ext>
-              </a:extLst>
-            </p:cNvPr>
-            <p:cNvSpPr/>
-            <p:nvPr/>
-          </p:nvSpPr>
-          <p:spPr>
-            <a:xfrm flipH="1">
-              <a:off x="4965032" y="3981575"/>
-              <a:ext cx="1796716" cy="960438"/>
-            </a:xfrm>
-            <a:prstGeom prst="rightArrow">
-              <a:avLst/>
-            </a:prstGeom>
-            <a:solidFill>
-              <a:schemeClr val="bg1"/>
-            </a:solidFill>
-            <a:ln w="57150">
-              <a:solidFill>
-                <a:schemeClr val="bg2">
-                  <a:lumMod val="90000"/>
-                </a:schemeClr>
-              </a:solidFill>
-            </a:ln>
-          </p:spPr>
-          <p:style>
-            <a:lnRef idx="2">
-              <a:schemeClr val="accent1">
-                <a:shade val="50000"/>
-              </a:schemeClr>
-            </a:lnRef>
-            <a:fillRef idx="1">
-              <a:schemeClr val="accent1"/>
-            </a:fillRef>
-            <a:effectRef idx="0">
-              <a:schemeClr val="accent1"/>
-            </a:effectRef>
-            <a:fontRef idx="minor">
-              <a:schemeClr val="lt1"/>
-            </a:fontRef>
-          </p:style>
-          <p:txBody>
-            <a:bodyPr rtlCol="0" anchor="ctr"/>
-            <a:lstStyle/>
-            <a:p>
-              <a:pPr algn="ctr"/>
-              <a:endParaRPr kumimoji="1" lang="ja-JP" altLang="en-US" dirty="0"/>
-            </a:p>
-          </p:txBody>
-        </p:sp>
-      </p:grpSp>
     </p:spTree>
     <p:extLst>
       <p:ext uri="{BB962C8B-B14F-4D97-AF65-F5344CB8AC3E}">
-        <p14:creationId xmlns:p14="http://schemas.microsoft.com/office/powerpoint/2010/main" val="2662075069"/>
+        <p14:creationId xmlns:p14="http://schemas.microsoft.com/office/powerpoint/2010/main" val="50367243"/>
       </p:ext>
     </p:extLst>
   </p:cSld>
